--- a/Slides/Lesson 1.3 Object-Oriented Principles.pptx
+++ b/Slides/Lesson 1.3 Object-Oriented Principles.pptx
@@ -1,16 +1,16 @@
 
 <file path=ppt/presentation.xml><?xml version="1.0" encoding="utf-8"?>
-<p:presentation xmlns:a="http://schemas.openxmlformats.org/drawingml/2006/main" xmlns:r="http://schemas.openxmlformats.org/officeDocument/2006/relationships" xmlns:p="http://schemas.openxmlformats.org/presentationml/2006/main" saveSubsetFonts="1">
+<p:presentation xmlns:a="http://schemas.openxmlformats.org/drawingml/2006/main" xmlns:r="http://schemas.openxmlformats.org/officeDocument/2006/relationships" xmlns:p="http://schemas.openxmlformats.org/presentationml/2006/main" embedTrueTypeFonts="1" saveSubsetFonts="1">
   <p:sldMasterIdLst>
     <p:sldMasterId id="2147483648" r:id="rId1"/>
   </p:sldMasterIdLst>
   <p:notesMasterIdLst>
-    <p:notesMasterId r:id="rId42"/>
+    <p:notesMasterId r:id="rId45"/>
   </p:notesMasterIdLst>
   <p:sldIdLst>
     <p:sldId id="256" r:id="rId2"/>
-    <p:sldId id="302" r:id="rId3"/>
-    <p:sldId id="355" r:id="rId4"/>
+    <p:sldId id="355" r:id="rId3"/>
+    <p:sldId id="302" r:id="rId4"/>
     <p:sldId id="351" r:id="rId5"/>
     <p:sldId id="352" r:id="rId6"/>
     <p:sldId id="357" r:id="rId7"/>
@@ -20,37 +20,72 @@
     <p:sldId id="380" r:id="rId11"/>
     <p:sldId id="405" r:id="rId12"/>
     <p:sldId id="377" r:id="rId13"/>
-    <p:sldId id="389" r:id="rId14"/>
-    <p:sldId id="382" r:id="rId15"/>
-    <p:sldId id="383" r:id="rId16"/>
-    <p:sldId id="384" r:id="rId17"/>
-    <p:sldId id="385" r:id="rId18"/>
-    <p:sldId id="386" r:id="rId19"/>
-    <p:sldId id="387" r:id="rId20"/>
-    <p:sldId id="388" r:id="rId21"/>
-    <p:sldId id="390" r:id="rId22"/>
-    <p:sldId id="391" r:id="rId23"/>
-    <p:sldId id="392" r:id="rId24"/>
-    <p:sldId id="393" r:id="rId25"/>
-    <p:sldId id="394" r:id="rId26"/>
-    <p:sldId id="395" r:id="rId27"/>
-    <p:sldId id="396" r:id="rId28"/>
-    <p:sldId id="397" r:id="rId29"/>
-    <p:sldId id="398" r:id="rId30"/>
-    <p:sldId id="282" r:id="rId31"/>
-    <p:sldId id="350" r:id="rId32"/>
-    <p:sldId id="399" r:id="rId33"/>
-    <p:sldId id="400" r:id="rId34"/>
-    <p:sldId id="401" r:id="rId35"/>
-    <p:sldId id="318" r:id="rId36"/>
-    <p:sldId id="402" r:id="rId37"/>
-    <p:sldId id="403" r:id="rId38"/>
-    <p:sldId id="404" r:id="rId39"/>
-    <p:sldId id="376" r:id="rId40"/>
-    <p:sldId id="298" r:id="rId41"/>
+    <p:sldId id="406" r:id="rId14"/>
+    <p:sldId id="407" r:id="rId15"/>
+    <p:sldId id="408" r:id="rId16"/>
+    <p:sldId id="389" r:id="rId17"/>
+    <p:sldId id="382" r:id="rId18"/>
+    <p:sldId id="383" r:id="rId19"/>
+    <p:sldId id="384" r:id="rId20"/>
+    <p:sldId id="385" r:id="rId21"/>
+    <p:sldId id="386" r:id="rId22"/>
+    <p:sldId id="387" r:id="rId23"/>
+    <p:sldId id="388" r:id="rId24"/>
+    <p:sldId id="390" r:id="rId25"/>
+    <p:sldId id="391" r:id="rId26"/>
+    <p:sldId id="392" r:id="rId27"/>
+    <p:sldId id="393" r:id="rId28"/>
+    <p:sldId id="394" r:id="rId29"/>
+    <p:sldId id="395" r:id="rId30"/>
+    <p:sldId id="396" r:id="rId31"/>
+    <p:sldId id="397" r:id="rId32"/>
+    <p:sldId id="398" r:id="rId33"/>
+    <p:sldId id="282" r:id="rId34"/>
+    <p:sldId id="350" r:id="rId35"/>
+    <p:sldId id="399" r:id="rId36"/>
+    <p:sldId id="400" r:id="rId37"/>
+    <p:sldId id="401" r:id="rId38"/>
+    <p:sldId id="318" r:id="rId39"/>
+    <p:sldId id="402" r:id="rId40"/>
+    <p:sldId id="403" r:id="rId41"/>
+    <p:sldId id="404" r:id="rId42"/>
+    <p:sldId id="376" r:id="rId43"/>
+    <p:sldId id="298" r:id="rId44"/>
   </p:sldIdLst>
   <p:sldSz cx="12192000" cy="6858000"/>
   <p:notesSz cx="6858000" cy="9144000"/>
+  <p:embeddedFontLst>
+    <p:embeddedFont>
+      <p:font typeface="Calibri" panose="020F0502020204030204" pitchFamily="34" charset="0"/>
+      <p:regular r:id="rId46"/>
+      <p:bold r:id="rId47"/>
+      <p:italic r:id="rId48"/>
+      <p:boldItalic r:id="rId49"/>
+    </p:embeddedFont>
+    <p:embeddedFont>
+      <p:font typeface="Calibri Light" panose="020F0302020204030204" pitchFamily="34" charset="0"/>
+      <p:regular r:id="rId50"/>
+      <p:italic r:id="rId51"/>
+    </p:embeddedFont>
+    <p:embeddedFont>
+      <p:font typeface="Consolas" panose="020B0609020204030204" pitchFamily="49" charset="0"/>
+      <p:regular r:id="rId52"/>
+      <p:bold r:id="rId53"/>
+      <p:italic r:id="rId54"/>
+      <p:boldItalic r:id="rId55"/>
+    </p:embeddedFont>
+    <p:embeddedFont>
+      <p:font typeface="Ink Free" panose="03080402000500000000" pitchFamily="66" charset="0"/>
+      <p:regular r:id="rId56"/>
+    </p:embeddedFont>
+    <p:embeddedFont>
+      <p:font typeface="Verdana" panose="020B0604030504040204" pitchFamily="34" charset="0"/>
+      <p:regular r:id="rId57"/>
+      <p:bold r:id="rId58"/>
+      <p:italic r:id="rId59"/>
+      <p:boldItalic r:id="rId60"/>
+    </p:embeddedFont>
+  </p:embeddedFontLst>
   <p:defaultTextStyle>
     <a:defPPr>
       <a:defRPr lang="en-US"/>
@@ -236,7 +271,7 @@
           <a:p>
             <a:fld id="{7C7E5181-6CF5-45F7-A87A-E0E0B1FD7549}" type="datetimeFigureOut">
               <a:rPr lang="en-US" smtClean="0"/>
-              <a:t>1/11/2021</a:t>
+              <a:t>1/17/2021</a:t>
             </a:fld>
             <a:endParaRPr lang="en-US"/>
           </a:p>
@@ -657,7 +692,7 @@
           <a:p>
             <a:fld id="{5D2A64DE-480B-420F-9649-4F8E696E08E0}" type="datetime1">
               <a:rPr lang="en-US" smtClean="0"/>
-              <a:t>1/11/2021</a:t>
+              <a:t>1/17/2021</a:t>
             </a:fld>
             <a:endParaRPr lang="en-US"/>
           </a:p>
@@ -891,7 +926,7 @@
           <a:p>
             <a:fld id="{0D3616D0-8311-4107-9726-6B805E7D05BA}" type="datetime1">
               <a:rPr lang="en-US" smtClean="0"/>
-              <a:t>1/11/2021</a:t>
+              <a:t>1/17/2021</a:t>
             </a:fld>
             <a:endParaRPr lang="en-US"/>
           </a:p>
@@ -1099,7 +1134,7 @@
           <a:p>
             <a:fld id="{3BC2557A-5C88-417A-A763-5AC779462A5F}" type="datetime1">
               <a:rPr lang="en-US" smtClean="0"/>
-              <a:t>1/11/2021</a:t>
+              <a:t>1/17/2021</a:t>
             </a:fld>
             <a:endParaRPr lang="en-US"/>
           </a:p>
@@ -1623,7 +1658,7 @@
           <a:p>
             <a:fld id="{07C7BFD4-467E-4EDE-93EA-052F5B39A4E5}" type="datetime1">
               <a:rPr lang="en-US" smtClean="0"/>
-              <a:t>1/11/2021</a:t>
+              <a:t>1/17/2021</a:t>
             </a:fld>
             <a:endParaRPr lang="en-US"/>
           </a:p>
@@ -1936,7 +1971,7 @@
           <a:p>
             <a:fld id="{A533CBE2-D5BE-47AC-ADC2-9CDFC1D0CF90}" type="datetime1">
               <a:rPr lang="en-US" smtClean="0"/>
-              <a:t>1/11/2021</a:t>
+              <a:t>1/17/2021</a:t>
             </a:fld>
             <a:endParaRPr lang="en-US"/>
           </a:p>
@@ -2237,7 +2272,7 @@
           <a:p>
             <a:fld id="{39B7EDB1-CE74-4951-85A2-0B01C2128E28}" type="datetime1">
               <a:rPr lang="en-US" smtClean="0"/>
-              <a:t>1/11/2021</a:t>
+              <a:t>1/17/2021</a:t>
             </a:fld>
             <a:endParaRPr lang="en-US"/>
           </a:p>
@@ -2685,7 +2720,7 @@
           <a:p>
             <a:fld id="{2BC7EB92-A5C2-4807-A9DC-9EDE6CBFB241}" type="datetime1">
               <a:rPr lang="en-US" smtClean="0"/>
-              <a:t>1/11/2021</a:t>
+              <a:t>1/17/2021</a:t>
             </a:fld>
             <a:endParaRPr lang="en-US"/>
           </a:p>
@@ -2831,7 +2866,7 @@
           <a:p>
             <a:fld id="{109E55A0-C911-4F03-82FC-7E5926047D46}" type="datetime1">
               <a:rPr lang="en-US" smtClean="0"/>
-              <a:t>1/11/2021</a:t>
+              <a:t>1/17/2021</a:t>
             </a:fld>
             <a:endParaRPr lang="en-US"/>
           </a:p>
@@ -2980,7 +3015,7 @@
           <a:p>
             <a:fld id="{2B7B7EE0-7771-4CD5-9B2B-3550753A54A1}" type="datetime1">
               <a:rPr lang="en-US" smtClean="0"/>
-              <a:t>1/11/2021</a:t>
+              <a:t>1/17/2021</a:t>
             </a:fld>
             <a:endParaRPr lang="en-US"/>
           </a:p>
@@ -3291,7 +3326,7 @@
           <a:p>
             <a:fld id="{F8B318B3-0E87-4416-A9B8-D891968C2727}" type="datetime1">
               <a:rPr lang="en-US" smtClean="0"/>
-              <a:t>1/11/2021</a:t>
+              <a:t>1/17/2021</a:t>
             </a:fld>
             <a:endParaRPr lang="en-US"/>
           </a:p>
@@ -3579,7 +3614,7 @@
           <a:p>
             <a:fld id="{EA476A42-A091-4468-A075-64A31BE59948}" type="datetime1">
               <a:rPr lang="en-US" smtClean="0"/>
-              <a:t>1/11/2021</a:t>
+              <a:t>1/17/2021</a:t>
             </a:fld>
             <a:endParaRPr lang="en-US"/>
           </a:p>
@@ -3820,7 +3855,7 @@
           <a:p>
             <a:fld id="{54D997E8-DDEE-43F1-8D9B-F8A1E11DE488}" type="datetime1">
               <a:rPr lang="en-US" smtClean="0"/>
-              <a:t>1/11/2021</a:t>
+              <a:t>1/17/2021</a:t>
             </a:fld>
             <a:endParaRPr lang="en-US"/>
           </a:p>
@@ -4940,6 +4975,70 @@
           </a:p>
         </p:txBody>
       </p:sp>
+      <p:sp>
+        <p:nvSpPr>
+          <p:cNvPr id="5" name="Rectangle 4">
+            <a:extLst>
+              <a:ext uri="{FF2B5EF4-FFF2-40B4-BE49-F238E27FC236}">
+                <a16:creationId xmlns:a16="http://schemas.microsoft.com/office/drawing/2014/main" id="{C43631D4-CCD0-4C97-AC0B-D7A5323F8490}"/>
+              </a:ext>
+            </a:extLst>
+          </p:cNvPr>
+          <p:cNvSpPr/>
+          <p:nvPr/>
+        </p:nvSpPr>
+        <p:spPr>
+          <a:xfrm>
+            <a:off x="9190355" y="2531170"/>
+            <a:ext cx="2450660" cy="2104135"/>
+          </a:xfrm>
+          <a:prstGeom prst="rect">
+            <a:avLst/>
+          </a:prstGeom>
+          <a:solidFill>
+            <a:schemeClr val="accent2">
+              <a:lumMod val="20000"/>
+              <a:lumOff val="80000"/>
+            </a:schemeClr>
+          </a:solidFill>
+          <a:ln>
+            <a:solidFill>
+              <a:srgbClr val="0070C0"/>
+            </a:solidFill>
+          </a:ln>
+        </p:spPr>
+        <p:style>
+          <a:lnRef idx="2">
+            <a:schemeClr val="accent1">
+              <a:shade val="50000"/>
+            </a:schemeClr>
+          </a:lnRef>
+          <a:fillRef idx="1">
+            <a:schemeClr val="accent1"/>
+          </a:fillRef>
+          <a:effectRef idx="0">
+            <a:schemeClr val="accent1"/>
+          </a:effectRef>
+          <a:fontRef idx="minor">
+            <a:schemeClr val="lt1"/>
+          </a:fontRef>
+        </p:style>
+        <p:txBody>
+          <a:bodyPr rtlCol="0" anchor="t"/>
+          <a:lstStyle/>
+          <a:p>
+            <a:r>
+              <a:rPr lang="en-US" b="1" dirty="0">
+                <a:solidFill>
+                  <a:schemeClr val="tx1"/>
+                </a:solidFill>
+                <a:latin typeface="Ink Free" panose="03080402000500000000" pitchFamily="66" charset="0"/>
+              </a:rPr>
+              <a:t>Look it up!  You should look up each of these vocabulary words on the internet so you will be prepared to define them if your coop interviewer asks you!</a:t>
+            </a:r>
+          </a:p>
+        </p:txBody>
+      </p:sp>
     </p:spTree>
     <p:extLst>
       <p:ext uri="{BB962C8B-B14F-4D97-AF65-F5344CB8AC3E}">
@@ -5022,6 +5121,2077 @@
             <a:fld id="{20F37917-FD3A-4669-9018-DA04BCDD3D75}" type="slidenum">
               <a:rPr lang="en-US" smtClean="0"/>
               <a:t>12</a:t>
+            </a:fld>
+            <a:endParaRPr lang="en-US"/>
+          </a:p>
+        </p:txBody>
+      </p:sp>
+      <p:sp>
+        <p:nvSpPr>
+          <p:cNvPr id="7" name="Rectangle 6">
+            <a:extLst>
+              <a:ext uri="{FF2B5EF4-FFF2-40B4-BE49-F238E27FC236}">
+                <a16:creationId xmlns:a16="http://schemas.microsoft.com/office/drawing/2014/main" id="{33172FB0-4B98-4795-B51A-84E0192E7318}"/>
+              </a:ext>
+            </a:extLst>
+          </p:cNvPr>
+          <p:cNvSpPr/>
+          <p:nvPr/>
+        </p:nvSpPr>
+        <p:spPr>
+          <a:xfrm>
+            <a:off x="838200" y="1693379"/>
+            <a:ext cx="10254175" cy="4801314"/>
+          </a:xfrm>
+          <a:prstGeom prst="rect">
+            <a:avLst/>
+          </a:prstGeom>
+        </p:spPr>
+        <p:txBody>
+          <a:bodyPr wrap="square">
+            <a:spAutoFit/>
+          </a:bodyPr>
+          <a:lstStyle/>
+          <a:p>
+            <a:r>
+              <a:rPr lang="en-US" dirty="0">
+                <a:solidFill>
+                  <a:srgbClr val="0000FF"/>
+                </a:solidFill>
+                <a:latin typeface="Consolas" panose="020B0609020204030204" pitchFamily="49" charset="0"/>
+              </a:rPr>
+              <a:t>class</a:t>
+            </a:r>
+            <a:r>
+              <a:rPr lang="en-US" dirty="0">
+                <a:solidFill>
+                  <a:srgbClr val="000000"/>
+                </a:solidFill>
+                <a:latin typeface="Consolas" panose="020B0609020204030204" pitchFamily="49" charset="0"/>
+              </a:rPr>
+              <a:t> </a:t>
+            </a:r>
+            <a:r>
+              <a:rPr lang="en-US" dirty="0" err="1">
+                <a:solidFill>
+                  <a:srgbClr val="000000"/>
+                </a:solidFill>
+                <a:latin typeface="Consolas" panose="020B0609020204030204" pitchFamily="49" charset="0"/>
+              </a:rPr>
+              <a:t>TemperatureMonitor</a:t>
+            </a:r>
+            <a:r>
+              <a:rPr lang="en-US" dirty="0">
+                <a:solidFill>
+                  <a:srgbClr val="000000"/>
+                </a:solidFill>
+                <a:latin typeface="Consolas" panose="020B0609020204030204" pitchFamily="49" charset="0"/>
+              </a:rPr>
+              <a:t> {</a:t>
+            </a:r>
+          </a:p>
+          <a:p>
+            <a:r>
+              <a:rPr lang="en-US" dirty="0">
+                <a:solidFill>
+                  <a:srgbClr val="000000"/>
+                </a:solidFill>
+                <a:latin typeface="Consolas" panose="020B0609020204030204" pitchFamily="49" charset="0"/>
+              </a:rPr>
+              <a:t>    </a:t>
+            </a:r>
+            <a:r>
+              <a:rPr lang="en-US" dirty="0">
+                <a:solidFill>
+                  <a:srgbClr val="0000FF"/>
+                </a:solidFill>
+                <a:latin typeface="Consolas" panose="020B0609020204030204" pitchFamily="49" charset="0"/>
+              </a:rPr>
+              <a:t>constructor</a:t>
+            </a:r>
+            <a:r>
+              <a:rPr lang="en-US" dirty="0">
+                <a:solidFill>
+                  <a:srgbClr val="000000"/>
+                </a:solidFill>
+                <a:latin typeface="Consolas" panose="020B0609020204030204" pitchFamily="49" charset="0"/>
+              </a:rPr>
+              <a:t>(</a:t>
+            </a:r>
+          </a:p>
+          <a:p>
+            <a:r>
+              <a:rPr lang="en-US" dirty="0">
+                <a:solidFill>
+                  <a:srgbClr val="000000"/>
+                </a:solidFill>
+                <a:latin typeface="Consolas" panose="020B0609020204030204" pitchFamily="49" charset="0"/>
+              </a:rPr>
+              <a:t>        </a:t>
+            </a:r>
+            <a:r>
+              <a:rPr lang="en-US" dirty="0">
+                <a:solidFill>
+                  <a:srgbClr val="0000FF"/>
+                </a:solidFill>
+                <a:latin typeface="Consolas" panose="020B0609020204030204" pitchFamily="49" charset="0"/>
+              </a:rPr>
+              <a:t>private</a:t>
+            </a:r>
+            <a:r>
+              <a:rPr lang="en-US" dirty="0">
+                <a:solidFill>
+                  <a:srgbClr val="000000"/>
+                </a:solidFill>
+                <a:latin typeface="Consolas" panose="020B0609020204030204" pitchFamily="49" charset="0"/>
+              </a:rPr>
+              <a:t> sensor: </a:t>
+            </a:r>
+            <a:r>
+              <a:rPr lang="en-US" dirty="0" err="1">
+                <a:solidFill>
+                  <a:srgbClr val="000000"/>
+                </a:solidFill>
+                <a:highlight>
+                  <a:srgbClr val="FFFF00"/>
+                </a:highlight>
+                <a:latin typeface="Consolas" panose="020B0609020204030204" pitchFamily="49" charset="0"/>
+              </a:rPr>
+              <a:t>TemperatureSensor</a:t>
+            </a:r>
+            <a:r>
+              <a:rPr lang="en-US" dirty="0">
+                <a:solidFill>
+                  <a:srgbClr val="000000"/>
+                </a:solidFill>
+                <a:latin typeface="Consolas" panose="020B0609020204030204" pitchFamily="49" charset="0"/>
+              </a:rPr>
+              <a:t>,</a:t>
+            </a:r>
+          </a:p>
+          <a:p>
+            <a:r>
+              <a:rPr lang="en-US" dirty="0">
+                <a:solidFill>
+                  <a:srgbClr val="000000"/>
+                </a:solidFill>
+                <a:latin typeface="Consolas" panose="020B0609020204030204" pitchFamily="49" charset="0"/>
+              </a:rPr>
+              <a:t>        </a:t>
+            </a:r>
+            <a:r>
+              <a:rPr lang="en-US" dirty="0">
+                <a:solidFill>
+                  <a:srgbClr val="0000FF"/>
+                </a:solidFill>
+                <a:latin typeface="Consolas" panose="020B0609020204030204" pitchFamily="49" charset="0"/>
+              </a:rPr>
+              <a:t>private</a:t>
+            </a:r>
+            <a:r>
+              <a:rPr lang="en-US" dirty="0">
+                <a:solidFill>
+                  <a:srgbClr val="000000"/>
+                </a:solidFill>
+                <a:latin typeface="Consolas" panose="020B0609020204030204" pitchFamily="49" charset="0"/>
+              </a:rPr>
+              <a:t> </a:t>
+            </a:r>
+            <a:r>
+              <a:rPr lang="en-US" dirty="0" err="1">
+                <a:solidFill>
+                  <a:srgbClr val="000000"/>
+                </a:solidFill>
+                <a:latin typeface="Consolas" panose="020B0609020204030204" pitchFamily="49" charset="0"/>
+              </a:rPr>
+              <a:t>maxTemp</a:t>
+            </a:r>
+            <a:r>
+              <a:rPr lang="en-US" dirty="0">
+                <a:solidFill>
+                  <a:srgbClr val="000000"/>
+                </a:solidFill>
+                <a:latin typeface="Consolas" panose="020B0609020204030204" pitchFamily="49" charset="0"/>
+              </a:rPr>
+              <a:t>: Temperature,</a:t>
+            </a:r>
+          </a:p>
+          <a:p>
+            <a:r>
+              <a:rPr lang="en-US" dirty="0">
+                <a:solidFill>
+                  <a:srgbClr val="000000"/>
+                </a:solidFill>
+                <a:latin typeface="Consolas" panose="020B0609020204030204" pitchFamily="49" charset="0"/>
+              </a:rPr>
+              <a:t>        </a:t>
+            </a:r>
+            <a:r>
+              <a:rPr lang="en-US" dirty="0">
+                <a:solidFill>
+                  <a:srgbClr val="0000FF"/>
+                </a:solidFill>
+                <a:latin typeface="Consolas" panose="020B0609020204030204" pitchFamily="49" charset="0"/>
+              </a:rPr>
+              <a:t>private</a:t>
+            </a:r>
+            <a:r>
+              <a:rPr lang="en-US" dirty="0">
+                <a:solidFill>
+                  <a:srgbClr val="000000"/>
+                </a:solidFill>
+                <a:latin typeface="Consolas" panose="020B0609020204030204" pitchFamily="49" charset="0"/>
+              </a:rPr>
+              <a:t> </a:t>
+            </a:r>
+            <a:r>
+              <a:rPr lang="en-US" dirty="0" err="1">
+                <a:solidFill>
+                  <a:srgbClr val="000000"/>
+                </a:solidFill>
+                <a:latin typeface="Consolas" panose="020B0609020204030204" pitchFamily="49" charset="0"/>
+              </a:rPr>
+              <a:t>minTemp</a:t>
+            </a:r>
+            <a:r>
+              <a:rPr lang="en-US" dirty="0">
+                <a:solidFill>
+                  <a:srgbClr val="000000"/>
+                </a:solidFill>
+                <a:latin typeface="Consolas" panose="020B0609020204030204" pitchFamily="49" charset="0"/>
+              </a:rPr>
+              <a:t>: Temperature,</a:t>
+            </a:r>
+          </a:p>
+          <a:p>
+            <a:r>
+              <a:rPr lang="en-US" dirty="0">
+                <a:solidFill>
+                  <a:srgbClr val="000000"/>
+                </a:solidFill>
+                <a:latin typeface="Consolas" panose="020B0609020204030204" pitchFamily="49" charset="0"/>
+              </a:rPr>
+              <a:t>        </a:t>
+            </a:r>
+            <a:r>
+              <a:rPr lang="en-US" dirty="0">
+                <a:solidFill>
+                  <a:srgbClr val="0000FF"/>
+                </a:solidFill>
+                <a:latin typeface="Consolas" panose="020B0609020204030204" pitchFamily="49" charset="0"/>
+              </a:rPr>
+              <a:t>private</a:t>
+            </a:r>
+            <a:r>
+              <a:rPr lang="en-US" dirty="0">
+                <a:solidFill>
+                  <a:srgbClr val="000000"/>
+                </a:solidFill>
+                <a:latin typeface="Consolas" panose="020B0609020204030204" pitchFamily="49" charset="0"/>
+              </a:rPr>
+              <a:t> alarm: </a:t>
+            </a:r>
+            <a:r>
+              <a:rPr lang="en-US" dirty="0" err="1">
+                <a:solidFill>
+                  <a:srgbClr val="000000"/>
+                </a:solidFill>
+                <a:highlight>
+                  <a:srgbClr val="FFFF00"/>
+                </a:highlight>
+                <a:latin typeface="Consolas" panose="020B0609020204030204" pitchFamily="49" charset="0"/>
+              </a:rPr>
+              <a:t>IAlarm</a:t>
+            </a:r>
+            <a:r>
+              <a:rPr lang="en-US" dirty="0">
+                <a:solidFill>
+                  <a:srgbClr val="000000"/>
+                </a:solidFill>
+                <a:latin typeface="Consolas" panose="020B0609020204030204" pitchFamily="49" charset="0"/>
+              </a:rPr>
+              <a:t>,</a:t>
+            </a:r>
+          </a:p>
+          <a:p>
+            <a:r>
+              <a:rPr lang="en-US" dirty="0">
+                <a:solidFill>
+                  <a:srgbClr val="000000"/>
+                </a:solidFill>
+                <a:latin typeface="Consolas" panose="020B0609020204030204" pitchFamily="49" charset="0"/>
+              </a:rPr>
+              <a:t>    ) { }</a:t>
+            </a:r>
+          </a:p>
+          <a:p>
+            <a:br>
+              <a:rPr lang="en-US" dirty="0">
+                <a:solidFill>
+                  <a:srgbClr val="000000"/>
+                </a:solidFill>
+                <a:latin typeface="Consolas" panose="020B0609020204030204" pitchFamily="49" charset="0"/>
+              </a:rPr>
+            </a:br>
+            <a:r>
+              <a:rPr lang="en-US" dirty="0">
+                <a:solidFill>
+                  <a:srgbClr val="000000"/>
+                </a:solidFill>
+                <a:latin typeface="Consolas" panose="020B0609020204030204" pitchFamily="49" charset="0"/>
+              </a:rPr>
+              <a:t>    </a:t>
+            </a:r>
+            <a:r>
+              <a:rPr lang="en-US" dirty="0">
+                <a:solidFill>
+                  <a:srgbClr val="008000"/>
+                </a:solidFill>
+                <a:latin typeface="Consolas" panose="020B0609020204030204" pitchFamily="49" charset="0"/>
+              </a:rPr>
+              <a:t>// if the sensor is out of range, sound the alarm</a:t>
+            </a:r>
+            <a:endParaRPr lang="en-US" dirty="0">
+              <a:solidFill>
+                <a:srgbClr val="000000"/>
+              </a:solidFill>
+              <a:latin typeface="Consolas" panose="020B0609020204030204" pitchFamily="49" charset="0"/>
+            </a:endParaRPr>
+          </a:p>
+          <a:p>
+            <a:r>
+              <a:rPr lang="en-US" dirty="0">
+                <a:solidFill>
+                  <a:srgbClr val="000000"/>
+                </a:solidFill>
+                <a:latin typeface="Consolas" panose="020B0609020204030204" pitchFamily="49" charset="0"/>
+              </a:rPr>
+              <a:t>    </a:t>
+            </a:r>
+            <a:r>
+              <a:rPr lang="en-US" dirty="0">
+                <a:solidFill>
+                  <a:srgbClr val="0000FF"/>
+                </a:solidFill>
+                <a:latin typeface="Consolas" panose="020B0609020204030204" pitchFamily="49" charset="0"/>
+              </a:rPr>
+              <a:t>public</a:t>
+            </a:r>
+            <a:r>
+              <a:rPr lang="en-US" dirty="0">
+                <a:solidFill>
+                  <a:srgbClr val="000000"/>
+                </a:solidFill>
+                <a:latin typeface="Consolas" panose="020B0609020204030204" pitchFamily="49" charset="0"/>
+              </a:rPr>
+              <a:t> </a:t>
+            </a:r>
+            <a:r>
+              <a:rPr lang="en-US" dirty="0" err="1">
+                <a:solidFill>
+                  <a:srgbClr val="000000"/>
+                </a:solidFill>
+                <a:latin typeface="Consolas" panose="020B0609020204030204" pitchFamily="49" charset="0"/>
+              </a:rPr>
+              <a:t>checkSensor</a:t>
+            </a:r>
+            <a:r>
+              <a:rPr lang="en-US" dirty="0">
+                <a:solidFill>
+                  <a:srgbClr val="000000"/>
+                </a:solidFill>
+                <a:latin typeface="Consolas" panose="020B0609020204030204" pitchFamily="49" charset="0"/>
+              </a:rPr>
+              <a:t>(): void {</a:t>
+            </a:r>
+          </a:p>
+          <a:p>
+            <a:r>
+              <a:rPr lang="en-US" dirty="0">
+                <a:solidFill>
+                  <a:srgbClr val="000000"/>
+                </a:solidFill>
+                <a:latin typeface="Consolas" panose="020B0609020204030204" pitchFamily="49" charset="0"/>
+              </a:rPr>
+              <a:t>        </a:t>
+            </a:r>
+            <a:r>
+              <a:rPr lang="en-US" dirty="0">
+                <a:solidFill>
+                  <a:srgbClr val="0000FF"/>
+                </a:solidFill>
+                <a:latin typeface="Consolas" panose="020B0609020204030204" pitchFamily="49" charset="0"/>
+              </a:rPr>
+              <a:t>let</a:t>
+            </a:r>
+            <a:r>
+              <a:rPr lang="en-US" dirty="0">
+                <a:solidFill>
+                  <a:srgbClr val="000000"/>
+                </a:solidFill>
+                <a:latin typeface="Consolas" panose="020B0609020204030204" pitchFamily="49" charset="0"/>
+              </a:rPr>
+              <a:t> temp: Temperature = </a:t>
+            </a:r>
+            <a:r>
+              <a:rPr lang="en-US" dirty="0" err="1">
+                <a:solidFill>
+                  <a:srgbClr val="0000FF"/>
+                </a:solidFill>
+                <a:latin typeface="Consolas" panose="020B0609020204030204" pitchFamily="49" charset="0"/>
+              </a:rPr>
+              <a:t>this</a:t>
+            </a:r>
+            <a:r>
+              <a:rPr lang="en-US" dirty="0" err="1">
+                <a:solidFill>
+                  <a:srgbClr val="000000"/>
+                </a:solidFill>
+                <a:latin typeface="Consolas" panose="020B0609020204030204" pitchFamily="49" charset="0"/>
+              </a:rPr>
+              <a:t>.sensor.getTemperature</a:t>
+            </a:r>
+            <a:r>
+              <a:rPr lang="en-US" dirty="0">
+                <a:solidFill>
+                  <a:srgbClr val="000000"/>
+                </a:solidFill>
+                <a:latin typeface="Consolas" panose="020B0609020204030204" pitchFamily="49" charset="0"/>
+              </a:rPr>
+              <a:t>()</a:t>
+            </a:r>
+          </a:p>
+          <a:p>
+            <a:r>
+              <a:rPr lang="en-US" dirty="0">
+                <a:solidFill>
+                  <a:srgbClr val="000000"/>
+                </a:solidFill>
+                <a:latin typeface="Consolas" panose="020B0609020204030204" pitchFamily="49" charset="0"/>
+              </a:rPr>
+              <a:t>        </a:t>
+            </a:r>
+            <a:r>
+              <a:rPr lang="en-US" dirty="0">
+                <a:solidFill>
+                  <a:srgbClr val="0000FF"/>
+                </a:solidFill>
+                <a:latin typeface="Consolas" panose="020B0609020204030204" pitchFamily="49" charset="0"/>
+              </a:rPr>
+              <a:t>if</a:t>
+            </a:r>
+            <a:r>
+              <a:rPr lang="en-US" dirty="0">
+                <a:solidFill>
+                  <a:srgbClr val="000000"/>
+                </a:solidFill>
+                <a:latin typeface="Consolas" panose="020B0609020204030204" pitchFamily="49" charset="0"/>
+              </a:rPr>
+              <a:t> ((temp &lt; </a:t>
+            </a:r>
+            <a:r>
+              <a:rPr lang="en-US" dirty="0" err="1">
+                <a:solidFill>
+                  <a:srgbClr val="0000FF"/>
+                </a:solidFill>
+                <a:latin typeface="Consolas" panose="020B0609020204030204" pitchFamily="49" charset="0"/>
+              </a:rPr>
+              <a:t>this</a:t>
+            </a:r>
+            <a:r>
+              <a:rPr lang="en-US" dirty="0" err="1">
+                <a:solidFill>
+                  <a:srgbClr val="000000"/>
+                </a:solidFill>
+                <a:latin typeface="Consolas" panose="020B0609020204030204" pitchFamily="49" charset="0"/>
+              </a:rPr>
+              <a:t>.minTemp</a:t>
+            </a:r>
+            <a:r>
+              <a:rPr lang="en-US" dirty="0">
+                <a:solidFill>
+                  <a:srgbClr val="000000"/>
+                </a:solidFill>
+                <a:latin typeface="Consolas" panose="020B0609020204030204" pitchFamily="49" charset="0"/>
+              </a:rPr>
+              <a:t>) || (temp &gt; </a:t>
+            </a:r>
+            <a:r>
+              <a:rPr lang="en-US" dirty="0" err="1">
+                <a:solidFill>
+                  <a:srgbClr val="0000FF"/>
+                </a:solidFill>
+                <a:latin typeface="Consolas" panose="020B0609020204030204" pitchFamily="49" charset="0"/>
+              </a:rPr>
+              <a:t>this</a:t>
+            </a:r>
+            <a:r>
+              <a:rPr lang="en-US" dirty="0" err="1">
+                <a:solidFill>
+                  <a:srgbClr val="000000"/>
+                </a:solidFill>
+                <a:latin typeface="Consolas" panose="020B0609020204030204" pitchFamily="49" charset="0"/>
+              </a:rPr>
+              <a:t>.maxTemp</a:t>
+            </a:r>
+            <a:r>
+              <a:rPr lang="en-US" dirty="0">
+                <a:solidFill>
+                  <a:srgbClr val="000000"/>
+                </a:solidFill>
+                <a:latin typeface="Consolas" panose="020B0609020204030204" pitchFamily="49" charset="0"/>
+              </a:rPr>
+              <a:t>)) </a:t>
+            </a:r>
+          </a:p>
+          <a:p>
+            <a:r>
+              <a:rPr lang="en-US" dirty="0">
+                <a:solidFill>
+                  <a:srgbClr val="000000"/>
+                </a:solidFill>
+                <a:latin typeface="Consolas" panose="020B0609020204030204" pitchFamily="49" charset="0"/>
+              </a:rPr>
+              <a:t>        { </a:t>
+            </a:r>
+            <a:r>
+              <a:rPr lang="en-US" dirty="0" err="1">
+                <a:solidFill>
+                  <a:srgbClr val="0000FF"/>
+                </a:solidFill>
+                <a:latin typeface="Consolas" panose="020B0609020204030204" pitchFamily="49" charset="0"/>
+              </a:rPr>
+              <a:t>this</a:t>
+            </a:r>
+            <a:r>
+              <a:rPr lang="en-US" dirty="0" err="1">
+                <a:solidFill>
+                  <a:srgbClr val="000000"/>
+                </a:solidFill>
+                <a:latin typeface="Consolas" panose="020B0609020204030204" pitchFamily="49" charset="0"/>
+              </a:rPr>
+              <a:t>.alarm.soundAlarm</a:t>
+            </a:r>
+            <a:r>
+              <a:rPr lang="en-US" dirty="0">
+                <a:solidFill>
+                  <a:srgbClr val="000000"/>
+                </a:solidFill>
+                <a:latin typeface="Consolas" panose="020B0609020204030204" pitchFamily="49" charset="0"/>
+              </a:rPr>
+              <a:t>() }</a:t>
+            </a:r>
+          </a:p>
+          <a:p>
+            <a:r>
+              <a:rPr lang="en-US" dirty="0">
+                <a:solidFill>
+                  <a:srgbClr val="000000"/>
+                </a:solidFill>
+                <a:latin typeface="Consolas" panose="020B0609020204030204" pitchFamily="49" charset="0"/>
+              </a:rPr>
+              <a:t>    }</a:t>
+            </a:r>
+            <a:br>
+              <a:rPr lang="en-US" dirty="0">
+                <a:solidFill>
+                  <a:srgbClr val="000000"/>
+                </a:solidFill>
+                <a:latin typeface="Consolas" panose="020B0609020204030204" pitchFamily="49" charset="0"/>
+              </a:rPr>
+            </a:br>
+            <a:r>
+              <a:rPr lang="en-US" dirty="0">
+                <a:solidFill>
+                  <a:srgbClr val="000000"/>
+                </a:solidFill>
+                <a:latin typeface="Consolas" panose="020B0609020204030204" pitchFamily="49" charset="0"/>
+              </a:rPr>
+              <a:t>}</a:t>
+            </a:r>
+          </a:p>
+          <a:p>
+            <a:r>
+              <a:rPr lang="en-US" dirty="0">
+                <a:solidFill>
+                  <a:srgbClr val="008000"/>
+                </a:solidFill>
+                <a:latin typeface="Consolas" panose="020B0609020204030204" pitchFamily="49" charset="0"/>
+              </a:rPr>
+              <a:t>// sounds an alarm</a:t>
+            </a:r>
+            <a:br>
+              <a:rPr lang="en-US" dirty="0">
+                <a:solidFill>
+                  <a:srgbClr val="000000"/>
+                </a:solidFill>
+                <a:latin typeface="Consolas" panose="020B0609020204030204" pitchFamily="49" charset="0"/>
+              </a:rPr>
+            </a:br>
+            <a:r>
+              <a:rPr lang="en-US" dirty="0">
+                <a:solidFill>
+                  <a:srgbClr val="0000FF"/>
+                </a:solidFill>
+                <a:latin typeface="Consolas" panose="020B0609020204030204" pitchFamily="49" charset="0"/>
+              </a:rPr>
+              <a:t>interface</a:t>
+            </a:r>
+            <a:r>
+              <a:rPr lang="en-US" dirty="0">
+                <a:solidFill>
+                  <a:srgbClr val="000000"/>
+                </a:solidFill>
+                <a:latin typeface="Consolas" panose="020B0609020204030204" pitchFamily="49" charset="0"/>
+              </a:rPr>
+              <a:t> </a:t>
+            </a:r>
+            <a:r>
+              <a:rPr lang="en-US" dirty="0" err="1">
+                <a:solidFill>
+                  <a:srgbClr val="000000"/>
+                </a:solidFill>
+                <a:latin typeface="Consolas" panose="020B0609020204030204" pitchFamily="49" charset="0"/>
+              </a:rPr>
+              <a:t>IAlarm</a:t>
+            </a:r>
+            <a:r>
+              <a:rPr lang="en-US" dirty="0">
+                <a:solidFill>
+                  <a:srgbClr val="000000"/>
+                </a:solidFill>
+                <a:latin typeface="Consolas" panose="020B0609020204030204" pitchFamily="49" charset="0"/>
+              </a:rPr>
+              <a:t> { </a:t>
+            </a:r>
+            <a:r>
+              <a:rPr lang="en-US" dirty="0" err="1">
+                <a:solidFill>
+                  <a:srgbClr val="000000"/>
+                </a:solidFill>
+                <a:latin typeface="Consolas" panose="020B0609020204030204" pitchFamily="49" charset="0"/>
+              </a:rPr>
+              <a:t>soundAlarm</a:t>
+            </a:r>
+            <a:r>
+              <a:rPr lang="en-US" dirty="0">
+                <a:solidFill>
+                  <a:srgbClr val="000000"/>
+                </a:solidFill>
+                <a:latin typeface="Consolas" panose="020B0609020204030204" pitchFamily="49" charset="0"/>
+              </a:rPr>
+              <a:t>(): void }</a:t>
+            </a:r>
+            <a:endParaRPr lang="en-US" b="0" dirty="0">
+              <a:solidFill>
+                <a:srgbClr val="000000"/>
+              </a:solidFill>
+              <a:effectLst/>
+              <a:latin typeface="Consolas" panose="020B0609020204030204" pitchFamily="49" charset="0"/>
+            </a:endParaRPr>
+          </a:p>
+        </p:txBody>
+      </p:sp>
+    </p:spTree>
+    <p:extLst>
+      <p:ext uri="{BB962C8B-B14F-4D97-AF65-F5344CB8AC3E}">
+        <p14:creationId xmlns:p14="http://schemas.microsoft.com/office/powerpoint/2010/main" val="307450874"/>
+      </p:ext>
+    </p:extLst>
+  </p:cSld>
+  <p:clrMapOvr>
+    <a:masterClrMapping/>
+  </p:clrMapOvr>
+</p:sld>
+</file>
+
+<file path=ppt/slides/slide13.xml><?xml version="1.0" encoding="utf-8"?>
+<p:sld xmlns:a="http://schemas.openxmlformats.org/drawingml/2006/main" xmlns:r="http://schemas.openxmlformats.org/officeDocument/2006/relationships" xmlns:p="http://schemas.openxmlformats.org/presentationml/2006/main">
+  <p:cSld>
+    <p:spTree>
+      <p:nvGrpSpPr>
+        <p:cNvPr id="1" name=""/>
+        <p:cNvGrpSpPr/>
+        <p:nvPr/>
+      </p:nvGrpSpPr>
+      <p:grpSpPr>
+        <a:xfrm>
+          <a:off x="0" y="0"/>
+          <a:ext cx="0" cy="0"/>
+          <a:chOff x="0" y="0"/>
+          <a:chExt cx="0" cy="0"/>
+        </a:xfrm>
+      </p:grpSpPr>
+      <p:sp>
+        <p:nvSpPr>
+          <p:cNvPr id="2" name="Title 1">
+            <a:extLst>
+              <a:ext uri="{FF2B5EF4-FFF2-40B4-BE49-F238E27FC236}">
+                <a16:creationId xmlns:a16="http://schemas.microsoft.com/office/drawing/2014/main" id="{60F34501-4FDE-4959-9C6D-40F748C3E634}"/>
+              </a:ext>
+            </a:extLst>
+          </p:cNvPr>
+          <p:cNvSpPr>
+            <a:spLocks noGrp="1"/>
+          </p:cNvSpPr>
+          <p:nvPr>
+            <p:ph type="title"/>
+          </p:nvPr>
+        </p:nvSpPr>
+        <p:spPr/>
+        <p:txBody>
+          <a:bodyPr/>
+          <a:lstStyle/>
+          <a:p>
+            <a:r>
+              <a:rPr lang="en-US" dirty="0"/>
+              <a:t>Review: TypeScript classes</a:t>
+            </a:r>
+          </a:p>
+        </p:txBody>
+      </p:sp>
+      <p:sp>
+        <p:nvSpPr>
+          <p:cNvPr id="4" name="Slide Number Placeholder 3">
+            <a:extLst>
+              <a:ext uri="{FF2B5EF4-FFF2-40B4-BE49-F238E27FC236}">
+                <a16:creationId xmlns:a16="http://schemas.microsoft.com/office/drawing/2014/main" id="{43A56657-BD33-41EB-8A17-78091CCB10F1}"/>
+              </a:ext>
+            </a:extLst>
+          </p:cNvPr>
+          <p:cNvSpPr>
+            <a:spLocks noGrp="1"/>
+          </p:cNvSpPr>
+          <p:nvPr>
+            <p:ph type="sldNum" sz="quarter" idx="12"/>
+          </p:nvPr>
+        </p:nvSpPr>
+        <p:spPr/>
+        <p:txBody>
+          <a:bodyPr/>
+          <a:lstStyle/>
+          <a:p>
+            <a:fld id="{20F37917-FD3A-4669-9018-DA04BCDD3D75}" type="slidenum">
+              <a:rPr lang="en-US" smtClean="0"/>
+              <a:t>13</a:t>
+            </a:fld>
+            <a:endParaRPr lang="en-US"/>
+          </a:p>
+        </p:txBody>
+      </p:sp>
+      <p:sp>
+        <p:nvSpPr>
+          <p:cNvPr id="5" name="Rectangle 4">
+            <a:extLst>
+              <a:ext uri="{FF2B5EF4-FFF2-40B4-BE49-F238E27FC236}">
+                <a16:creationId xmlns:a16="http://schemas.microsoft.com/office/drawing/2014/main" id="{3D690EB0-BCAF-4552-9546-2D8553CC453D}"/>
+              </a:ext>
+            </a:extLst>
+          </p:cNvPr>
+          <p:cNvSpPr/>
+          <p:nvPr/>
+        </p:nvSpPr>
+        <p:spPr>
+          <a:xfrm>
+            <a:off x="838200" y="1596807"/>
+            <a:ext cx="8628185" cy="5078313"/>
+          </a:xfrm>
+          <a:prstGeom prst="rect">
+            <a:avLst/>
+          </a:prstGeom>
+        </p:spPr>
+        <p:txBody>
+          <a:bodyPr wrap="square">
+            <a:spAutoFit/>
+          </a:bodyPr>
+          <a:lstStyle/>
+          <a:p>
+            <a:r>
+              <a:rPr lang="en-US" dirty="0">
+                <a:solidFill>
+                  <a:srgbClr val="008000"/>
+                </a:solidFill>
+                <a:latin typeface="Consolas" panose="020B0609020204030204" pitchFamily="49" charset="0"/>
+              </a:rPr>
+              <a:t>// </a:t>
+            </a:r>
+            <a:r>
+              <a:rPr lang="en-US" dirty="0" err="1">
+                <a:solidFill>
+                  <a:srgbClr val="008000"/>
+                </a:solidFill>
+                <a:latin typeface="Consolas" panose="020B0609020204030204" pitchFamily="49" charset="0"/>
+              </a:rPr>
+              <a:t>getx</a:t>
+            </a:r>
+            <a:r>
+              <a:rPr lang="en-US" dirty="0">
+                <a:solidFill>
+                  <a:srgbClr val="008000"/>
+                </a:solidFill>
+                <a:latin typeface="Consolas" panose="020B0609020204030204" pitchFamily="49" charset="0"/>
+              </a:rPr>
+              <a:t>(), </a:t>
+            </a:r>
+            <a:r>
+              <a:rPr lang="en-US" dirty="0" err="1">
+                <a:solidFill>
+                  <a:srgbClr val="008000"/>
+                </a:solidFill>
+                <a:latin typeface="Consolas" panose="020B0609020204030204" pitchFamily="49" charset="0"/>
+              </a:rPr>
+              <a:t>gety</a:t>
+            </a:r>
+            <a:r>
+              <a:rPr lang="en-US" dirty="0">
+                <a:solidFill>
+                  <a:srgbClr val="008000"/>
+                </a:solidFill>
+                <a:latin typeface="Consolas" panose="020B0609020204030204" pitchFamily="49" charset="0"/>
+              </a:rPr>
+              <a:t>() return the </a:t>
+            </a:r>
+            <a:r>
+              <a:rPr lang="en-US" dirty="0" err="1">
+                <a:solidFill>
+                  <a:srgbClr val="008000"/>
+                </a:solidFill>
+                <a:latin typeface="Consolas" panose="020B0609020204030204" pitchFamily="49" charset="0"/>
+              </a:rPr>
+              <a:t>x,y</a:t>
+            </a:r>
+            <a:r>
+              <a:rPr lang="en-US" dirty="0">
+                <a:solidFill>
+                  <a:srgbClr val="008000"/>
+                </a:solidFill>
+                <a:latin typeface="Consolas" panose="020B0609020204030204" pitchFamily="49" charset="0"/>
+              </a:rPr>
+              <a:t> coordinates of the point</a:t>
+            </a:r>
+            <a:endParaRPr lang="en-US" dirty="0">
+              <a:solidFill>
+                <a:srgbClr val="000000"/>
+              </a:solidFill>
+              <a:latin typeface="Consolas" panose="020B0609020204030204" pitchFamily="49" charset="0"/>
+            </a:endParaRPr>
+          </a:p>
+          <a:p>
+            <a:r>
+              <a:rPr lang="en-US" dirty="0">
+                <a:solidFill>
+                  <a:srgbClr val="0000FF"/>
+                </a:solidFill>
+                <a:latin typeface="Consolas" panose="020B0609020204030204" pitchFamily="49" charset="0"/>
+              </a:rPr>
+              <a:t>interface</a:t>
+            </a:r>
+            <a:r>
+              <a:rPr lang="en-US" dirty="0">
+                <a:solidFill>
+                  <a:srgbClr val="000000"/>
+                </a:solidFill>
+                <a:latin typeface="Consolas" panose="020B0609020204030204" pitchFamily="49" charset="0"/>
+              </a:rPr>
+              <a:t> Point {</a:t>
+            </a:r>
+            <a:r>
+              <a:rPr lang="en-US" dirty="0" err="1">
+                <a:solidFill>
+                  <a:srgbClr val="000000"/>
+                </a:solidFill>
+                <a:latin typeface="Consolas" panose="020B0609020204030204" pitchFamily="49" charset="0"/>
+              </a:rPr>
+              <a:t>getx</a:t>
+            </a:r>
+            <a:r>
+              <a:rPr lang="en-US" dirty="0">
+                <a:solidFill>
+                  <a:srgbClr val="000000"/>
+                </a:solidFill>
+                <a:latin typeface="Consolas" panose="020B0609020204030204" pitchFamily="49" charset="0"/>
+              </a:rPr>
+              <a:t>():number, </a:t>
+            </a:r>
+            <a:r>
+              <a:rPr lang="en-US" dirty="0" err="1">
+                <a:solidFill>
+                  <a:srgbClr val="000000"/>
+                </a:solidFill>
+                <a:latin typeface="Consolas" panose="020B0609020204030204" pitchFamily="49" charset="0"/>
+              </a:rPr>
+              <a:t>gety</a:t>
+            </a:r>
+            <a:r>
+              <a:rPr lang="en-US" dirty="0">
+                <a:solidFill>
+                  <a:srgbClr val="000000"/>
+                </a:solidFill>
+                <a:latin typeface="Consolas" panose="020B0609020204030204" pitchFamily="49" charset="0"/>
+              </a:rPr>
+              <a:t>():number}</a:t>
+            </a:r>
+          </a:p>
+          <a:p>
+            <a:br>
+              <a:rPr lang="en-US" dirty="0">
+                <a:solidFill>
+                  <a:srgbClr val="000000"/>
+                </a:solidFill>
+                <a:latin typeface="Consolas" panose="020B0609020204030204" pitchFamily="49" charset="0"/>
+              </a:rPr>
+            </a:br>
+            <a:r>
+              <a:rPr lang="en-US" dirty="0">
+                <a:solidFill>
+                  <a:srgbClr val="0000FF"/>
+                </a:solidFill>
+                <a:latin typeface="Consolas" panose="020B0609020204030204" pitchFamily="49" charset="0"/>
+              </a:rPr>
+              <a:t>class</a:t>
+            </a:r>
+            <a:r>
+              <a:rPr lang="en-US" dirty="0">
+                <a:solidFill>
+                  <a:srgbClr val="000000"/>
+                </a:solidFill>
+                <a:latin typeface="Consolas" panose="020B0609020204030204" pitchFamily="49" charset="0"/>
+              </a:rPr>
+              <a:t> </a:t>
+            </a:r>
+            <a:r>
+              <a:rPr lang="en-US" dirty="0" err="1">
+                <a:solidFill>
+                  <a:srgbClr val="000000"/>
+                </a:solidFill>
+                <a:latin typeface="Consolas" panose="020B0609020204030204" pitchFamily="49" charset="0"/>
+              </a:rPr>
+              <a:t>CartesianPoint</a:t>
+            </a:r>
+            <a:r>
+              <a:rPr lang="en-US" dirty="0">
+                <a:solidFill>
+                  <a:srgbClr val="000000"/>
+                </a:solidFill>
+                <a:latin typeface="Consolas" panose="020B0609020204030204" pitchFamily="49" charset="0"/>
+              </a:rPr>
+              <a:t> </a:t>
+            </a:r>
+            <a:r>
+              <a:rPr lang="en-US" dirty="0">
+                <a:solidFill>
+                  <a:srgbClr val="0000FF"/>
+                </a:solidFill>
+                <a:latin typeface="Consolas" panose="020B0609020204030204" pitchFamily="49" charset="0"/>
+              </a:rPr>
+              <a:t>implements</a:t>
+            </a:r>
+            <a:r>
+              <a:rPr lang="en-US" dirty="0">
+                <a:solidFill>
+                  <a:srgbClr val="000000"/>
+                </a:solidFill>
+                <a:latin typeface="Consolas" panose="020B0609020204030204" pitchFamily="49" charset="0"/>
+              </a:rPr>
+              <a:t> Point {</a:t>
+            </a:r>
+          </a:p>
+          <a:p>
+            <a:r>
+              <a:rPr lang="en-US" dirty="0">
+                <a:solidFill>
+                  <a:srgbClr val="000000"/>
+                </a:solidFill>
+                <a:latin typeface="Consolas" panose="020B0609020204030204" pitchFamily="49" charset="0"/>
+              </a:rPr>
+              <a:t>    </a:t>
+            </a:r>
+            <a:r>
+              <a:rPr lang="en-US" dirty="0">
+                <a:solidFill>
+                  <a:srgbClr val="0000FF"/>
+                </a:solidFill>
+                <a:latin typeface="Consolas" panose="020B0609020204030204" pitchFamily="49" charset="0"/>
+              </a:rPr>
+              <a:t>constructor</a:t>
+            </a:r>
+            <a:r>
+              <a:rPr lang="en-US" dirty="0">
+                <a:solidFill>
+                  <a:srgbClr val="000000"/>
+                </a:solidFill>
+                <a:latin typeface="Consolas" panose="020B0609020204030204" pitchFamily="49" charset="0"/>
+              </a:rPr>
+              <a:t> (</a:t>
+            </a:r>
+            <a:r>
+              <a:rPr lang="en-US" dirty="0">
+                <a:solidFill>
+                  <a:srgbClr val="0000FF"/>
+                </a:solidFill>
+                <a:latin typeface="Consolas" panose="020B0609020204030204" pitchFamily="49" charset="0"/>
+              </a:rPr>
+              <a:t>private</a:t>
+            </a:r>
+            <a:r>
+              <a:rPr lang="en-US" dirty="0">
+                <a:solidFill>
+                  <a:srgbClr val="000000"/>
+                </a:solidFill>
+                <a:latin typeface="Consolas" panose="020B0609020204030204" pitchFamily="49" charset="0"/>
+              </a:rPr>
+              <a:t> x : number, </a:t>
+            </a:r>
+            <a:r>
+              <a:rPr lang="en-US" dirty="0">
+                <a:solidFill>
+                  <a:srgbClr val="0000FF"/>
+                </a:solidFill>
+                <a:latin typeface="Consolas" panose="020B0609020204030204" pitchFamily="49" charset="0"/>
+              </a:rPr>
+              <a:t>private</a:t>
+            </a:r>
+            <a:r>
+              <a:rPr lang="en-US" dirty="0">
+                <a:solidFill>
+                  <a:srgbClr val="000000"/>
+                </a:solidFill>
+                <a:latin typeface="Consolas" panose="020B0609020204030204" pitchFamily="49" charset="0"/>
+              </a:rPr>
+              <a:t> y : number) {}</a:t>
+            </a:r>
+          </a:p>
+          <a:p>
+            <a:r>
+              <a:rPr lang="en-US" dirty="0">
+                <a:solidFill>
+                  <a:srgbClr val="000000"/>
+                </a:solidFill>
+                <a:latin typeface="Consolas" panose="020B0609020204030204" pitchFamily="49" charset="0"/>
+              </a:rPr>
+              <a:t>    </a:t>
+            </a:r>
+            <a:r>
+              <a:rPr lang="en-US" dirty="0" err="1">
+                <a:solidFill>
+                  <a:srgbClr val="000000"/>
+                </a:solidFill>
+                <a:latin typeface="Consolas" panose="020B0609020204030204" pitchFamily="49" charset="0"/>
+              </a:rPr>
+              <a:t>getx</a:t>
+            </a:r>
+            <a:r>
+              <a:rPr lang="en-US" dirty="0">
+                <a:solidFill>
+                  <a:srgbClr val="000000"/>
+                </a:solidFill>
+                <a:latin typeface="Consolas" panose="020B0609020204030204" pitchFamily="49" charset="0"/>
+              </a:rPr>
+              <a:t>() {</a:t>
+            </a:r>
+            <a:r>
+              <a:rPr lang="en-US" dirty="0">
+                <a:solidFill>
+                  <a:srgbClr val="0000FF"/>
+                </a:solidFill>
+                <a:latin typeface="Consolas" panose="020B0609020204030204" pitchFamily="49" charset="0"/>
+              </a:rPr>
+              <a:t>return</a:t>
+            </a:r>
+            <a:r>
+              <a:rPr lang="en-US" dirty="0">
+                <a:solidFill>
+                  <a:srgbClr val="000000"/>
+                </a:solidFill>
+                <a:latin typeface="Consolas" panose="020B0609020204030204" pitchFamily="49" charset="0"/>
+              </a:rPr>
+              <a:t> </a:t>
+            </a:r>
+            <a:r>
+              <a:rPr lang="en-US" dirty="0" err="1">
+                <a:solidFill>
+                  <a:srgbClr val="0000FF"/>
+                </a:solidFill>
+                <a:latin typeface="Consolas" panose="020B0609020204030204" pitchFamily="49" charset="0"/>
+              </a:rPr>
+              <a:t>this</a:t>
+            </a:r>
+            <a:r>
+              <a:rPr lang="en-US" dirty="0" err="1">
+                <a:solidFill>
+                  <a:srgbClr val="000000"/>
+                </a:solidFill>
+                <a:latin typeface="Consolas" panose="020B0609020204030204" pitchFamily="49" charset="0"/>
+              </a:rPr>
+              <a:t>.x</a:t>
+            </a:r>
+            <a:r>
+              <a:rPr lang="en-US" dirty="0">
+                <a:solidFill>
+                  <a:srgbClr val="000000"/>
+                </a:solidFill>
+                <a:latin typeface="Consolas" panose="020B0609020204030204" pitchFamily="49" charset="0"/>
+              </a:rPr>
+              <a:t>}</a:t>
+            </a:r>
+          </a:p>
+          <a:p>
+            <a:r>
+              <a:rPr lang="en-US" dirty="0">
+                <a:solidFill>
+                  <a:srgbClr val="000000"/>
+                </a:solidFill>
+                <a:latin typeface="Consolas" panose="020B0609020204030204" pitchFamily="49" charset="0"/>
+              </a:rPr>
+              <a:t>    </a:t>
+            </a:r>
+            <a:r>
+              <a:rPr lang="en-US" dirty="0" err="1">
+                <a:solidFill>
+                  <a:srgbClr val="000000"/>
+                </a:solidFill>
+                <a:latin typeface="Consolas" panose="020B0609020204030204" pitchFamily="49" charset="0"/>
+              </a:rPr>
+              <a:t>gety</a:t>
+            </a:r>
+            <a:r>
+              <a:rPr lang="en-US" dirty="0">
+                <a:solidFill>
+                  <a:srgbClr val="000000"/>
+                </a:solidFill>
+                <a:latin typeface="Consolas" panose="020B0609020204030204" pitchFamily="49" charset="0"/>
+              </a:rPr>
+              <a:t>() {</a:t>
+            </a:r>
+            <a:r>
+              <a:rPr lang="en-US" dirty="0">
+                <a:solidFill>
+                  <a:srgbClr val="0000FF"/>
+                </a:solidFill>
+                <a:latin typeface="Consolas" panose="020B0609020204030204" pitchFamily="49" charset="0"/>
+              </a:rPr>
+              <a:t>return</a:t>
+            </a:r>
+            <a:r>
+              <a:rPr lang="en-US" dirty="0">
+                <a:solidFill>
+                  <a:srgbClr val="000000"/>
+                </a:solidFill>
+                <a:latin typeface="Consolas" panose="020B0609020204030204" pitchFamily="49" charset="0"/>
+              </a:rPr>
+              <a:t> </a:t>
+            </a:r>
+            <a:r>
+              <a:rPr lang="en-US" dirty="0" err="1">
+                <a:solidFill>
+                  <a:srgbClr val="0000FF"/>
+                </a:solidFill>
+                <a:latin typeface="Consolas" panose="020B0609020204030204" pitchFamily="49" charset="0"/>
+              </a:rPr>
+              <a:t>this</a:t>
+            </a:r>
+            <a:r>
+              <a:rPr lang="en-US" dirty="0" err="1">
+                <a:solidFill>
+                  <a:srgbClr val="000000"/>
+                </a:solidFill>
+                <a:latin typeface="Consolas" panose="020B0609020204030204" pitchFamily="49" charset="0"/>
+              </a:rPr>
+              <a:t>.y</a:t>
+            </a:r>
+            <a:r>
+              <a:rPr lang="en-US" dirty="0">
+                <a:solidFill>
+                  <a:srgbClr val="000000"/>
+                </a:solidFill>
+                <a:latin typeface="Consolas" panose="020B0609020204030204" pitchFamily="49" charset="0"/>
+              </a:rPr>
+              <a:t>}</a:t>
+            </a:r>
+          </a:p>
+          <a:p>
+            <a:r>
+              <a:rPr lang="en-US" dirty="0">
+                <a:solidFill>
+                  <a:srgbClr val="000000"/>
+                </a:solidFill>
+                <a:latin typeface="Consolas" panose="020B0609020204030204" pitchFamily="49" charset="0"/>
+              </a:rPr>
+              <a:t>}</a:t>
+            </a:r>
+          </a:p>
+          <a:p>
+            <a:br>
+              <a:rPr lang="en-US" dirty="0">
+                <a:solidFill>
+                  <a:srgbClr val="000000"/>
+                </a:solidFill>
+                <a:latin typeface="Consolas" panose="020B0609020204030204" pitchFamily="49" charset="0"/>
+              </a:rPr>
+            </a:br>
+            <a:r>
+              <a:rPr lang="en-US" dirty="0">
+                <a:solidFill>
+                  <a:srgbClr val="008000"/>
+                </a:solidFill>
+                <a:latin typeface="Consolas" panose="020B0609020204030204" pitchFamily="49" charset="0"/>
+              </a:rPr>
+              <a:t>// r is radius, theta is angle (in radians)</a:t>
+            </a:r>
+            <a:endParaRPr lang="en-US" dirty="0">
+              <a:solidFill>
+                <a:srgbClr val="000000"/>
+              </a:solidFill>
+              <a:latin typeface="Consolas" panose="020B0609020204030204" pitchFamily="49" charset="0"/>
+            </a:endParaRPr>
+          </a:p>
+          <a:p>
+            <a:r>
+              <a:rPr lang="en-US" dirty="0">
+                <a:solidFill>
+                  <a:srgbClr val="0000FF"/>
+                </a:solidFill>
+                <a:latin typeface="Consolas" panose="020B0609020204030204" pitchFamily="49" charset="0"/>
+              </a:rPr>
+              <a:t>class</a:t>
+            </a:r>
+            <a:r>
+              <a:rPr lang="en-US" dirty="0">
+                <a:solidFill>
+                  <a:srgbClr val="000000"/>
+                </a:solidFill>
+                <a:latin typeface="Consolas" panose="020B0609020204030204" pitchFamily="49" charset="0"/>
+              </a:rPr>
+              <a:t> </a:t>
+            </a:r>
+            <a:r>
+              <a:rPr lang="en-US" dirty="0" err="1">
+                <a:solidFill>
+                  <a:srgbClr val="000000"/>
+                </a:solidFill>
+                <a:latin typeface="Consolas" panose="020B0609020204030204" pitchFamily="49" charset="0"/>
+              </a:rPr>
+              <a:t>PolarPoint</a:t>
+            </a:r>
+            <a:r>
+              <a:rPr lang="en-US" dirty="0">
+                <a:solidFill>
+                  <a:srgbClr val="000000"/>
+                </a:solidFill>
+                <a:latin typeface="Consolas" panose="020B0609020204030204" pitchFamily="49" charset="0"/>
+              </a:rPr>
+              <a:t> </a:t>
+            </a:r>
+            <a:r>
+              <a:rPr lang="en-US" dirty="0">
+                <a:solidFill>
+                  <a:srgbClr val="0000FF"/>
+                </a:solidFill>
+                <a:latin typeface="Consolas" panose="020B0609020204030204" pitchFamily="49" charset="0"/>
+              </a:rPr>
+              <a:t>implements</a:t>
+            </a:r>
+            <a:r>
+              <a:rPr lang="en-US" dirty="0">
+                <a:solidFill>
+                  <a:srgbClr val="000000"/>
+                </a:solidFill>
+                <a:latin typeface="Consolas" panose="020B0609020204030204" pitchFamily="49" charset="0"/>
+              </a:rPr>
+              <a:t> Point {</a:t>
+            </a:r>
+          </a:p>
+          <a:p>
+            <a:r>
+              <a:rPr lang="en-US" dirty="0">
+                <a:solidFill>
+                  <a:srgbClr val="000000"/>
+                </a:solidFill>
+                <a:latin typeface="Consolas" panose="020B0609020204030204" pitchFamily="49" charset="0"/>
+              </a:rPr>
+              <a:t>    </a:t>
+            </a:r>
+            <a:r>
+              <a:rPr lang="en-US" dirty="0">
+                <a:solidFill>
+                  <a:srgbClr val="0000FF"/>
+                </a:solidFill>
+                <a:latin typeface="Consolas" panose="020B0609020204030204" pitchFamily="49" charset="0"/>
+              </a:rPr>
+              <a:t>constructor</a:t>
+            </a:r>
+            <a:r>
+              <a:rPr lang="en-US" dirty="0">
+                <a:solidFill>
+                  <a:srgbClr val="000000"/>
+                </a:solidFill>
+                <a:latin typeface="Consolas" panose="020B0609020204030204" pitchFamily="49" charset="0"/>
+              </a:rPr>
+              <a:t> (</a:t>
+            </a:r>
+            <a:r>
+              <a:rPr lang="en-US" dirty="0">
+                <a:solidFill>
+                  <a:srgbClr val="0000FF"/>
+                </a:solidFill>
+                <a:latin typeface="Consolas" panose="020B0609020204030204" pitchFamily="49" charset="0"/>
+              </a:rPr>
+              <a:t>private</a:t>
+            </a:r>
+            <a:r>
+              <a:rPr lang="en-US" dirty="0">
+                <a:solidFill>
+                  <a:srgbClr val="000000"/>
+                </a:solidFill>
+                <a:latin typeface="Consolas" panose="020B0609020204030204" pitchFamily="49" charset="0"/>
+              </a:rPr>
+              <a:t> r:number, </a:t>
+            </a:r>
+            <a:r>
+              <a:rPr lang="en-US" dirty="0">
+                <a:solidFill>
+                  <a:srgbClr val="0000FF"/>
+                </a:solidFill>
+                <a:latin typeface="Consolas" panose="020B0609020204030204" pitchFamily="49" charset="0"/>
+              </a:rPr>
+              <a:t>private</a:t>
+            </a:r>
+            <a:r>
+              <a:rPr lang="en-US" dirty="0">
+                <a:solidFill>
+                  <a:srgbClr val="000000"/>
+                </a:solidFill>
+                <a:latin typeface="Consolas" panose="020B0609020204030204" pitchFamily="49" charset="0"/>
+              </a:rPr>
+              <a:t> </a:t>
+            </a:r>
+            <a:r>
+              <a:rPr lang="en-US" dirty="0" err="1">
+                <a:solidFill>
+                  <a:srgbClr val="000000"/>
+                </a:solidFill>
+                <a:latin typeface="Consolas" panose="020B0609020204030204" pitchFamily="49" charset="0"/>
+              </a:rPr>
+              <a:t>theta:number</a:t>
+            </a:r>
+            <a:r>
+              <a:rPr lang="en-US" dirty="0">
+                <a:solidFill>
+                  <a:srgbClr val="000000"/>
+                </a:solidFill>
+                <a:latin typeface="Consolas" panose="020B0609020204030204" pitchFamily="49" charset="0"/>
+              </a:rPr>
+              <a:t>) {}</a:t>
+            </a:r>
+          </a:p>
+          <a:p>
+            <a:r>
+              <a:rPr lang="en-US" dirty="0">
+                <a:solidFill>
+                  <a:srgbClr val="000000"/>
+                </a:solidFill>
+                <a:latin typeface="Consolas" panose="020B0609020204030204" pitchFamily="49" charset="0"/>
+              </a:rPr>
+              <a:t>    </a:t>
+            </a:r>
+            <a:r>
+              <a:rPr lang="en-US" dirty="0" err="1">
+                <a:solidFill>
+                  <a:srgbClr val="000000"/>
+                </a:solidFill>
+                <a:latin typeface="Consolas" panose="020B0609020204030204" pitchFamily="49" charset="0"/>
+              </a:rPr>
+              <a:t>getx</a:t>
+            </a:r>
+            <a:r>
+              <a:rPr lang="en-US" dirty="0">
+                <a:solidFill>
+                  <a:srgbClr val="000000"/>
+                </a:solidFill>
+                <a:latin typeface="Consolas" panose="020B0609020204030204" pitchFamily="49" charset="0"/>
+              </a:rPr>
+              <a:t>() {</a:t>
+            </a:r>
+            <a:r>
+              <a:rPr lang="en-US" dirty="0">
+                <a:solidFill>
+                  <a:srgbClr val="0000FF"/>
+                </a:solidFill>
+                <a:latin typeface="Consolas" panose="020B0609020204030204" pitchFamily="49" charset="0"/>
+              </a:rPr>
+              <a:t>return</a:t>
+            </a:r>
+            <a:r>
+              <a:rPr lang="en-US" dirty="0">
+                <a:solidFill>
+                  <a:srgbClr val="000000"/>
+                </a:solidFill>
+                <a:latin typeface="Consolas" panose="020B0609020204030204" pitchFamily="49" charset="0"/>
+              </a:rPr>
+              <a:t> </a:t>
+            </a:r>
+            <a:r>
+              <a:rPr lang="en-US" dirty="0" err="1">
+                <a:solidFill>
+                  <a:srgbClr val="0000FF"/>
+                </a:solidFill>
+                <a:latin typeface="Consolas" panose="020B0609020204030204" pitchFamily="49" charset="0"/>
+              </a:rPr>
+              <a:t>this</a:t>
+            </a:r>
+            <a:r>
+              <a:rPr lang="en-US" dirty="0" err="1">
+                <a:solidFill>
+                  <a:srgbClr val="000000"/>
+                </a:solidFill>
+                <a:latin typeface="Consolas" panose="020B0609020204030204" pitchFamily="49" charset="0"/>
+              </a:rPr>
+              <a:t>.r</a:t>
+            </a:r>
+            <a:r>
+              <a:rPr lang="en-US" dirty="0">
+                <a:solidFill>
+                  <a:srgbClr val="000000"/>
+                </a:solidFill>
+                <a:latin typeface="Consolas" panose="020B0609020204030204" pitchFamily="49" charset="0"/>
+              </a:rPr>
+              <a:t> * </a:t>
+            </a:r>
+            <a:r>
+              <a:rPr lang="en-US" dirty="0" err="1">
+                <a:solidFill>
+                  <a:srgbClr val="000000"/>
+                </a:solidFill>
+                <a:latin typeface="Consolas" panose="020B0609020204030204" pitchFamily="49" charset="0"/>
+              </a:rPr>
+              <a:t>Math.cos</a:t>
+            </a:r>
+            <a:r>
+              <a:rPr lang="en-US" dirty="0">
+                <a:solidFill>
+                  <a:srgbClr val="000000"/>
+                </a:solidFill>
+                <a:latin typeface="Consolas" panose="020B0609020204030204" pitchFamily="49" charset="0"/>
+              </a:rPr>
+              <a:t>(</a:t>
+            </a:r>
+            <a:r>
+              <a:rPr lang="en-US" dirty="0" err="1">
+                <a:solidFill>
+                  <a:srgbClr val="0000FF"/>
+                </a:solidFill>
+                <a:latin typeface="Consolas" panose="020B0609020204030204" pitchFamily="49" charset="0"/>
+              </a:rPr>
+              <a:t>this</a:t>
+            </a:r>
+            <a:r>
+              <a:rPr lang="en-US" dirty="0" err="1">
+                <a:solidFill>
+                  <a:srgbClr val="000000"/>
+                </a:solidFill>
+                <a:latin typeface="Consolas" panose="020B0609020204030204" pitchFamily="49" charset="0"/>
+              </a:rPr>
+              <a:t>.theta</a:t>
+            </a:r>
+            <a:r>
+              <a:rPr lang="en-US" dirty="0">
+                <a:solidFill>
+                  <a:srgbClr val="000000"/>
+                </a:solidFill>
+                <a:latin typeface="Consolas" panose="020B0609020204030204" pitchFamily="49" charset="0"/>
+              </a:rPr>
+              <a:t>)}</a:t>
+            </a:r>
+          </a:p>
+          <a:p>
+            <a:r>
+              <a:rPr lang="en-US" dirty="0">
+                <a:solidFill>
+                  <a:srgbClr val="000000"/>
+                </a:solidFill>
+                <a:latin typeface="Consolas" panose="020B0609020204030204" pitchFamily="49" charset="0"/>
+              </a:rPr>
+              <a:t>    </a:t>
+            </a:r>
+            <a:r>
+              <a:rPr lang="en-US" dirty="0" err="1">
+                <a:solidFill>
+                  <a:srgbClr val="000000"/>
+                </a:solidFill>
+                <a:latin typeface="Consolas" panose="020B0609020204030204" pitchFamily="49" charset="0"/>
+              </a:rPr>
+              <a:t>gety</a:t>
+            </a:r>
+            <a:r>
+              <a:rPr lang="en-US" dirty="0">
+                <a:solidFill>
+                  <a:srgbClr val="000000"/>
+                </a:solidFill>
+                <a:latin typeface="Consolas" panose="020B0609020204030204" pitchFamily="49" charset="0"/>
+              </a:rPr>
+              <a:t>() {</a:t>
+            </a:r>
+            <a:r>
+              <a:rPr lang="en-US" dirty="0">
+                <a:solidFill>
+                  <a:srgbClr val="0000FF"/>
+                </a:solidFill>
+                <a:latin typeface="Consolas" panose="020B0609020204030204" pitchFamily="49" charset="0"/>
+              </a:rPr>
+              <a:t>return</a:t>
+            </a:r>
+            <a:r>
+              <a:rPr lang="en-US" dirty="0">
+                <a:solidFill>
+                  <a:srgbClr val="000000"/>
+                </a:solidFill>
+                <a:latin typeface="Consolas" panose="020B0609020204030204" pitchFamily="49" charset="0"/>
+              </a:rPr>
+              <a:t> </a:t>
+            </a:r>
+            <a:r>
+              <a:rPr lang="en-US" dirty="0" err="1">
+                <a:solidFill>
+                  <a:srgbClr val="0000FF"/>
+                </a:solidFill>
+                <a:latin typeface="Consolas" panose="020B0609020204030204" pitchFamily="49" charset="0"/>
+              </a:rPr>
+              <a:t>this</a:t>
+            </a:r>
+            <a:r>
+              <a:rPr lang="en-US" dirty="0" err="1">
+                <a:solidFill>
+                  <a:srgbClr val="000000"/>
+                </a:solidFill>
+                <a:latin typeface="Consolas" panose="020B0609020204030204" pitchFamily="49" charset="0"/>
+              </a:rPr>
+              <a:t>.r</a:t>
+            </a:r>
+            <a:r>
+              <a:rPr lang="en-US" dirty="0">
+                <a:solidFill>
+                  <a:srgbClr val="000000"/>
+                </a:solidFill>
+                <a:latin typeface="Consolas" panose="020B0609020204030204" pitchFamily="49" charset="0"/>
+              </a:rPr>
+              <a:t> * </a:t>
+            </a:r>
+            <a:r>
+              <a:rPr lang="en-US" dirty="0" err="1">
+                <a:solidFill>
+                  <a:srgbClr val="000000"/>
+                </a:solidFill>
+                <a:latin typeface="Consolas" panose="020B0609020204030204" pitchFamily="49" charset="0"/>
+              </a:rPr>
+              <a:t>Math.sin</a:t>
+            </a:r>
+            <a:r>
+              <a:rPr lang="en-US" dirty="0">
+                <a:solidFill>
+                  <a:srgbClr val="000000"/>
+                </a:solidFill>
+                <a:latin typeface="Consolas" panose="020B0609020204030204" pitchFamily="49" charset="0"/>
+              </a:rPr>
+              <a:t>(</a:t>
+            </a:r>
+            <a:r>
+              <a:rPr lang="en-US" dirty="0" err="1">
+                <a:solidFill>
+                  <a:srgbClr val="0000FF"/>
+                </a:solidFill>
+                <a:latin typeface="Consolas" panose="020B0609020204030204" pitchFamily="49" charset="0"/>
+              </a:rPr>
+              <a:t>this</a:t>
+            </a:r>
+            <a:r>
+              <a:rPr lang="en-US" dirty="0" err="1">
+                <a:solidFill>
+                  <a:srgbClr val="000000"/>
+                </a:solidFill>
+                <a:latin typeface="Consolas" panose="020B0609020204030204" pitchFamily="49" charset="0"/>
+              </a:rPr>
+              <a:t>.theta</a:t>
+            </a:r>
+            <a:r>
+              <a:rPr lang="en-US" dirty="0">
+                <a:solidFill>
+                  <a:srgbClr val="000000"/>
+                </a:solidFill>
+                <a:latin typeface="Consolas" panose="020B0609020204030204" pitchFamily="49" charset="0"/>
+              </a:rPr>
+              <a:t>)}</a:t>
+            </a:r>
+          </a:p>
+          <a:p>
+            <a:r>
+              <a:rPr lang="en-US" dirty="0">
+                <a:solidFill>
+                  <a:srgbClr val="000000"/>
+                </a:solidFill>
+                <a:latin typeface="Consolas" panose="020B0609020204030204" pitchFamily="49" charset="0"/>
+              </a:rPr>
+              <a:t>}</a:t>
+            </a:r>
+          </a:p>
+          <a:p>
+            <a:br>
+              <a:rPr lang="en-US" dirty="0">
+                <a:solidFill>
+                  <a:srgbClr val="000000"/>
+                </a:solidFill>
+                <a:latin typeface="Consolas" panose="020B0609020204030204" pitchFamily="49" charset="0"/>
+              </a:rPr>
+            </a:br>
+            <a:r>
+              <a:rPr lang="en-US" dirty="0">
+                <a:solidFill>
+                  <a:srgbClr val="0000FF"/>
+                </a:solidFill>
+                <a:latin typeface="Consolas" panose="020B0609020204030204" pitchFamily="49" charset="0"/>
+              </a:rPr>
+              <a:t>const</a:t>
+            </a:r>
+            <a:r>
+              <a:rPr lang="en-US" dirty="0">
+                <a:solidFill>
+                  <a:srgbClr val="000000"/>
+                </a:solidFill>
+                <a:latin typeface="Consolas" panose="020B0609020204030204" pitchFamily="49" charset="0"/>
+              </a:rPr>
+              <a:t> point1 = </a:t>
+            </a:r>
+            <a:r>
+              <a:rPr lang="en-US" dirty="0">
+                <a:solidFill>
+                  <a:srgbClr val="0000FF"/>
+                </a:solidFill>
+                <a:latin typeface="Consolas" panose="020B0609020204030204" pitchFamily="49" charset="0"/>
+              </a:rPr>
+              <a:t>new</a:t>
+            </a:r>
+            <a:r>
+              <a:rPr lang="en-US" dirty="0">
+                <a:solidFill>
+                  <a:srgbClr val="000000"/>
+                </a:solidFill>
+                <a:latin typeface="Consolas" panose="020B0609020204030204" pitchFamily="49" charset="0"/>
+              </a:rPr>
+              <a:t> </a:t>
+            </a:r>
+            <a:r>
+              <a:rPr lang="en-US" dirty="0" err="1">
+                <a:solidFill>
+                  <a:srgbClr val="000000"/>
+                </a:solidFill>
+                <a:latin typeface="Consolas" panose="020B0609020204030204" pitchFamily="49" charset="0"/>
+              </a:rPr>
+              <a:t>CartesianPoint</a:t>
+            </a:r>
+            <a:r>
+              <a:rPr lang="en-US" dirty="0">
+                <a:solidFill>
+                  <a:srgbClr val="000000"/>
+                </a:solidFill>
+                <a:latin typeface="Consolas" panose="020B0609020204030204" pitchFamily="49" charset="0"/>
+              </a:rPr>
+              <a:t>(</a:t>
+            </a:r>
+            <a:r>
+              <a:rPr lang="en-US" dirty="0">
+                <a:solidFill>
+                  <a:srgbClr val="098658"/>
+                </a:solidFill>
+                <a:latin typeface="Consolas" panose="020B0609020204030204" pitchFamily="49" charset="0"/>
+              </a:rPr>
+              <a:t>0.0</a:t>
+            </a:r>
+            <a:r>
+              <a:rPr lang="en-US" dirty="0">
+                <a:solidFill>
+                  <a:srgbClr val="000000"/>
+                </a:solidFill>
+                <a:latin typeface="Consolas" panose="020B0609020204030204" pitchFamily="49" charset="0"/>
+              </a:rPr>
+              <a:t>, </a:t>
+            </a:r>
+            <a:r>
+              <a:rPr lang="en-US" dirty="0">
+                <a:solidFill>
+                  <a:srgbClr val="098658"/>
+                </a:solidFill>
+                <a:latin typeface="Consolas" panose="020B0609020204030204" pitchFamily="49" charset="0"/>
+              </a:rPr>
+              <a:t>1.0</a:t>
+            </a:r>
+            <a:r>
+              <a:rPr lang="en-US" dirty="0">
+                <a:solidFill>
+                  <a:srgbClr val="000000"/>
+                </a:solidFill>
+                <a:latin typeface="Consolas" panose="020B0609020204030204" pitchFamily="49" charset="0"/>
+              </a:rPr>
+              <a:t>)</a:t>
+            </a:r>
+          </a:p>
+          <a:p>
+            <a:r>
+              <a:rPr lang="en-US" dirty="0">
+                <a:solidFill>
+                  <a:srgbClr val="0000FF"/>
+                </a:solidFill>
+                <a:latin typeface="Consolas" panose="020B0609020204030204" pitchFamily="49" charset="0"/>
+              </a:rPr>
+              <a:t>const</a:t>
+            </a:r>
+            <a:r>
+              <a:rPr lang="en-US" dirty="0">
+                <a:solidFill>
+                  <a:srgbClr val="000000"/>
+                </a:solidFill>
+                <a:latin typeface="Consolas" panose="020B0609020204030204" pitchFamily="49" charset="0"/>
+              </a:rPr>
+              <a:t> point2 = </a:t>
+            </a:r>
+            <a:r>
+              <a:rPr lang="en-US" dirty="0">
+                <a:solidFill>
+                  <a:srgbClr val="0000FF"/>
+                </a:solidFill>
+                <a:latin typeface="Consolas" panose="020B0609020204030204" pitchFamily="49" charset="0"/>
+              </a:rPr>
+              <a:t>new</a:t>
+            </a:r>
+            <a:r>
+              <a:rPr lang="en-US" dirty="0">
+                <a:solidFill>
+                  <a:srgbClr val="000000"/>
+                </a:solidFill>
+                <a:latin typeface="Consolas" panose="020B0609020204030204" pitchFamily="49" charset="0"/>
+              </a:rPr>
+              <a:t> </a:t>
+            </a:r>
+            <a:r>
+              <a:rPr lang="en-US" dirty="0" err="1">
+                <a:solidFill>
+                  <a:srgbClr val="000000"/>
+                </a:solidFill>
+                <a:latin typeface="Consolas" panose="020B0609020204030204" pitchFamily="49" charset="0"/>
+              </a:rPr>
+              <a:t>PolarPoint</a:t>
+            </a:r>
+            <a:r>
+              <a:rPr lang="en-US" dirty="0">
+                <a:solidFill>
+                  <a:srgbClr val="000000"/>
+                </a:solidFill>
+                <a:latin typeface="Consolas" panose="020B0609020204030204" pitchFamily="49" charset="0"/>
+              </a:rPr>
+              <a:t>(</a:t>
+            </a:r>
+            <a:r>
+              <a:rPr lang="en-US" dirty="0">
+                <a:solidFill>
+                  <a:srgbClr val="098658"/>
+                </a:solidFill>
+                <a:latin typeface="Consolas" panose="020B0609020204030204" pitchFamily="49" charset="0"/>
+              </a:rPr>
+              <a:t>1.0</a:t>
+            </a:r>
+            <a:r>
+              <a:rPr lang="en-US" dirty="0">
+                <a:solidFill>
+                  <a:srgbClr val="000000"/>
+                </a:solidFill>
+                <a:latin typeface="Consolas" panose="020B0609020204030204" pitchFamily="49" charset="0"/>
+              </a:rPr>
+              <a:t>, </a:t>
+            </a:r>
+            <a:r>
+              <a:rPr lang="en-US" dirty="0" err="1">
+                <a:solidFill>
+                  <a:srgbClr val="000000"/>
+                </a:solidFill>
+                <a:latin typeface="Consolas" panose="020B0609020204030204" pitchFamily="49" charset="0"/>
+              </a:rPr>
+              <a:t>Math.PI</a:t>
+            </a:r>
+            <a:r>
+              <a:rPr lang="en-US" dirty="0">
+                <a:solidFill>
+                  <a:srgbClr val="000000"/>
+                </a:solidFill>
+                <a:latin typeface="Consolas" panose="020B0609020204030204" pitchFamily="49" charset="0"/>
+              </a:rPr>
+              <a:t>/</a:t>
+            </a:r>
+            <a:r>
+              <a:rPr lang="en-US" dirty="0">
+                <a:solidFill>
+                  <a:srgbClr val="098658"/>
+                </a:solidFill>
+                <a:latin typeface="Consolas" panose="020B0609020204030204" pitchFamily="49" charset="0"/>
+              </a:rPr>
+              <a:t>2.0</a:t>
+            </a:r>
+            <a:r>
+              <a:rPr lang="en-US" dirty="0">
+                <a:solidFill>
+                  <a:srgbClr val="000000"/>
+                </a:solidFill>
+                <a:latin typeface="Consolas" panose="020B0609020204030204" pitchFamily="49" charset="0"/>
+              </a:rPr>
+              <a:t>)</a:t>
+            </a:r>
+            <a:endParaRPr lang="en-US" b="0" dirty="0">
+              <a:solidFill>
+                <a:srgbClr val="000000"/>
+              </a:solidFill>
+              <a:effectLst/>
+              <a:latin typeface="Consolas" panose="020B0609020204030204" pitchFamily="49" charset="0"/>
+            </a:endParaRPr>
+          </a:p>
+        </p:txBody>
+      </p:sp>
+      <p:sp>
+        <p:nvSpPr>
+          <p:cNvPr id="6" name="Rectangle 5">
+            <a:extLst>
+              <a:ext uri="{FF2B5EF4-FFF2-40B4-BE49-F238E27FC236}">
+                <a16:creationId xmlns:a16="http://schemas.microsoft.com/office/drawing/2014/main" id="{88CD270D-BD57-4877-9FED-FDCD229EB289}"/>
+              </a:ext>
+            </a:extLst>
+          </p:cNvPr>
+          <p:cNvSpPr/>
+          <p:nvPr/>
+        </p:nvSpPr>
+        <p:spPr>
+          <a:xfrm>
+            <a:off x="9088903" y="3091227"/>
+            <a:ext cx="2743199" cy="1206454"/>
+          </a:xfrm>
+          <a:prstGeom prst="rect">
+            <a:avLst/>
+          </a:prstGeom>
+          <a:solidFill>
+            <a:schemeClr val="accent2">
+              <a:lumMod val="20000"/>
+              <a:lumOff val="80000"/>
+            </a:schemeClr>
+          </a:solidFill>
+          <a:ln>
+            <a:solidFill>
+              <a:srgbClr val="0070C0"/>
+            </a:solidFill>
+          </a:ln>
+        </p:spPr>
+        <p:style>
+          <a:lnRef idx="2">
+            <a:schemeClr val="accent1">
+              <a:shade val="50000"/>
+            </a:schemeClr>
+          </a:lnRef>
+          <a:fillRef idx="1">
+            <a:schemeClr val="accent1"/>
+          </a:fillRef>
+          <a:effectRef idx="0">
+            <a:schemeClr val="accent1"/>
+          </a:effectRef>
+          <a:fontRef idx="minor">
+            <a:schemeClr val="lt1"/>
+          </a:fontRef>
+        </p:style>
+        <p:txBody>
+          <a:bodyPr rtlCol="0" anchor="t"/>
+          <a:lstStyle/>
+          <a:p>
+            <a:r>
+              <a:rPr lang="en-US" b="1" dirty="0">
+                <a:solidFill>
+                  <a:schemeClr val="tx1"/>
+                </a:solidFill>
+                <a:latin typeface="Ink Free" panose="03080402000500000000" pitchFamily="66" charset="0"/>
+              </a:rPr>
+              <a:t>Go review your Typescript materials if you need to and then come back to this lesson...</a:t>
+            </a:r>
+          </a:p>
+          <a:p>
+            <a:endParaRPr lang="en-US" b="1" dirty="0">
+              <a:solidFill>
+                <a:schemeClr val="tx1"/>
+              </a:solidFill>
+              <a:latin typeface="Ink Free" panose="03080402000500000000" pitchFamily="66" charset="0"/>
+            </a:endParaRPr>
+          </a:p>
+        </p:txBody>
+      </p:sp>
+    </p:spTree>
+    <p:extLst>
+      <p:ext uri="{BB962C8B-B14F-4D97-AF65-F5344CB8AC3E}">
+        <p14:creationId xmlns:p14="http://schemas.microsoft.com/office/powerpoint/2010/main" val="3293054105"/>
+      </p:ext>
+    </p:extLst>
+  </p:cSld>
+  <p:clrMapOvr>
+    <a:masterClrMapping/>
+  </p:clrMapOvr>
+  <p:timing>
+    <p:tnLst>
+      <p:par>
+        <p:cTn id="1" dur="indefinite" restart="never" nodeType="tmRoot">
+          <p:childTnLst>
+            <p:seq concurrent="1" nextAc="seek">
+              <p:cTn id="2" dur="indefinite" nodeType="mainSeq">
+                <p:childTnLst>
+                  <p:par>
+                    <p:cTn id="3" fill="hold">
+                      <p:stCondLst>
+                        <p:cond delay="indefinite"/>
+                      </p:stCondLst>
+                      <p:childTnLst>
+                        <p:par>
+                          <p:cTn id="4" fill="hold">
+                            <p:stCondLst>
+                              <p:cond delay="0"/>
+                            </p:stCondLst>
+                            <p:childTnLst>
+                              <p:par>
+                                <p:cTn id="5" presetID="10" presetClass="entr" presetSubtype="0" fill="hold" grpId="0" nodeType="clickEffect">
+                                  <p:stCondLst>
+                                    <p:cond delay="0"/>
+                                  </p:stCondLst>
+                                  <p:childTnLst>
+                                    <p:set>
+                                      <p:cBhvr>
+                                        <p:cTn id="6" dur="1" fill="hold">
+                                          <p:stCondLst>
+                                            <p:cond delay="0"/>
+                                          </p:stCondLst>
+                                        </p:cTn>
+                                        <p:tgtEl>
+                                          <p:spTgt spid="6"/>
+                                        </p:tgtEl>
+                                        <p:attrNameLst>
+                                          <p:attrName>style.visibility</p:attrName>
+                                        </p:attrNameLst>
+                                      </p:cBhvr>
+                                      <p:to>
+                                        <p:strVal val="visible"/>
+                                      </p:to>
+                                    </p:set>
+                                    <p:animEffect transition="in" filter="fade">
+                                      <p:cBhvr>
+                                        <p:cTn id="7" dur="500"/>
+                                        <p:tgtEl>
+                                          <p:spTgt spid="6"/>
+                                        </p:tgtEl>
+                                      </p:cBhvr>
+                                    </p:animEffect>
+                                  </p:childTnLst>
+                                </p:cTn>
+                              </p:par>
+                            </p:childTnLst>
+                          </p:cTn>
+                        </p:par>
+                      </p:childTnLst>
+                    </p:cTn>
+                  </p:par>
+                </p:childTnLst>
+              </p:cTn>
+              <p:prevCondLst>
+                <p:cond evt="onPrev" delay="0">
+                  <p:tgtEl>
+                    <p:sldTgt/>
+                  </p:tgtEl>
+                </p:cond>
+              </p:prevCondLst>
+              <p:nextCondLst>
+                <p:cond evt="onNext" delay="0">
+                  <p:tgtEl>
+                    <p:sldTgt/>
+                  </p:tgtEl>
+                </p:cond>
+              </p:nextCondLst>
+            </p:seq>
+          </p:childTnLst>
+        </p:cTn>
+      </p:par>
+    </p:tnLst>
+    <p:bldLst>
+      <p:bldP spid="6" grpId="0" animBg="1"/>
+    </p:bldLst>
+  </p:timing>
+</p:sld>
+</file>
+
+<file path=ppt/slides/slide14.xml><?xml version="1.0" encoding="utf-8"?>
+<p:sld xmlns:a="http://schemas.openxmlformats.org/drawingml/2006/main" xmlns:r="http://schemas.openxmlformats.org/officeDocument/2006/relationships" xmlns:p="http://schemas.openxmlformats.org/presentationml/2006/main">
+  <p:cSld>
+    <p:spTree>
+      <p:nvGrpSpPr>
+        <p:cNvPr id="1" name=""/>
+        <p:cNvGrpSpPr/>
+        <p:nvPr/>
+      </p:nvGrpSpPr>
+      <p:grpSpPr>
+        <a:xfrm>
+          <a:off x="0" y="0"/>
+          <a:ext cx="0" cy="0"/>
+          <a:chOff x="0" y="0"/>
+          <a:chExt cx="0" cy="0"/>
+        </a:xfrm>
+      </p:grpSpPr>
+      <p:sp>
+        <p:nvSpPr>
+          <p:cNvPr id="2" name="Title 1">
+            <a:extLst>
+              <a:ext uri="{FF2B5EF4-FFF2-40B4-BE49-F238E27FC236}">
+                <a16:creationId xmlns:a16="http://schemas.microsoft.com/office/drawing/2014/main" id="{6DCAF3EF-BFE3-47EC-9096-452F5A9590E0}"/>
+              </a:ext>
+            </a:extLst>
+          </p:cNvPr>
+          <p:cNvSpPr>
+            <a:spLocks noGrp="1"/>
+          </p:cNvSpPr>
+          <p:nvPr>
+            <p:ph type="title"/>
+          </p:nvPr>
+        </p:nvSpPr>
+        <p:spPr/>
+        <p:txBody>
+          <a:bodyPr/>
+          <a:lstStyle/>
+          <a:p>
+            <a:r>
+              <a:rPr lang="en-US" dirty="0"/>
+              <a:t>Principle 2: Depend only on behaviors, not their implementation</a:t>
+            </a:r>
+          </a:p>
+        </p:txBody>
+      </p:sp>
+      <p:sp>
+        <p:nvSpPr>
+          <p:cNvPr id="4" name="Slide Number Placeholder 3">
+            <a:extLst>
+              <a:ext uri="{FF2B5EF4-FFF2-40B4-BE49-F238E27FC236}">
+                <a16:creationId xmlns:a16="http://schemas.microsoft.com/office/drawing/2014/main" id="{D5F7D15D-BBB7-4716-9769-49EC46DC787D}"/>
+              </a:ext>
+            </a:extLst>
+          </p:cNvPr>
+          <p:cNvSpPr>
+            <a:spLocks noGrp="1"/>
+          </p:cNvSpPr>
+          <p:nvPr>
+            <p:ph type="sldNum" sz="quarter" idx="12"/>
+          </p:nvPr>
+        </p:nvSpPr>
+        <p:spPr/>
+        <p:txBody>
+          <a:bodyPr/>
+          <a:lstStyle/>
+          <a:p>
+            <a:fld id="{20F37917-FD3A-4669-9018-DA04BCDD3D75}" type="slidenum">
+              <a:rPr lang="en-US" smtClean="0"/>
+              <a:t>14</a:t>
             </a:fld>
             <a:endParaRPr lang="en-US"/>
           </a:p>
@@ -5904,7 +8074,7 @@
     </p:spTree>
     <p:extLst>
       <p:ext uri="{BB962C8B-B14F-4D97-AF65-F5344CB8AC3E}">
-        <p14:creationId xmlns:p14="http://schemas.microsoft.com/office/powerpoint/2010/main" val="307450874"/>
+        <p14:creationId xmlns:p14="http://schemas.microsoft.com/office/powerpoint/2010/main" val="3952702795"/>
       </p:ext>
     </p:extLst>
   </p:cSld>
@@ -5914,7 +8084,7 @@
 </p:sld>
 </file>
 
-<file path=ppt/slides/slide13.xml><?xml version="1.0" encoding="utf-8"?>
+<file path=ppt/slides/slide15.xml><?xml version="1.0" encoding="utf-8"?>
 <p:sld xmlns:a="http://schemas.openxmlformats.org/drawingml/2006/main" xmlns:r="http://schemas.openxmlformats.org/officeDocument/2006/relationships" xmlns:p="http://schemas.openxmlformats.org/presentationml/2006/main">
   <p:cSld>
     <p:spTree>
@@ -5982,7 +8152,877 @@
           <a:p>
             <a:fld id="{20F37917-FD3A-4669-9018-DA04BCDD3D75}" type="slidenum">
               <a:rPr lang="en-US" smtClean="0"/>
-              <a:t>13</a:t>
+              <a:t>15</a:t>
+            </a:fld>
+            <a:endParaRPr lang="en-US"/>
+          </a:p>
+        </p:txBody>
+      </p:sp>
+      <p:sp>
+        <p:nvSpPr>
+          <p:cNvPr id="7" name="Rectangle 6">
+            <a:extLst>
+              <a:ext uri="{FF2B5EF4-FFF2-40B4-BE49-F238E27FC236}">
+                <a16:creationId xmlns:a16="http://schemas.microsoft.com/office/drawing/2014/main" id="{33172FB0-4B98-4795-B51A-84E0192E7318}"/>
+              </a:ext>
+            </a:extLst>
+          </p:cNvPr>
+          <p:cNvSpPr/>
+          <p:nvPr/>
+        </p:nvSpPr>
+        <p:spPr>
+          <a:xfrm>
+            <a:off x="838200" y="1693379"/>
+            <a:ext cx="10254175" cy="4801314"/>
+          </a:xfrm>
+          <a:prstGeom prst="rect">
+            <a:avLst/>
+          </a:prstGeom>
+        </p:spPr>
+        <p:txBody>
+          <a:bodyPr wrap="square">
+            <a:spAutoFit/>
+          </a:bodyPr>
+          <a:lstStyle/>
+          <a:p>
+            <a:r>
+              <a:rPr lang="en-US" dirty="0">
+                <a:solidFill>
+                  <a:srgbClr val="0000FF"/>
+                </a:solidFill>
+                <a:latin typeface="Consolas" panose="020B0609020204030204" pitchFamily="49" charset="0"/>
+              </a:rPr>
+              <a:t>class</a:t>
+            </a:r>
+            <a:r>
+              <a:rPr lang="en-US" dirty="0">
+                <a:solidFill>
+                  <a:srgbClr val="000000"/>
+                </a:solidFill>
+                <a:latin typeface="Consolas" panose="020B0609020204030204" pitchFamily="49" charset="0"/>
+              </a:rPr>
+              <a:t> </a:t>
+            </a:r>
+            <a:r>
+              <a:rPr lang="en-US" dirty="0" err="1">
+                <a:solidFill>
+                  <a:srgbClr val="000000"/>
+                </a:solidFill>
+                <a:latin typeface="Consolas" panose="020B0609020204030204" pitchFamily="49" charset="0"/>
+              </a:rPr>
+              <a:t>TemperatureMonitor</a:t>
+            </a:r>
+            <a:r>
+              <a:rPr lang="en-US" dirty="0">
+                <a:solidFill>
+                  <a:srgbClr val="000000"/>
+                </a:solidFill>
+                <a:latin typeface="Consolas" panose="020B0609020204030204" pitchFamily="49" charset="0"/>
+              </a:rPr>
+              <a:t> {</a:t>
+            </a:r>
+          </a:p>
+          <a:p>
+            <a:r>
+              <a:rPr lang="en-US" dirty="0">
+                <a:solidFill>
+                  <a:srgbClr val="000000"/>
+                </a:solidFill>
+                <a:latin typeface="Consolas" panose="020B0609020204030204" pitchFamily="49" charset="0"/>
+              </a:rPr>
+              <a:t>    </a:t>
+            </a:r>
+            <a:r>
+              <a:rPr lang="en-US" dirty="0">
+                <a:solidFill>
+                  <a:srgbClr val="0000FF"/>
+                </a:solidFill>
+                <a:latin typeface="Consolas" panose="020B0609020204030204" pitchFamily="49" charset="0"/>
+              </a:rPr>
+              <a:t>constructor</a:t>
+            </a:r>
+            <a:r>
+              <a:rPr lang="en-US" dirty="0">
+                <a:solidFill>
+                  <a:srgbClr val="000000"/>
+                </a:solidFill>
+                <a:latin typeface="Consolas" panose="020B0609020204030204" pitchFamily="49" charset="0"/>
+              </a:rPr>
+              <a:t>(</a:t>
+            </a:r>
+          </a:p>
+          <a:p>
+            <a:r>
+              <a:rPr lang="en-US" dirty="0">
+                <a:solidFill>
+                  <a:srgbClr val="000000"/>
+                </a:solidFill>
+                <a:latin typeface="Consolas" panose="020B0609020204030204" pitchFamily="49" charset="0"/>
+              </a:rPr>
+              <a:t>        </a:t>
+            </a:r>
+            <a:r>
+              <a:rPr lang="en-US" dirty="0">
+                <a:solidFill>
+                  <a:srgbClr val="0000FF"/>
+                </a:solidFill>
+                <a:latin typeface="Consolas" panose="020B0609020204030204" pitchFamily="49" charset="0"/>
+              </a:rPr>
+              <a:t>private</a:t>
+            </a:r>
+            <a:r>
+              <a:rPr lang="en-US" dirty="0">
+                <a:solidFill>
+                  <a:srgbClr val="000000"/>
+                </a:solidFill>
+                <a:latin typeface="Consolas" panose="020B0609020204030204" pitchFamily="49" charset="0"/>
+              </a:rPr>
+              <a:t> sensor: </a:t>
+            </a:r>
+            <a:r>
+              <a:rPr lang="en-US" dirty="0" err="1">
+                <a:solidFill>
+                  <a:srgbClr val="000000"/>
+                </a:solidFill>
+                <a:highlight>
+                  <a:srgbClr val="FFFF00"/>
+                </a:highlight>
+                <a:latin typeface="Consolas" panose="020B0609020204030204" pitchFamily="49" charset="0"/>
+              </a:rPr>
+              <a:t>TemperatureSensor</a:t>
+            </a:r>
+            <a:r>
+              <a:rPr lang="en-US" dirty="0">
+                <a:solidFill>
+                  <a:srgbClr val="000000"/>
+                </a:solidFill>
+                <a:latin typeface="Consolas" panose="020B0609020204030204" pitchFamily="49" charset="0"/>
+              </a:rPr>
+              <a:t>,</a:t>
+            </a:r>
+          </a:p>
+          <a:p>
+            <a:r>
+              <a:rPr lang="en-US" dirty="0">
+                <a:solidFill>
+                  <a:srgbClr val="000000"/>
+                </a:solidFill>
+                <a:latin typeface="Consolas" panose="020B0609020204030204" pitchFamily="49" charset="0"/>
+              </a:rPr>
+              <a:t>        </a:t>
+            </a:r>
+            <a:r>
+              <a:rPr lang="en-US" dirty="0">
+                <a:solidFill>
+                  <a:srgbClr val="0000FF"/>
+                </a:solidFill>
+                <a:latin typeface="Consolas" panose="020B0609020204030204" pitchFamily="49" charset="0"/>
+              </a:rPr>
+              <a:t>private</a:t>
+            </a:r>
+            <a:r>
+              <a:rPr lang="en-US" dirty="0">
+                <a:solidFill>
+                  <a:srgbClr val="000000"/>
+                </a:solidFill>
+                <a:latin typeface="Consolas" panose="020B0609020204030204" pitchFamily="49" charset="0"/>
+              </a:rPr>
+              <a:t> </a:t>
+            </a:r>
+            <a:r>
+              <a:rPr lang="en-US" dirty="0" err="1">
+                <a:solidFill>
+                  <a:srgbClr val="000000"/>
+                </a:solidFill>
+                <a:latin typeface="Consolas" panose="020B0609020204030204" pitchFamily="49" charset="0"/>
+              </a:rPr>
+              <a:t>maxTemp</a:t>
+            </a:r>
+            <a:r>
+              <a:rPr lang="en-US" dirty="0">
+                <a:solidFill>
+                  <a:srgbClr val="000000"/>
+                </a:solidFill>
+                <a:latin typeface="Consolas" panose="020B0609020204030204" pitchFamily="49" charset="0"/>
+              </a:rPr>
+              <a:t>: Temperature,</a:t>
+            </a:r>
+          </a:p>
+          <a:p>
+            <a:r>
+              <a:rPr lang="en-US" dirty="0">
+                <a:solidFill>
+                  <a:srgbClr val="000000"/>
+                </a:solidFill>
+                <a:latin typeface="Consolas" panose="020B0609020204030204" pitchFamily="49" charset="0"/>
+              </a:rPr>
+              <a:t>        </a:t>
+            </a:r>
+            <a:r>
+              <a:rPr lang="en-US" dirty="0">
+                <a:solidFill>
+                  <a:srgbClr val="0000FF"/>
+                </a:solidFill>
+                <a:latin typeface="Consolas" panose="020B0609020204030204" pitchFamily="49" charset="0"/>
+              </a:rPr>
+              <a:t>private</a:t>
+            </a:r>
+            <a:r>
+              <a:rPr lang="en-US" dirty="0">
+                <a:solidFill>
+                  <a:srgbClr val="000000"/>
+                </a:solidFill>
+                <a:latin typeface="Consolas" panose="020B0609020204030204" pitchFamily="49" charset="0"/>
+              </a:rPr>
+              <a:t> </a:t>
+            </a:r>
+            <a:r>
+              <a:rPr lang="en-US" dirty="0" err="1">
+                <a:solidFill>
+                  <a:srgbClr val="000000"/>
+                </a:solidFill>
+                <a:latin typeface="Consolas" panose="020B0609020204030204" pitchFamily="49" charset="0"/>
+              </a:rPr>
+              <a:t>minTemp</a:t>
+            </a:r>
+            <a:r>
+              <a:rPr lang="en-US" dirty="0">
+                <a:solidFill>
+                  <a:srgbClr val="000000"/>
+                </a:solidFill>
+                <a:latin typeface="Consolas" panose="020B0609020204030204" pitchFamily="49" charset="0"/>
+              </a:rPr>
+              <a:t>: Temperature,</a:t>
+            </a:r>
+          </a:p>
+          <a:p>
+            <a:r>
+              <a:rPr lang="en-US" dirty="0">
+                <a:solidFill>
+                  <a:srgbClr val="000000"/>
+                </a:solidFill>
+                <a:latin typeface="Consolas" panose="020B0609020204030204" pitchFamily="49" charset="0"/>
+              </a:rPr>
+              <a:t>        </a:t>
+            </a:r>
+            <a:r>
+              <a:rPr lang="en-US" dirty="0">
+                <a:solidFill>
+                  <a:srgbClr val="0000FF"/>
+                </a:solidFill>
+                <a:latin typeface="Consolas" panose="020B0609020204030204" pitchFamily="49" charset="0"/>
+              </a:rPr>
+              <a:t>private</a:t>
+            </a:r>
+            <a:r>
+              <a:rPr lang="en-US" dirty="0">
+                <a:solidFill>
+                  <a:srgbClr val="000000"/>
+                </a:solidFill>
+                <a:latin typeface="Consolas" panose="020B0609020204030204" pitchFamily="49" charset="0"/>
+              </a:rPr>
+              <a:t> alarm: </a:t>
+            </a:r>
+            <a:r>
+              <a:rPr lang="en-US" dirty="0" err="1">
+                <a:solidFill>
+                  <a:srgbClr val="000000"/>
+                </a:solidFill>
+                <a:highlight>
+                  <a:srgbClr val="FFFF00"/>
+                </a:highlight>
+                <a:latin typeface="Consolas" panose="020B0609020204030204" pitchFamily="49" charset="0"/>
+              </a:rPr>
+              <a:t>IAlarm</a:t>
+            </a:r>
+            <a:r>
+              <a:rPr lang="en-US" dirty="0">
+                <a:solidFill>
+                  <a:srgbClr val="000000"/>
+                </a:solidFill>
+                <a:latin typeface="Consolas" panose="020B0609020204030204" pitchFamily="49" charset="0"/>
+              </a:rPr>
+              <a:t>,</a:t>
+            </a:r>
+          </a:p>
+          <a:p>
+            <a:r>
+              <a:rPr lang="en-US" dirty="0">
+                <a:solidFill>
+                  <a:srgbClr val="000000"/>
+                </a:solidFill>
+                <a:latin typeface="Consolas" panose="020B0609020204030204" pitchFamily="49" charset="0"/>
+              </a:rPr>
+              <a:t>    ) { }</a:t>
+            </a:r>
+          </a:p>
+          <a:p>
+            <a:br>
+              <a:rPr lang="en-US" dirty="0">
+                <a:solidFill>
+                  <a:srgbClr val="000000"/>
+                </a:solidFill>
+                <a:latin typeface="Consolas" panose="020B0609020204030204" pitchFamily="49" charset="0"/>
+              </a:rPr>
+            </a:br>
+            <a:r>
+              <a:rPr lang="en-US" dirty="0">
+                <a:solidFill>
+                  <a:srgbClr val="000000"/>
+                </a:solidFill>
+                <a:latin typeface="Consolas" panose="020B0609020204030204" pitchFamily="49" charset="0"/>
+              </a:rPr>
+              <a:t>    </a:t>
+            </a:r>
+            <a:r>
+              <a:rPr lang="en-US" dirty="0">
+                <a:solidFill>
+                  <a:srgbClr val="008000"/>
+                </a:solidFill>
+                <a:latin typeface="Consolas" panose="020B0609020204030204" pitchFamily="49" charset="0"/>
+              </a:rPr>
+              <a:t>// if the sensor is out of range, sound the alarm</a:t>
+            </a:r>
+            <a:endParaRPr lang="en-US" dirty="0">
+              <a:solidFill>
+                <a:srgbClr val="000000"/>
+              </a:solidFill>
+              <a:latin typeface="Consolas" panose="020B0609020204030204" pitchFamily="49" charset="0"/>
+            </a:endParaRPr>
+          </a:p>
+          <a:p>
+            <a:r>
+              <a:rPr lang="en-US" dirty="0">
+                <a:solidFill>
+                  <a:srgbClr val="000000"/>
+                </a:solidFill>
+                <a:latin typeface="Consolas" panose="020B0609020204030204" pitchFamily="49" charset="0"/>
+              </a:rPr>
+              <a:t>    </a:t>
+            </a:r>
+            <a:r>
+              <a:rPr lang="en-US" dirty="0">
+                <a:solidFill>
+                  <a:srgbClr val="0000FF"/>
+                </a:solidFill>
+                <a:latin typeface="Consolas" panose="020B0609020204030204" pitchFamily="49" charset="0"/>
+              </a:rPr>
+              <a:t>public</a:t>
+            </a:r>
+            <a:r>
+              <a:rPr lang="en-US" dirty="0">
+                <a:solidFill>
+                  <a:srgbClr val="000000"/>
+                </a:solidFill>
+                <a:latin typeface="Consolas" panose="020B0609020204030204" pitchFamily="49" charset="0"/>
+              </a:rPr>
+              <a:t> </a:t>
+            </a:r>
+            <a:r>
+              <a:rPr lang="en-US" dirty="0" err="1">
+                <a:solidFill>
+                  <a:srgbClr val="000000"/>
+                </a:solidFill>
+                <a:latin typeface="Consolas" panose="020B0609020204030204" pitchFamily="49" charset="0"/>
+              </a:rPr>
+              <a:t>checkSensor</a:t>
+            </a:r>
+            <a:r>
+              <a:rPr lang="en-US" dirty="0">
+                <a:solidFill>
+                  <a:srgbClr val="000000"/>
+                </a:solidFill>
+                <a:latin typeface="Consolas" panose="020B0609020204030204" pitchFamily="49" charset="0"/>
+              </a:rPr>
+              <a:t>(): void {</a:t>
+            </a:r>
+          </a:p>
+          <a:p>
+            <a:r>
+              <a:rPr lang="en-US" dirty="0">
+                <a:solidFill>
+                  <a:srgbClr val="000000"/>
+                </a:solidFill>
+                <a:latin typeface="Consolas" panose="020B0609020204030204" pitchFamily="49" charset="0"/>
+              </a:rPr>
+              <a:t>        </a:t>
+            </a:r>
+            <a:r>
+              <a:rPr lang="en-US" dirty="0">
+                <a:solidFill>
+                  <a:srgbClr val="0000FF"/>
+                </a:solidFill>
+                <a:latin typeface="Consolas" panose="020B0609020204030204" pitchFamily="49" charset="0"/>
+              </a:rPr>
+              <a:t>let</a:t>
+            </a:r>
+            <a:r>
+              <a:rPr lang="en-US" dirty="0">
+                <a:solidFill>
+                  <a:srgbClr val="000000"/>
+                </a:solidFill>
+                <a:latin typeface="Consolas" panose="020B0609020204030204" pitchFamily="49" charset="0"/>
+              </a:rPr>
+              <a:t> temp: Temperature = </a:t>
+            </a:r>
+            <a:r>
+              <a:rPr lang="en-US" dirty="0" err="1">
+                <a:solidFill>
+                  <a:srgbClr val="0000FF"/>
+                </a:solidFill>
+                <a:latin typeface="Consolas" panose="020B0609020204030204" pitchFamily="49" charset="0"/>
+              </a:rPr>
+              <a:t>this</a:t>
+            </a:r>
+            <a:r>
+              <a:rPr lang="en-US" dirty="0" err="1">
+                <a:solidFill>
+                  <a:srgbClr val="000000"/>
+                </a:solidFill>
+                <a:latin typeface="Consolas" panose="020B0609020204030204" pitchFamily="49" charset="0"/>
+              </a:rPr>
+              <a:t>.sensor.getTemperature</a:t>
+            </a:r>
+            <a:r>
+              <a:rPr lang="en-US" dirty="0">
+                <a:solidFill>
+                  <a:srgbClr val="000000"/>
+                </a:solidFill>
+                <a:latin typeface="Consolas" panose="020B0609020204030204" pitchFamily="49" charset="0"/>
+              </a:rPr>
+              <a:t>()</a:t>
+            </a:r>
+          </a:p>
+          <a:p>
+            <a:r>
+              <a:rPr lang="en-US" dirty="0">
+                <a:solidFill>
+                  <a:srgbClr val="000000"/>
+                </a:solidFill>
+                <a:latin typeface="Consolas" panose="020B0609020204030204" pitchFamily="49" charset="0"/>
+              </a:rPr>
+              <a:t>        </a:t>
+            </a:r>
+            <a:r>
+              <a:rPr lang="en-US" dirty="0">
+                <a:solidFill>
+                  <a:srgbClr val="0000FF"/>
+                </a:solidFill>
+                <a:latin typeface="Consolas" panose="020B0609020204030204" pitchFamily="49" charset="0"/>
+              </a:rPr>
+              <a:t>if</a:t>
+            </a:r>
+            <a:r>
+              <a:rPr lang="en-US" dirty="0">
+                <a:solidFill>
+                  <a:srgbClr val="000000"/>
+                </a:solidFill>
+                <a:latin typeface="Consolas" panose="020B0609020204030204" pitchFamily="49" charset="0"/>
+              </a:rPr>
+              <a:t> ((temp &lt; </a:t>
+            </a:r>
+            <a:r>
+              <a:rPr lang="en-US" dirty="0" err="1">
+                <a:solidFill>
+                  <a:srgbClr val="0000FF"/>
+                </a:solidFill>
+                <a:latin typeface="Consolas" panose="020B0609020204030204" pitchFamily="49" charset="0"/>
+              </a:rPr>
+              <a:t>this</a:t>
+            </a:r>
+            <a:r>
+              <a:rPr lang="en-US" dirty="0" err="1">
+                <a:solidFill>
+                  <a:srgbClr val="000000"/>
+                </a:solidFill>
+                <a:latin typeface="Consolas" panose="020B0609020204030204" pitchFamily="49" charset="0"/>
+              </a:rPr>
+              <a:t>.minTemp</a:t>
+            </a:r>
+            <a:r>
+              <a:rPr lang="en-US" dirty="0">
+                <a:solidFill>
+                  <a:srgbClr val="000000"/>
+                </a:solidFill>
+                <a:latin typeface="Consolas" panose="020B0609020204030204" pitchFamily="49" charset="0"/>
+              </a:rPr>
+              <a:t>) || (temp &gt; </a:t>
+            </a:r>
+            <a:r>
+              <a:rPr lang="en-US" dirty="0" err="1">
+                <a:solidFill>
+                  <a:srgbClr val="0000FF"/>
+                </a:solidFill>
+                <a:latin typeface="Consolas" panose="020B0609020204030204" pitchFamily="49" charset="0"/>
+              </a:rPr>
+              <a:t>this</a:t>
+            </a:r>
+            <a:r>
+              <a:rPr lang="en-US" dirty="0" err="1">
+                <a:solidFill>
+                  <a:srgbClr val="000000"/>
+                </a:solidFill>
+                <a:latin typeface="Consolas" panose="020B0609020204030204" pitchFamily="49" charset="0"/>
+              </a:rPr>
+              <a:t>.maxTemp</a:t>
+            </a:r>
+            <a:r>
+              <a:rPr lang="en-US" dirty="0">
+                <a:solidFill>
+                  <a:srgbClr val="000000"/>
+                </a:solidFill>
+                <a:latin typeface="Consolas" panose="020B0609020204030204" pitchFamily="49" charset="0"/>
+              </a:rPr>
+              <a:t>)) </a:t>
+            </a:r>
+          </a:p>
+          <a:p>
+            <a:r>
+              <a:rPr lang="en-US" dirty="0">
+                <a:solidFill>
+                  <a:srgbClr val="000000"/>
+                </a:solidFill>
+                <a:latin typeface="Consolas" panose="020B0609020204030204" pitchFamily="49" charset="0"/>
+              </a:rPr>
+              <a:t>        { </a:t>
+            </a:r>
+            <a:r>
+              <a:rPr lang="en-US" dirty="0" err="1">
+                <a:solidFill>
+                  <a:srgbClr val="0000FF"/>
+                </a:solidFill>
+                <a:latin typeface="Consolas" panose="020B0609020204030204" pitchFamily="49" charset="0"/>
+              </a:rPr>
+              <a:t>this</a:t>
+            </a:r>
+            <a:r>
+              <a:rPr lang="en-US" dirty="0" err="1">
+                <a:solidFill>
+                  <a:srgbClr val="000000"/>
+                </a:solidFill>
+                <a:latin typeface="Consolas" panose="020B0609020204030204" pitchFamily="49" charset="0"/>
+              </a:rPr>
+              <a:t>.alarm.soundAlarm</a:t>
+            </a:r>
+            <a:r>
+              <a:rPr lang="en-US" dirty="0">
+                <a:solidFill>
+                  <a:srgbClr val="000000"/>
+                </a:solidFill>
+                <a:latin typeface="Consolas" panose="020B0609020204030204" pitchFamily="49" charset="0"/>
+              </a:rPr>
+              <a:t>() }</a:t>
+            </a:r>
+          </a:p>
+          <a:p>
+            <a:r>
+              <a:rPr lang="en-US" dirty="0">
+                <a:solidFill>
+                  <a:srgbClr val="000000"/>
+                </a:solidFill>
+                <a:latin typeface="Consolas" panose="020B0609020204030204" pitchFamily="49" charset="0"/>
+              </a:rPr>
+              <a:t>    }</a:t>
+            </a:r>
+            <a:br>
+              <a:rPr lang="en-US" dirty="0">
+                <a:solidFill>
+                  <a:srgbClr val="000000"/>
+                </a:solidFill>
+                <a:latin typeface="Consolas" panose="020B0609020204030204" pitchFamily="49" charset="0"/>
+              </a:rPr>
+            </a:br>
+            <a:r>
+              <a:rPr lang="en-US" dirty="0">
+                <a:solidFill>
+                  <a:srgbClr val="000000"/>
+                </a:solidFill>
+                <a:latin typeface="Consolas" panose="020B0609020204030204" pitchFamily="49" charset="0"/>
+              </a:rPr>
+              <a:t>}</a:t>
+            </a:r>
+          </a:p>
+          <a:p>
+            <a:r>
+              <a:rPr lang="en-US" dirty="0">
+                <a:solidFill>
+                  <a:srgbClr val="008000"/>
+                </a:solidFill>
+                <a:latin typeface="Consolas" panose="020B0609020204030204" pitchFamily="49" charset="0"/>
+              </a:rPr>
+              <a:t>// sounds an alarm</a:t>
+            </a:r>
+            <a:br>
+              <a:rPr lang="en-US" dirty="0">
+                <a:solidFill>
+                  <a:srgbClr val="000000"/>
+                </a:solidFill>
+                <a:latin typeface="Consolas" panose="020B0609020204030204" pitchFamily="49" charset="0"/>
+              </a:rPr>
+            </a:br>
+            <a:r>
+              <a:rPr lang="en-US" dirty="0">
+                <a:solidFill>
+                  <a:srgbClr val="0000FF"/>
+                </a:solidFill>
+                <a:latin typeface="Consolas" panose="020B0609020204030204" pitchFamily="49" charset="0"/>
+              </a:rPr>
+              <a:t>interface</a:t>
+            </a:r>
+            <a:r>
+              <a:rPr lang="en-US" dirty="0">
+                <a:solidFill>
+                  <a:srgbClr val="000000"/>
+                </a:solidFill>
+                <a:latin typeface="Consolas" panose="020B0609020204030204" pitchFamily="49" charset="0"/>
+              </a:rPr>
+              <a:t> </a:t>
+            </a:r>
+            <a:r>
+              <a:rPr lang="en-US" dirty="0" err="1">
+                <a:solidFill>
+                  <a:srgbClr val="000000"/>
+                </a:solidFill>
+                <a:latin typeface="Consolas" panose="020B0609020204030204" pitchFamily="49" charset="0"/>
+              </a:rPr>
+              <a:t>IAlarm</a:t>
+            </a:r>
+            <a:r>
+              <a:rPr lang="en-US" dirty="0">
+                <a:solidFill>
+                  <a:srgbClr val="000000"/>
+                </a:solidFill>
+                <a:latin typeface="Consolas" panose="020B0609020204030204" pitchFamily="49" charset="0"/>
+              </a:rPr>
+              <a:t> { </a:t>
+            </a:r>
+            <a:r>
+              <a:rPr lang="en-US" dirty="0" err="1">
+                <a:solidFill>
+                  <a:srgbClr val="000000"/>
+                </a:solidFill>
+                <a:latin typeface="Consolas" panose="020B0609020204030204" pitchFamily="49" charset="0"/>
+              </a:rPr>
+              <a:t>soundAlarm</a:t>
+            </a:r>
+            <a:r>
+              <a:rPr lang="en-US" dirty="0">
+                <a:solidFill>
+                  <a:srgbClr val="000000"/>
+                </a:solidFill>
+                <a:latin typeface="Consolas" panose="020B0609020204030204" pitchFamily="49" charset="0"/>
+              </a:rPr>
+              <a:t>(): void }</a:t>
+            </a:r>
+            <a:endParaRPr lang="en-US" b="0" dirty="0">
+              <a:solidFill>
+                <a:srgbClr val="000000"/>
+              </a:solidFill>
+              <a:effectLst/>
+              <a:latin typeface="Consolas" panose="020B0609020204030204" pitchFamily="49" charset="0"/>
+            </a:endParaRPr>
+          </a:p>
+        </p:txBody>
+      </p:sp>
+      <p:sp>
+        <p:nvSpPr>
+          <p:cNvPr id="10" name="Rectangle 9">
+            <a:extLst>
+              <a:ext uri="{FF2B5EF4-FFF2-40B4-BE49-F238E27FC236}">
+                <a16:creationId xmlns:a16="http://schemas.microsoft.com/office/drawing/2014/main" id="{96BA15A7-37C3-40FD-8336-9CC682AEC363}"/>
+              </a:ext>
+            </a:extLst>
+          </p:cNvPr>
+          <p:cNvSpPr/>
+          <p:nvPr/>
+        </p:nvSpPr>
+        <p:spPr>
+          <a:xfrm>
+            <a:off x="8772379" y="1923609"/>
+            <a:ext cx="2743199" cy="3745672"/>
+          </a:xfrm>
+          <a:prstGeom prst="rect">
+            <a:avLst/>
+          </a:prstGeom>
+          <a:solidFill>
+            <a:schemeClr val="accent2">
+              <a:lumMod val="20000"/>
+              <a:lumOff val="80000"/>
+            </a:schemeClr>
+          </a:solidFill>
+          <a:ln>
+            <a:solidFill>
+              <a:srgbClr val="0070C0"/>
+            </a:solidFill>
+          </a:ln>
+        </p:spPr>
+        <p:style>
+          <a:lnRef idx="2">
+            <a:schemeClr val="accent1">
+              <a:shade val="50000"/>
+            </a:schemeClr>
+          </a:lnRef>
+          <a:fillRef idx="1">
+            <a:schemeClr val="accent1"/>
+          </a:fillRef>
+          <a:effectRef idx="0">
+            <a:schemeClr val="accent1"/>
+          </a:effectRef>
+          <a:fontRef idx="minor">
+            <a:schemeClr val="lt1"/>
+          </a:fontRef>
+        </p:style>
+        <p:txBody>
+          <a:bodyPr rtlCol="0" anchor="t"/>
+          <a:lstStyle/>
+          <a:p>
+            <a:r>
+              <a:rPr lang="en-US" b="1" dirty="0">
+                <a:solidFill>
+                  <a:schemeClr val="tx1"/>
+                </a:solidFill>
+                <a:latin typeface="Ink Free" panose="03080402000500000000" pitchFamily="66" charset="0"/>
+              </a:rPr>
+              <a:t>This example also illustrates one class/one job.  There are three classes here:</a:t>
+            </a:r>
+          </a:p>
+          <a:p>
+            <a:pPr marL="342900" indent="-342900">
+              <a:buFont typeface="+mj-lt"/>
+              <a:buAutoNum type="arabicPeriod"/>
+            </a:pPr>
+            <a:r>
+              <a:rPr lang="en-US" b="1" dirty="0">
+                <a:solidFill>
+                  <a:schemeClr val="tx1"/>
+                </a:solidFill>
+                <a:latin typeface="Ink Free" panose="03080402000500000000" pitchFamily="66" charset="0"/>
+              </a:rPr>
+              <a:t>The sensor senses the temperature</a:t>
+            </a:r>
+          </a:p>
+          <a:p>
+            <a:pPr marL="342900" indent="-342900">
+              <a:buFont typeface="+mj-lt"/>
+              <a:buAutoNum type="arabicPeriod"/>
+            </a:pPr>
+            <a:r>
+              <a:rPr lang="en-US" b="1" dirty="0">
+                <a:solidFill>
+                  <a:schemeClr val="tx1"/>
+                </a:solidFill>
+                <a:latin typeface="Ink Free" panose="03080402000500000000" pitchFamily="66" charset="0"/>
+              </a:rPr>
+              <a:t>The monitor checks to see if the temperature is out of range, and tells the alarm to sound if it is.</a:t>
+            </a:r>
+          </a:p>
+          <a:p>
+            <a:pPr marL="342900" indent="-342900">
+              <a:buFont typeface="+mj-lt"/>
+              <a:buAutoNum type="arabicPeriod"/>
+            </a:pPr>
+            <a:r>
+              <a:rPr lang="en-US" b="1" dirty="0">
+                <a:solidFill>
+                  <a:schemeClr val="tx1"/>
+                </a:solidFill>
+                <a:latin typeface="Ink Free" panose="03080402000500000000" pitchFamily="66" charset="0"/>
+              </a:rPr>
+              <a:t>The alarm actually sounds the alarm.</a:t>
+            </a:r>
+          </a:p>
+          <a:p>
+            <a:endParaRPr lang="en-US" b="1" dirty="0">
+              <a:solidFill>
+                <a:schemeClr val="tx1"/>
+              </a:solidFill>
+              <a:latin typeface="Ink Free" panose="03080402000500000000" pitchFamily="66" charset="0"/>
+            </a:endParaRPr>
+          </a:p>
+        </p:txBody>
+      </p:sp>
+    </p:spTree>
+    <p:extLst>
+      <p:ext uri="{BB962C8B-B14F-4D97-AF65-F5344CB8AC3E}">
+        <p14:creationId xmlns:p14="http://schemas.microsoft.com/office/powerpoint/2010/main" val="1767547322"/>
+      </p:ext>
+    </p:extLst>
+  </p:cSld>
+  <p:clrMapOvr>
+    <a:masterClrMapping/>
+  </p:clrMapOvr>
+</p:sld>
+</file>
+
+<file path=ppt/slides/slide16.xml><?xml version="1.0" encoding="utf-8"?>
+<p:sld xmlns:a="http://schemas.openxmlformats.org/drawingml/2006/main" xmlns:r="http://schemas.openxmlformats.org/officeDocument/2006/relationships" xmlns:p="http://schemas.openxmlformats.org/presentationml/2006/main">
+  <p:cSld>
+    <p:spTree>
+      <p:nvGrpSpPr>
+        <p:cNvPr id="1" name=""/>
+        <p:cNvGrpSpPr/>
+        <p:nvPr/>
+      </p:nvGrpSpPr>
+      <p:grpSpPr>
+        <a:xfrm>
+          <a:off x="0" y="0"/>
+          <a:ext cx="0" cy="0"/>
+          <a:chOff x="0" y="0"/>
+          <a:chExt cx="0" cy="0"/>
+        </a:xfrm>
+      </p:grpSpPr>
+      <p:sp>
+        <p:nvSpPr>
+          <p:cNvPr id="2" name="Title 1">
+            <a:extLst>
+              <a:ext uri="{FF2B5EF4-FFF2-40B4-BE49-F238E27FC236}">
+                <a16:creationId xmlns:a16="http://schemas.microsoft.com/office/drawing/2014/main" id="{6DCAF3EF-BFE3-47EC-9096-452F5A9590E0}"/>
+              </a:ext>
+            </a:extLst>
+          </p:cNvPr>
+          <p:cNvSpPr>
+            <a:spLocks noGrp="1"/>
+          </p:cNvSpPr>
+          <p:nvPr>
+            <p:ph type="title"/>
+          </p:nvPr>
+        </p:nvSpPr>
+        <p:spPr/>
+        <p:txBody>
+          <a:bodyPr/>
+          <a:lstStyle/>
+          <a:p>
+            <a:r>
+              <a:rPr lang="en-US" dirty="0"/>
+              <a:t>Your new Vocabulary Word</a:t>
+            </a:r>
+          </a:p>
+        </p:txBody>
+      </p:sp>
+      <p:sp>
+        <p:nvSpPr>
+          <p:cNvPr id="4" name="Slide Number Placeholder 3">
+            <a:extLst>
+              <a:ext uri="{FF2B5EF4-FFF2-40B4-BE49-F238E27FC236}">
+                <a16:creationId xmlns:a16="http://schemas.microsoft.com/office/drawing/2014/main" id="{D5F7D15D-BBB7-4716-9769-49EC46DC787D}"/>
+              </a:ext>
+            </a:extLst>
+          </p:cNvPr>
+          <p:cNvSpPr>
+            <a:spLocks noGrp="1"/>
+          </p:cNvSpPr>
+          <p:nvPr>
+            <p:ph type="sldNum" sz="quarter" idx="12"/>
+          </p:nvPr>
+        </p:nvSpPr>
+        <p:spPr/>
+        <p:txBody>
+          <a:bodyPr/>
+          <a:lstStyle/>
+          <a:p>
+            <a:fld id="{20F37917-FD3A-4669-9018-DA04BCDD3D75}" type="slidenum">
+              <a:rPr lang="en-US" smtClean="0"/>
+              <a:t>16</a:t>
             </a:fld>
             <a:endParaRPr lang="en-US"/>
           </a:p>
@@ -6760,7 +9800,7 @@
 </p:sld>
 </file>
 
-<file path=ppt/slides/slide14.xml><?xml version="1.0" encoding="utf-8"?>
+<file path=ppt/slides/slide17.xml><?xml version="1.0" encoding="utf-8"?>
 <p:sld xmlns:a="http://schemas.openxmlformats.org/drawingml/2006/main" xmlns:r="http://schemas.openxmlformats.org/officeDocument/2006/relationships" xmlns:p="http://schemas.openxmlformats.org/presentationml/2006/main">
   <p:cSld>
     <p:spTree>
@@ -6800,7 +9840,7 @@
           <a:p>
             <a:r>
               <a:rPr lang="en-US" dirty="0"/>
-              <a:t>Your new vocabulary word: </a:t>
+              <a:t>Another vocabulary word: </a:t>
             </a:r>
             <a:r>
               <a:rPr lang="en-US" i="1" dirty="0">
@@ -6808,7 +9848,7 @@
                   <a:srgbClr val="FF0000"/>
                 </a:solidFill>
               </a:rPr>
-              <a:t>composition</a:t>
+              <a:t>Composition</a:t>
             </a:r>
           </a:p>
         </p:txBody>
@@ -6836,7 +9876,7 @@
           <a:p>
             <a:fld id="{20F37917-FD3A-4669-9018-DA04BCDD3D75}" type="slidenum">
               <a:rPr lang="en-US" smtClean="0"/>
-              <a:t>14</a:t>
+              <a:t>17</a:t>
             </a:fld>
             <a:endParaRPr lang="en-US"/>
           </a:p>
@@ -7623,7 +10663,7 @@
 </p:sld>
 </file>
 
-<file path=ppt/slides/slide15.xml><?xml version="1.0" encoding="utf-8"?>
+<file path=ppt/slides/slide18.xml><?xml version="1.0" encoding="utf-8"?>
 <p:sld xmlns:a="http://schemas.openxmlformats.org/drawingml/2006/main" xmlns:r="http://schemas.openxmlformats.org/officeDocument/2006/relationships" xmlns:p="http://schemas.openxmlformats.org/presentationml/2006/main">
   <p:cSld>
     <p:spTree>
@@ -7670,31 +10710,6 @@
       </p:sp>
       <p:sp>
         <p:nvSpPr>
-          <p:cNvPr id="3" name="Content Placeholder 2">
-            <a:extLst>
-              <a:ext uri="{FF2B5EF4-FFF2-40B4-BE49-F238E27FC236}">
-                <a16:creationId xmlns:a16="http://schemas.microsoft.com/office/drawing/2014/main" id="{827D9744-0608-44E1-9A0E-7365A267C027}"/>
-              </a:ext>
-            </a:extLst>
-          </p:cNvPr>
-          <p:cNvSpPr>
-            <a:spLocks noGrp="1"/>
-          </p:cNvSpPr>
-          <p:nvPr>
-            <p:ph idx="1"/>
-          </p:nvPr>
-        </p:nvSpPr>
-        <p:spPr/>
-        <p:txBody>
-          <a:bodyPr/>
-          <a:lstStyle/>
-          <a:p>
-            <a:endParaRPr lang="en-US" dirty="0"/>
-          </a:p>
-        </p:txBody>
-      </p:sp>
-      <p:sp>
-        <p:nvSpPr>
           <p:cNvPr id="4" name="Slide Number Placeholder 3">
             <a:extLst>
               <a:ext uri="{FF2B5EF4-FFF2-40B4-BE49-F238E27FC236}">
@@ -7716,7 +10731,7 @@
           <a:p>
             <a:fld id="{20F37917-FD3A-4669-9018-DA04BCDD3D75}" type="slidenum">
               <a:rPr lang="en-US" smtClean="0"/>
-              <a:t>15</a:t>
+              <a:t>18</a:t>
             </a:fld>
             <a:endParaRPr lang="en-US"/>
           </a:p>
@@ -8614,7 +11629,7 @@
 </p:sld>
 </file>
 
-<file path=ppt/slides/slide16.xml><?xml version="1.0" encoding="utf-8"?>
+<file path=ppt/slides/slide19.xml><?xml version="1.0" encoding="utf-8"?>
 <p:sld xmlns:a="http://schemas.openxmlformats.org/drawingml/2006/main" xmlns:r="http://schemas.openxmlformats.org/officeDocument/2006/relationships" xmlns:p="http://schemas.openxmlformats.org/presentationml/2006/main">
   <p:cSld>
     <p:spTree>
@@ -8682,6 +11697,12 @@
           <a:p>
             <a:r>
               <a:rPr lang="en-US" dirty="0"/>
+              <a:t>In general, you don't know who is using your code</a:t>
+            </a:r>
+          </a:p>
+          <a:p>
+            <a:r>
+              <a:rPr lang="en-US" dirty="0"/>
               <a:t>You don't want people messing with your data.</a:t>
             </a:r>
           </a:p>
@@ -8703,13 +11724,6 @@
             <a:r>
               <a:rPr lang="en-US" dirty="0"/>
               <a:t>If you change your details, you might break somebody else's code (BAD!)</a:t>
-            </a:r>
-          </a:p>
-          <a:p>
-            <a:pPr lvl="1"/>
-            <a:r>
-              <a:rPr lang="en-US" dirty="0"/>
-              <a:t>In general, you don't know who is using your code!</a:t>
             </a:r>
           </a:p>
           <a:p>
@@ -8740,7 +11754,7 @@
           <a:p>
             <a:fld id="{20F37917-FD3A-4669-9018-DA04BCDD3D75}" type="slidenum">
               <a:rPr lang="en-US" smtClean="0"/>
-              <a:t>16</a:t>
+              <a:t>19</a:t>
             </a:fld>
             <a:endParaRPr lang="en-US"/>
           </a:p>
@@ -8927,7 +11941,157 @@
 </p:sld>
 </file>
 
-<file path=ppt/slides/slide17.xml><?xml version="1.0" encoding="utf-8"?>
+<file path=ppt/slides/slide2.xml><?xml version="1.0" encoding="utf-8"?>
+<p:sld xmlns:a="http://schemas.openxmlformats.org/drawingml/2006/main" xmlns:r="http://schemas.openxmlformats.org/officeDocument/2006/relationships" xmlns:p="http://schemas.openxmlformats.org/presentationml/2006/main">
+  <p:cSld>
+    <p:spTree>
+      <p:nvGrpSpPr>
+        <p:cNvPr id="1" name=""/>
+        <p:cNvGrpSpPr/>
+        <p:nvPr/>
+      </p:nvGrpSpPr>
+      <p:grpSpPr>
+        <a:xfrm>
+          <a:off x="0" y="0"/>
+          <a:ext cx="0" cy="0"/>
+          <a:chOff x="0" y="0"/>
+          <a:chExt cx="0" cy="0"/>
+        </a:xfrm>
+      </p:grpSpPr>
+      <p:sp>
+        <p:nvSpPr>
+          <p:cNvPr id="2" name="Title 1">
+            <a:extLst>
+              <a:ext uri="{FF2B5EF4-FFF2-40B4-BE49-F238E27FC236}">
+                <a16:creationId xmlns:a16="http://schemas.microsoft.com/office/drawing/2014/main" id="{4F8F7B5D-FB6C-436E-B15E-6071C1AF4E43}"/>
+              </a:ext>
+            </a:extLst>
+          </p:cNvPr>
+          <p:cNvSpPr>
+            <a:spLocks noGrp="1"/>
+          </p:cNvSpPr>
+          <p:nvPr>
+            <p:ph type="title"/>
+          </p:nvPr>
+        </p:nvSpPr>
+        <p:spPr/>
+        <p:txBody>
+          <a:bodyPr/>
+          <a:lstStyle/>
+          <a:p>
+            <a:r>
+              <a:rPr lang="en-US" dirty="0"/>
+              <a:t>Outline of this lesson</a:t>
+            </a:r>
+          </a:p>
+        </p:txBody>
+      </p:sp>
+      <p:sp>
+        <p:nvSpPr>
+          <p:cNvPr id="3" name="Content Placeholder 2">
+            <a:extLst>
+              <a:ext uri="{FF2B5EF4-FFF2-40B4-BE49-F238E27FC236}">
+                <a16:creationId xmlns:a16="http://schemas.microsoft.com/office/drawing/2014/main" id="{A35947AF-DDC1-4EDB-B11F-00E505483FD1}"/>
+              </a:ext>
+            </a:extLst>
+          </p:cNvPr>
+          <p:cNvSpPr>
+            <a:spLocks noGrp="1"/>
+          </p:cNvSpPr>
+          <p:nvPr>
+            <p:ph idx="1"/>
+          </p:nvPr>
+        </p:nvSpPr>
+        <p:spPr/>
+        <p:txBody>
+          <a:bodyPr/>
+          <a:lstStyle/>
+          <a:p>
+            <a:pPr marL="514350" indent="-514350">
+              <a:buFont typeface="+mj-lt"/>
+              <a:buAutoNum type="arabicPeriod"/>
+            </a:pPr>
+            <a:r>
+              <a:rPr lang="en-US" dirty="0"/>
+              <a:t>Reminder: </a:t>
+            </a:r>
+          </a:p>
+          <a:p>
+            <a:pPr lvl="1"/>
+            <a:r>
+              <a:rPr lang="en-US" dirty="0"/>
+              <a:t>the purposes of the principles</a:t>
+            </a:r>
+          </a:p>
+          <a:p>
+            <a:pPr lvl="1"/>
+            <a:r>
+              <a:rPr lang="en-US" dirty="0"/>
+              <a:t>Difficulties the principles should help with</a:t>
+            </a:r>
+          </a:p>
+          <a:p>
+            <a:pPr marL="514350" indent="-514350">
+              <a:buFont typeface="+mj-lt"/>
+              <a:buAutoNum type="arabicPeriod"/>
+            </a:pPr>
+            <a:r>
+              <a:rPr lang="en-US" dirty="0"/>
+              <a:t>Five principles for OO systems</a:t>
+            </a:r>
+          </a:p>
+          <a:p>
+            <a:pPr marL="514350" indent="-514350">
+              <a:buFont typeface="+mj-lt"/>
+              <a:buAutoNum type="arabicPeriod"/>
+            </a:pPr>
+            <a:endParaRPr lang="en-US" dirty="0"/>
+          </a:p>
+        </p:txBody>
+      </p:sp>
+      <p:sp>
+        <p:nvSpPr>
+          <p:cNvPr id="4" name="Slide Number Placeholder 3">
+            <a:extLst>
+              <a:ext uri="{FF2B5EF4-FFF2-40B4-BE49-F238E27FC236}">
+                <a16:creationId xmlns:a16="http://schemas.microsoft.com/office/drawing/2014/main" id="{80BD1BF0-3FF8-4C70-9176-0B4EFBC93609}"/>
+              </a:ext>
+            </a:extLst>
+          </p:cNvPr>
+          <p:cNvSpPr>
+            <a:spLocks noGrp="1"/>
+          </p:cNvSpPr>
+          <p:nvPr>
+            <p:ph type="sldNum" sz="quarter" idx="12"/>
+          </p:nvPr>
+        </p:nvSpPr>
+        <p:spPr/>
+        <p:txBody>
+          <a:bodyPr/>
+          <a:lstStyle/>
+          <a:p>
+            <a:fld id="{20F37917-FD3A-4669-9018-DA04BCDD3D75}" type="slidenum">
+              <a:rPr lang="en-US" smtClean="0"/>
+              <a:t>2</a:t>
+            </a:fld>
+            <a:endParaRPr lang="en-US"/>
+          </a:p>
+        </p:txBody>
+      </p:sp>
+    </p:spTree>
+    <p:extLst>
+      <p:ext uri="{BB962C8B-B14F-4D97-AF65-F5344CB8AC3E}">
+        <p14:creationId xmlns:p14="http://schemas.microsoft.com/office/powerpoint/2010/main" val="986787541"/>
+      </p:ext>
+    </p:extLst>
+  </p:cSld>
+  <p:clrMapOvr>
+    <a:masterClrMapping/>
+  </p:clrMapOvr>
+</p:sld>
+</file>
+
+<file path=ppt/slides/slide20.xml><?xml version="1.0" encoding="utf-8"?>
 <p:sld xmlns:a="http://schemas.openxmlformats.org/drawingml/2006/main" xmlns:r="http://schemas.openxmlformats.org/officeDocument/2006/relationships" xmlns:p="http://schemas.openxmlformats.org/presentationml/2006/main">
   <p:cSld>
     <p:spTree>
@@ -8995,7 +12159,7 @@
           <a:p>
             <a:fld id="{20F37917-FD3A-4669-9018-DA04BCDD3D75}" type="slidenum">
               <a:rPr lang="en-US" smtClean="0"/>
-              <a:t>17</a:t>
+              <a:t>20</a:t>
             </a:fld>
             <a:endParaRPr lang="en-US"/>
           </a:p>
@@ -9626,7 +12790,7 @@
         </p:nvSpPr>
         <p:spPr>
           <a:xfrm>
-            <a:off x="8416583" y="3932784"/>
+            <a:off x="8022687" y="3429000"/>
             <a:ext cx="2743199" cy="976840"/>
           </a:xfrm>
           <a:prstGeom prst="rect">
@@ -9715,7 +12879,7 @@
 </p:sld>
 </file>
 
-<file path=ppt/slides/slide18.xml><?xml version="1.0" encoding="utf-8"?>
+<file path=ppt/slides/slide21.xml><?xml version="1.0" encoding="utf-8"?>
 <p:sld xmlns:a="http://schemas.openxmlformats.org/drawingml/2006/main" xmlns:r="http://schemas.openxmlformats.org/officeDocument/2006/relationships" xmlns:p="http://schemas.openxmlformats.org/presentationml/2006/main">
   <p:cSld>
     <p:spTree>
@@ -9783,7 +12947,7 @@
           <a:p>
             <a:fld id="{20F37917-FD3A-4669-9018-DA04BCDD3D75}" type="slidenum">
               <a:rPr lang="en-US" smtClean="0"/>
-              <a:t>18</a:t>
+              <a:t>21</a:t>
             </a:fld>
             <a:endParaRPr lang="en-US"/>
           </a:p>
@@ -10221,7 +13385,7 @@
               <a:t> o = </a:t>
             </a:r>
             <a:r>
-              <a:rPr lang="en-US" dirty="0">
+              <a:rPr lang="en-US">
                 <a:solidFill>
                   <a:srgbClr val="0000FF"/>
                 </a:solidFill>
@@ -10230,14 +13394,20 @@
               <a:t>new</a:t>
             </a:r>
             <a:r>
-              <a:rPr lang="en-US" dirty="0">
-                <a:solidFill>
-                  <a:srgbClr val="000000"/>
-                </a:solidFill>
-                <a:latin typeface="Consolas" panose="020B0609020204030204" pitchFamily="49" charset="0"/>
-              </a:rPr>
-              <a:t> Class2;</a:t>
-            </a:r>
+              <a:rPr lang="en-US">
+                <a:solidFill>
+                  <a:srgbClr val="000000"/>
+                </a:solidFill>
+                <a:latin typeface="Consolas" panose="020B0609020204030204" pitchFamily="49" charset="0"/>
+              </a:rPr>
+              <a:t> Class2();</a:t>
+            </a:r>
+            <a:endParaRPr lang="en-US" dirty="0">
+              <a:solidFill>
+                <a:srgbClr val="000000"/>
+              </a:solidFill>
+              <a:latin typeface="Consolas" panose="020B0609020204030204" pitchFamily="49" charset="0"/>
+            </a:endParaRPr>
           </a:p>
           <a:p>
             <a:r>
@@ -10501,7 +13671,7 @@
 </p:sld>
 </file>
 
-<file path=ppt/slides/slide19.xml><?xml version="1.0" encoding="utf-8"?>
+<file path=ppt/slides/slide22.xml><?xml version="1.0" encoding="utf-8"?>
 <p:sld xmlns:a="http://schemas.openxmlformats.org/drawingml/2006/main" xmlns:r="http://schemas.openxmlformats.org/officeDocument/2006/relationships" xmlns:p="http://schemas.openxmlformats.org/presentationml/2006/main">
   <p:cSld>
     <p:spTree>
@@ -10569,7 +13739,7 @@
           <a:p>
             <a:fld id="{20F37917-FD3A-4669-9018-DA04BCDD3D75}" type="slidenum">
               <a:rPr lang="en-US" smtClean="0"/>
-              <a:t>19</a:t>
+              <a:t>22</a:t>
             </a:fld>
             <a:endParaRPr lang="en-US"/>
           </a:p>
@@ -11014,7 +14184,7 @@
         <p:spPr>
           <a:xfrm>
             <a:off x="7903698" y="1801527"/>
-            <a:ext cx="2743199" cy="2418781"/>
+            <a:ext cx="2743199" cy="2657931"/>
           </a:xfrm>
           <a:prstGeom prst="rect">
             <a:avLst/>
@@ -11058,10 +14228,17 @@
                 </a:solidFill>
                 <a:latin typeface="Ink Free" panose="03080402000500000000" pitchFamily="66" charset="0"/>
               </a:rPr>
-              <a:t>Worse, we ought to be able to change the name of a local variable without worrying.   Here we've changed 'counter' to 'c'.</a:t>
-            </a:r>
-          </a:p>
-          <a:p>
+              <a:t>when we wrote 'public counter' we announced the name 'counter' for the world to use, just like the names '</a:t>
+            </a:r>
+            <a:r>
+              <a:rPr lang="en-US" b="1" dirty="0" err="1">
+                <a:solidFill>
+                  <a:schemeClr val="tx1"/>
+                </a:solidFill>
+                <a:latin typeface="Ink Free" panose="03080402000500000000" pitchFamily="66" charset="0"/>
+              </a:rPr>
+              <a:t>getCounter</a:t>
+            </a:r>
             <a:r>
               <a:rPr lang="en-US" b="1" dirty="0">
                 <a:solidFill>
@@ -11069,7 +14246,7 @@
                 </a:solidFill>
                 <a:latin typeface="Ink Free" panose="03080402000500000000" pitchFamily="66" charset="0"/>
               </a:rPr>
-              <a:t>But that breaks the code entirely!  There is no </a:t>
+              <a:t>' and '</a:t>
             </a:r>
             <a:r>
               <a:rPr lang="en-US" b="1" dirty="0" err="1">
@@ -11078,7 +14255,7 @@
                 </a:solidFill>
                 <a:latin typeface="Ink Free" panose="03080402000500000000" pitchFamily="66" charset="0"/>
               </a:rPr>
-              <a:t>o.counter</a:t>
+              <a:t>bumpCounter</a:t>
             </a:r>
             <a:r>
               <a:rPr lang="en-US" b="1" dirty="0">
@@ -11087,7 +14264,7 @@
                 </a:solidFill>
                 <a:latin typeface="Ink Free" panose="03080402000500000000" pitchFamily="66" charset="0"/>
               </a:rPr>
-              <a:t> to increment. </a:t>
+              <a:t>'.   So if we change that name, we'll break all the code that uses it.</a:t>
             </a:r>
           </a:p>
           <a:p>
@@ -11250,6 +14427,70 @@
           </a:p>
         </p:txBody>
       </p:sp>
+      <p:sp>
+        <p:nvSpPr>
+          <p:cNvPr id="8" name="Rectangle 7">
+            <a:extLst>
+              <a:ext uri="{FF2B5EF4-FFF2-40B4-BE49-F238E27FC236}">
+                <a16:creationId xmlns:a16="http://schemas.microsoft.com/office/drawing/2014/main" id="{C955F65F-C65E-4CB1-996D-8C7018CC6F4F}"/>
+              </a:ext>
+            </a:extLst>
+          </p:cNvPr>
+          <p:cNvSpPr/>
+          <p:nvPr/>
+        </p:nvSpPr>
+        <p:spPr>
+          <a:xfrm>
+            <a:off x="7903698" y="4643279"/>
+            <a:ext cx="2743199" cy="2078196"/>
+          </a:xfrm>
+          <a:prstGeom prst="rect">
+            <a:avLst/>
+          </a:prstGeom>
+          <a:solidFill>
+            <a:schemeClr val="accent2">
+              <a:lumMod val="20000"/>
+              <a:lumOff val="80000"/>
+            </a:schemeClr>
+          </a:solidFill>
+          <a:ln>
+            <a:solidFill>
+              <a:srgbClr val="0070C0"/>
+            </a:solidFill>
+          </a:ln>
+        </p:spPr>
+        <p:style>
+          <a:lnRef idx="2">
+            <a:schemeClr val="accent1">
+              <a:shade val="50000"/>
+            </a:schemeClr>
+          </a:lnRef>
+          <a:fillRef idx="1">
+            <a:schemeClr val="accent1"/>
+          </a:fillRef>
+          <a:effectRef idx="0">
+            <a:schemeClr val="accent1"/>
+          </a:effectRef>
+          <a:fontRef idx="minor">
+            <a:schemeClr val="lt1"/>
+          </a:fontRef>
+        </p:style>
+        <p:txBody>
+          <a:bodyPr rtlCol="0" anchor="t"/>
+          <a:lstStyle/>
+          <a:p>
+            <a:r>
+              <a:rPr lang="en-US" b="1" dirty="0">
+                <a:solidFill>
+                  <a:schemeClr val="tx1"/>
+                </a:solidFill>
+                <a:latin typeface="Ink Free" panose="03080402000500000000" pitchFamily="66" charset="0"/>
+              </a:rPr>
+              <a:t>For example, this code depends on the name 'counter' (for better or worse!).  Whatever it used to do, it's now entirely broken and needs to be rewritten.</a:t>
+            </a:r>
+          </a:p>
+        </p:txBody>
+      </p:sp>
     </p:spTree>
     <p:extLst>
       <p:ext uri="{BB962C8B-B14F-4D97-AF65-F5344CB8AC3E}">
@@ -11263,147 +14504,7 @@
 </p:sld>
 </file>
 
-<file path=ppt/slides/slide2.xml><?xml version="1.0" encoding="utf-8"?>
-<p:sld xmlns:a="http://schemas.openxmlformats.org/drawingml/2006/main" xmlns:r="http://schemas.openxmlformats.org/officeDocument/2006/relationships" xmlns:p="http://schemas.openxmlformats.org/presentationml/2006/main">
-  <p:cSld>
-    <p:spTree>
-      <p:nvGrpSpPr>
-        <p:cNvPr id="1" name=""/>
-        <p:cNvGrpSpPr/>
-        <p:nvPr/>
-      </p:nvGrpSpPr>
-      <p:grpSpPr>
-        <a:xfrm>
-          <a:off x="0" y="0"/>
-          <a:ext cx="0" cy="0"/>
-          <a:chOff x="0" y="0"/>
-          <a:chExt cx="0" cy="0"/>
-        </a:xfrm>
-      </p:grpSpPr>
-      <p:sp>
-        <p:nvSpPr>
-          <p:cNvPr id="2" name="Title 1">
-            <a:extLst>
-              <a:ext uri="{FF2B5EF4-FFF2-40B4-BE49-F238E27FC236}">
-                <a16:creationId xmlns:a16="http://schemas.microsoft.com/office/drawing/2014/main" id="{B6D33575-0593-49FD-831F-131BB6CC7E6C}"/>
-              </a:ext>
-            </a:extLst>
-          </p:cNvPr>
-          <p:cNvSpPr>
-            <a:spLocks noGrp="1"/>
-          </p:cNvSpPr>
-          <p:nvPr>
-            <p:ph type="title"/>
-          </p:nvPr>
-        </p:nvSpPr>
-        <p:spPr/>
-        <p:txBody>
-          <a:bodyPr/>
-          <a:lstStyle/>
-          <a:p>
-            <a:r>
-              <a:rPr lang="en-US" dirty="0"/>
-              <a:t>Learning Objectives for this Lesson</a:t>
-            </a:r>
-          </a:p>
-        </p:txBody>
-      </p:sp>
-      <p:sp>
-        <p:nvSpPr>
-          <p:cNvPr id="3" name="Text Placeholder 2">
-            <a:extLst>
-              <a:ext uri="{FF2B5EF4-FFF2-40B4-BE49-F238E27FC236}">
-                <a16:creationId xmlns:a16="http://schemas.microsoft.com/office/drawing/2014/main" id="{5B21ECCD-9823-405F-AA9A-D0CC235AD583}"/>
-              </a:ext>
-            </a:extLst>
-          </p:cNvPr>
-          <p:cNvSpPr>
-            <a:spLocks noGrp="1"/>
-          </p:cNvSpPr>
-          <p:nvPr>
-            <p:ph idx="1"/>
-          </p:nvPr>
-        </p:nvSpPr>
-        <p:spPr/>
-        <p:txBody>
-          <a:bodyPr/>
-          <a:lstStyle/>
-          <a:p>
-            <a:r>
-              <a:rPr lang="en-US" dirty="0"/>
-              <a:t>By the end of this lesson you should be able to:</a:t>
-            </a:r>
-          </a:p>
-          <a:p>
-            <a:pPr lvl="1" fontAlgn="base"/>
-            <a:r>
-              <a:rPr lang="en-US" dirty="0"/>
-              <a:t>Describe the purpose of our design principles </a:t>
-            </a:r>
-          </a:p>
-          <a:p>
-            <a:pPr lvl="1" fontAlgn="base"/>
-            <a:r>
-              <a:rPr lang="en-US" dirty="0"/>
-              <a:t>List 5 object-oriented design principles and illustrate their expression in code</a:t>
-            </a:r>
-          </a:p>
-          <a:p>
-            <a:pPr lvl="1" fontAlgn="base"/>
-            <a:r>
-              <a:rPr lang="en-US" dirty="0"/>
-              <a:t>Identify some violations of the principles and suggest ways to mitigate them</a:t>
-            </a:r>
-          </a:p>
-          <a:p>
-            <a:endParaRPr lang="en-US" dirty="0"/>
-          </a:p>
-        </p:txBody>
-      </p:sp>
-      <p:sp>
-        <p:nvSpPr>
-          <p:cNvPr id="5" name="Slide Number Placeholder 4">
-            <a:extLst>
-              <a:ext uri="{FF2B5EF4-FFF2-40B4-BE49-F238E27FC236}">
-                <a16:creationId xmlns:a16="http://schemas.microsoft.com/office/drawing/2014/main" id="{D3CB1048-3EB8-4281-8361-E7EB70F6FBBC}"/>
-              </a:ext>
-            </a:extLst>
-          </p:cNvPr>
-          <p:cNvSpPr>
-            <a:spLocks noGrp="1"/>
-          </p:cNvSpPr>
-          <p:nvPr>
-            <p:ph type="sldNum" sz="quarter" idx="12"/>
-          </p:nvPr>
-        </p:nvSpPr>
-        <p:spPr/>
-        <p:txBody>
-          <a:bodyPr/>
-          <a:lstStyle/>
-          <a:p>
-            <a:fld id="{86CB4B4D-7CA3-9044-876B-883B54F8677D}" type="slidenum">
-              <a:rPr lang="en-US" smtClean="0"/>
-              <a:pPr/>
-              <a:t>2</a:t>
-            </a:fld>
-            <a:endParaRPr lang="en-US"/>
-          </a:p>
-        </p:txBody>
-      </p:sp>
-    </p:spTree>
-    <p:extLst>
-      <p:ext uri="{BB962C8B-B14F-4D97-AF65-F5344CB8AC3E}">
-        <p14:creationId xmlns:p14="http://schemas.microsoft.com/office/powerpoint/2010/main" val="3915051007"/>
-      </p:ext>
-    </p:extLst>
-  </p:cSld>
-  <p:clrMapOvr>
-    <a:masterClrMapping/>
-  </p:clrMapOvr>
-</p:sld>
-</file>
-
-<file path=ppt/slides/slide20.xml><?xml version="1.0" encoding="utf-8"?>
+<file path=ppt/slides/slide23.xml><?xml version="1.0" encoding="utf-8"?>
 <p:sld xmlns:a="http://schemas.openxmlformats.org/drawingml/2006/main" xmlns:r="http://schemas.openxmlformats.org/officeDocument/2006/relationships" xmlns:p="http://schemas.openxmlformats.org/presentationml/2006/main">
   <p:cSld>
     <p:spTree>
@@ -11508,7 +14609,7 @@
           <a:p>
             <a:fld id="{20F37917-FD3A-4669-9018-DA04BCDD3D75}" type="slidenum">
               <a:rPr lang="en-US" smtClean="0"/>
-              <a:t>20</a:t>
+              <a:t>23</a:t>
             </a:fld>
             <a:endParaRPr lang="en-US"/>
           </a:p>
@@ -11527,7 +14628,7 @@
 </p:sld>
 </file>
 
-<file path=ppt/slides/slide21.xml><?xml version="1.0" encoding="utf-8"?>
+<file path=ppt/slides/slide24.xml><?xml version="1.0" encoding="utf-8"?>
 <p:sld xmlns:a="http://schemas.openxmlformats.org/drawingml/2006/main" xmlns:r="http://schemas.openxmlformats.org/officeDocument/2006/relationships" xmlns:p="http://schemas.openxmlformats.org/presentationml/2006/main">
   <p:cSld>
     <p:spTree>
@@ -11706,7 +14807,7 @@
             <a:fld id="{20F37917-FD3A-4669-9018-DA04BCDD3D75}" type="slidenum">
               <a:rPr lang="en-US" smtClean="0"/>
               <a:pPr/>
-              <a:t>21</a:t>
+              <a:t>24</a:t>
             </a:fld>
             <a:endParaRPr lang="en-US"/>
           </a:p>
@@ -12332,7 +15433,7 @@
 </p:sld>
 </file>
 
-<file path=ppt/slides/slide22.xml><?xml version="1.0" encoding="utf-8"?>
+<file path=ppt/slides/slide25.xml><?xml version="1.0" encoding="utf-8"?>
 <p:sld xmlns:a="http://schemas.openxmlformats.org/drawingml/2006/main" xmlns:r="http://schemas.openxmlformats.org/officeDocument/2006/relationships" xmlns:p="http://schemas.openxmlformats.org/presentationml/2006/main">
   <p:cSld>
     <p:spTree>
@@ -12400,7 +15501,7 @@
           <a:p>
             <a:fld id="{20F37917-FD3A-4669-9018-DA04BCDD3D75}" type="slidenum">
               <a:rPr lang="en-US" smtClean="0"/>
-              <a:t>22</a:t>
+              <a:t>25</a:t>
             </a:fld>
             <a:endParaRPr lang="en-US"/>
           </a:p>
@@ -12460,7 +15561,7 @@
                 </a:solidFill>
                 <a:latin typeface="Consolas" panose="020B0609020204030204" pitchFamily="49" charset="0"/>
               </a:rPr>
-              <a:t>// radius, side in pixels, must be &gt;= 0</a:t>
+              <a:t>// radius and side in pixels, must be &gt;= 0</a:t>
             </a:r>
             <a:endParaRPr lang="en-US" dirty="0">
               <a:solidFill>
@@ -13188,7 +16289,7 @@
 </p:sld>
 </file>
 
-<file path=ppt/slides/slide23.xml><?xml version="1.0" encoding="utf-8"?>
+<file path=ppt/slides/slide26.xml><?xml version="1.0" encoding="utf-8"?>
 <p:sld xmlns:a="http://schemas.openxmlformats.org/drawingml/2006/main" xmlns:r="http://schemas.openxmlformats.org/officeDocument/2006/relationships" xmlns:p="http://schemas.openxmlformats.org/presentationml/2006/main">
   <p:cSld>
     <p:spTree>
@@ -13256,7 +16357,7 @@
           <a:p>
             <a:fld id="{20F37917-FD3A-4669-9018-DA04BCDD3D75}" type="slidenum">
               <a:rPr lang="en-US" smtClean="0"/>
-              <a:t>23</a:t>
+              <a:t>26</a:t>
             </a:fld>
             <a:endParaRPr lang="en-US"/>
           </a:p>
@@ -13264,10 +16365,10 @@
       </p:sp>
       <p:sp>
         <p:nvSpPr>
-          <p:cNvPr id="5" name="Rectangle 4">
+          <p:cNvPr id="3" name="Rectangle 2">
             <a:extLst>
               <a:ext uri="{FF2B5EF4-FFF2-40B4-BE49-F238E27FC236}">
-                <a16:creationId xmlns:a16="http://schemas.microsoft.com/office/drawing/2014/main" id="{4F2AD3E3-2AEB-4D66-96C4-E18A6EB48A7B}"/>
+                <a16:creationId xmlns:a16="http://schemas.microsoft.com/office/drawing/2014/main" id="{5B321BFA-3A62-44AE-A554-044A173F0166}"/>
               </a:ext>
             </a:extLst>
           </p:cNvPr>
@@ -13276,8 +16377,8 @@
         </p:nvSpPr>
         <p:spPr>
           <a:xfrm>
-            <a:off x="935501" y="1460599"/>
-            <a:ext cx="10607040" cy="4801314"/>
+            <a:off x="838200" y="1517533"/>
+            <a:ext cx="10788748" cy="5078313"/>
           </a:xfrm>
           <a:prstGeom prst="rect">
             <a:avLst/>
@@ -13609,7 +16710,54 @@
                 </a:solidFill>
                 <a:latin typeface="Consolas" panose="020B0609020204030204" pitchFamily="49" charset="0"/>
               </a:rPr>
-              <a:t>} }  </a:t>
+              <a:t>} }</a:t>
+            </a:r>
+          </a:p>
+          <a:p>
+            <a:r>
+              <a:rPr lang="en-US" dirty="0">
+                <a:solidFill>
+                  <a:srgbClr val="000000"/>
+                </a:solidFill>
+                <a:latin typeface="Consolas" panose="020B0609020204030204" pitchFamily="49" charset="0"/>
+              </a:rPr>
+              <a:t>        </a:t>
+            </a:r>
+            <a:r>
+              <a:rPr lang="en-US" dirty="0">
+                <a:solidFill>
+                  <a:srgbClr val="0000FF"/>
+                </a:solidFill>
+                <a:latin typeface="Consolas" panose="020B0609020204030204" pitchFamily="49" charset="0"/>
+              </a:rPr>
+              <a:t>case</a:t>
+            </a:r>
+            <a:r>
+              <a:rPr lang="en-US" dirty="0">
+                <a:solidFill>
+                  <a:srgbClr val="000000"/>
+                </a:solidFill>
+                <a:latin typeface="Consolas" panose="020B0609020204030204" pitchFamily="49" charset="0"/>
+              </a:rPr>
+              <a:t> </a:t>
+            </a:r>
+            <a:r>
+              <a:rPr lang="en-US" dirty="0">
+                <a:solidFill>
+                  <a:srgbClr val="A31515"/>
+                </a:solidFill>
+                <a:latin typeface="Consolas" panose="020B0609020204030204" pitchFamily="49" charset="0"/>
+              </a:rPr>
+              <a:t>"Square"</a:t>
+            </a:r>
+            <a:r>
+              <a:rPr lang="en-US" dirty="0">
+                <a:solidFill>
+                  <a:srgbClr val="000000"/>
+                </a:solidFill>
+                <a:latin typeface="Consolas" panose="020B0609020204030204" pitchFamily="49" charset="0"/>
+              </a:rPr>
+              <a:t>:</a:t>
             </a:r>
           </a:p>
           <a:p>
@@ -14015,7 +17163,7 @@
                 </a:solidFill>
                 <a:latin typeface="Consolas" panose="020B0609020204030204" pitchFamily="49" charset="0"/>
               </a:rPr>
-              <a:t>} </a:t>
+              <a:t>}</a:t>
             </a:r>
             <a:endParaRPr lang="en-US" b="0" dirty="0">
               <a:solidFill>
@@ -14040,7 +17188,7 @@
 </p:sld>
 </file>
 
-<file path=ppt/slides/slide24.xml><?xml version="1.0" encoding="utf-8"?>
+<file path=ppt/slides/slide27.xml><?xml version="1.0" encoding="utf-8"?>
 <p:sld xmlns:a="http://schemas.openxmlformats.org/drawingml/2006/main" xmlns:r="http://schemas.openxmlformats.org/officeDocument/2006/relationships" xmlns:p="http://schemas.openxmlformats.org/presentationml/2006/main">
   <p:cSld>
     <p:spTree>
@@ -14160,7 +17308,7 @@
           <a:p>
             <a:fld id="{20F37917-FD3A-4669-9018-DA04BCDD3D75}" type="slidenum">
               <a:rPr lang="en-US" smtClean="0"/>
-              <a:t>24</a:t>
+              <a:t>27</a:t>
             </a:fld>
             <a:endParaRPr lang="en-US"/>
           </a:p>
@@ -14179,7 +17327,7 @@
 </p:sld>
 </file>
 
-<file path=ppt/slides/slide25.xml><?xml version="1.0" encoding="utf-8"?>
+<file path=ppt/slides/slide28.xml><?xml version="1.0" encoding="utf-8"?>
 <p:sld xmlns:a="http://schemas.openxmlformats.org/drawingml/2006/main" xmlns:r="http://schemas.openxmlformats.org/officeDocument/2006/relationships" xmlns:p="http://schemas.openxmlformats.org/presentationml/2006/main">
   <p:cSld>
     <p:spTree>
@@ -14247,7 +17395,7 @@
           <a:p>
             <a:fld id="{20F37917-FD3A-4669-9018-DA04BCDD3D75}" type="slidenum">
               <a:rPr lang="en-US" smtClean="0"/>
-              <a:t>25</a:t>
+              <a:t>28</a:t>
             </a:fld>
             <a:endParaRPr lang="en-US"/>
           </a:p>
@@ -14471,7 +17619,7 @@
 </p:sld>
 </file>
 
-<file path=ppt/slides/slide26.xml><?xml version="1.0" encoding="utf-8"?>
+<file path=ppt/slides/slide29.xml><?xml version="1.0" encoding="utf-8"?>
 <p:sld xmlns:a="http://schemas.openxmlformats.org/drawingml/2006/main" xmlns:r="http://schemas.openxmlformats.org/officeDocument/2006/relationships" xmlns:p="http://schemas.openxmlformats.org/presentationml/2006/main">
   <p:cSld>
     <p:spTree>
@@ -14539,7 +17687,7 @@
           <a:p>
             <a:fld id="{20F37917-FD3A-4669-9018-DA04BCDD3D75}" type="slidenum">
               <a:rPr lang="en-US" smtClean="0"/>
-              <a:t>26</a:t>
+              <a:t>29</a:t>
             </a:fld>
             <a:endParaRPr lang="en-US"/>
           </a:p>
@@ -15173,7 +18321,147 @@
 </p:sld>
 </file>
 
-<file path=ppt/slides/slide27.xml><?xml version="1.0" encoding="utf-8"?>
+<file path=ppt/slides/slide3.xml><?xml version="1.0" encoding="utf-8"?>
+<p:sld xmlns:a="http://schemas.openxmlformats.org/drawingml/2006/main" xmlns:r="http://schemas.openxmlformats.org/officeDocument/2006/relationships" xmlns:p="http://schemas.openxmlformats.org/presentationml/2006/main">
+  <p:cSld>
+    <p:spTree>
+      <p:nvGrpSpPr>
+        <p:cNvPr id="1" name=""/>
+        <p:cNvGrpSpPr/>
+        <p:nvPr/>
+      </p:nvGrpSpPr>
+      <p:grpSpPr>
+        <a:xfrm>
+          <a:off x="0" y="0"/>
+          <a:ext cx="0" cy="0"/>
+          <a:chOff x="0" y="0"/>
+          <a:chExt cx="0" cy="0"/>
+        </a:xfrm>
+      </p:grpSpPr>
+      <p:sp>
+        <p:nvSpPr>
+          <p:cNvPr id="2" name="Title 1">
+            <a:extLst>
+              <a:ext uri="{FF2B5EF4-FFF2-40B4-BE49-F238E27FC236}">
+                <a16:creationId xmlns:a16="http://schemas.microsoft.com/office/drawing/2014/main" id="{B6D33575-0593-49FD-831F-131BB6CC7E6C}"/>
+              </a:ext>
+            </a:extLst>
+          </p:cNvPr>
+          <p:cNvSpPr>
+            <a:spLocks noGrp="1"/>
+          </p:cNvSpPr>
+          <p:nvPr>
+            <p:ph type="title"/>
+          </p:nvPr>
+        </p:nvSpPr>
+        <p:spPr/>
+        <p:txBody>
+          <a:bodyPr/>
+          <a:lstStyle/>
+          <a:p>
+            <a:r>
+              <a:rPr lang="en-US" dirty="0"/>
+              <a:t>Learning Objectives for this Lesson</a:t>
+            </a:r>
+          </a:p>
+        </p:txBody>
+      </p:sp>
+      <p:sp>
+        <p:nvSpPr>
+          <p:cNvPr id="3" name="Text Placeholder 2">
+            <a:extLst>
+              <a:ext uri="{FF2B5EF4-FFF2-40B4-BE49-F238E27FC236}">
+                <a16:creationId xmlns:a16="http://schemas.microsoft.com/office/drawing/2014/main" id="{5B21ECCD-9823-405F-AA9A-D0CC235AD583}"/>
+              </a:ext>
+            </a:extLst>
+          </p:cNvPr>
+          <p:cNvSpPr>
+            <a:spLocks noGrp="1"/>
+          </p:cNvSpPr>
+          <p:nvPr>
+            <p:ph idx="1"/>
+          </p:nvPr>
+        </p:nvSpPr>
+        <p:spPr/>
+        <p:txBody>
+          <a:bodyPr/>
+          <a:lstStyle/>
+          <a:p>
+            <a:r>
+              <a:rPr lang="en-US" dirty="0"/>
+              <a:t>By the end of this lesson you should be able to:</a:t>
+            </a:r>
+          </a:p>
+          <a:p>
+            <a:pPr lvl="1" fontAlgn="base"/>
+            <a:r>
+              <a:rPr lang="en-US" dirty="0"/>
+              <a:t>Describe the purpose of our design principles </a:t>
+            </a:r>
+          </a:p>
+          <a:p>
+            <a:pPr lvl="1" fontAlgn="base"/>
+            <a:r>
+              <a:rPr lang="en-US" dirty="0"/>
+              <a:t>List 5 object-oriented design principles and illustrate their expression in code</a:t>
+            </a:r>
+          </a:p>
+          <a:p>
+            <a:pPr lvl="1" fontAlgn="base"/>
+            <a:r>
+              <a:rPr lang="en-US" dirty="0"/>
+              <a:t>Identify some violations of the principles and suggest ways to mitigate them</a:t>
+            </a:r>
+          </a:p>
+          <a:p>
+            <a:endParaRPr lang="en-US" dirty="0"/>
+          </a:p>
+        </p:txBody>
+      </p:sp>
+      <p:sp>
+        <p:nvSpPr>
+          <p:cNvPr id="5" name="Slide Number Placeholder 4">
+            <a:extLst>
+              <a:ext uri="{FF2B5EF4-FFF2-40B4-BE49-F238E27FC236}">
+                <a16:creationId xmlns:a16="http://schemas.microsoft.com/office/drawing/2014/main" id="{D3CB1048-3EB8-4281-8361-E7EB70F6FBBC}"/>
+              </a:ext>
+            </a:extLst>
+          </p:cNvPr>
+          <p:cNvSpPr>
+            <a:spLocks noGrp="1"/>
+          </p:cNvSpPr>
+          <p:nvPr>
+            <p:ph type="sldNum" sz="quarter" idx="12"/>
+          </p:nvPr>
+        </p:nvSpPr>
+        <p:spPr/>
+        <p:txBody>
+          <a:bodyPr/>
+          <a:lstStyle/>
+          <a:p>
+            <a:fld id="{86CB4B4D-7CA3-9044-876B-883B54F8677D}" type="slidenum">
+              <a:rPr lang="en-US" smtClean="0"/>
+              <a:pPr/>
+              <a:t>3</a:t>
+            </a:fld>
+            <a:endParaRPr lang="en-US"/>
+          </a:p>
+        </p:txBody>
+      </p:sp>
+    </p:spTree>
+    <p:extLst>
+      <p:ext uri="{BB962C8B-B14F-4D97-AF65-F5344CB8AC3E}">
+        <p14:creationId xmlns:p14="http://schemas.microsoft.com/office/powerpoint/2010/main" val="3915051007"/>
+      </p:ext>
+    </p:extLst>
+  </p:cSld>
+  <p:clrMapOvr>
+    <a:masterClrMapping/>
+  </p:clrMapOvr>
+</p:sld>
+</file>
+
+<file path=ppt/slides/slide30.xml><?xml version="1.0" encoding="utf-8"?>
 <p:sld xmlns:a="http://schemas.openxmlformats.org/drawingml/2006/main" xmlns:r="http://schemas.openxmlformats.org/officeDocument/2006/relationships" xmlns:p="http://schemas.openxmlformats.org/presentationml/2006/main">
   <p:cSld>
     <p:spTree>
@@ -15241,7 +18529,7 @@
           <a:p>
             <a:fld id="{20F37917-FD3A-4669-9018-DA04BCDD3D75}" type="slidenum">
               <a:rPr lang="en-US" smtClean="0"/>
-              <a:t>27</a:t>
+              <a:t>30</a:t>
             </a:fld>
             <a:endParaRPr lang="en-US"/>
           </a:p>
@@ -15842,7 +19130,7 @@
 </p:sld>
 </file>
 
-<file path=ppt/slides/slide28.xml><?xml version="1.0" encoding="utf-8"?>
+<file path=ppt/slides/slide31.xml><?xml version="1.0" encoding="utf-8"?>
 <p:sld xmlns:a="http://schemas.openxmlformats.org/drawingml/2006/main" xmlns:r="http://schemas.openxmlformats.org/officeDocument/2006/relationships" xmlns:p="http://schemas.openxmlformats.org/presentationml/2006/main">
   <p:cSld>
     <p:spTree>
@@ -15910,7 +19198,7 @@
           <a:p>
             <a:fld id="{20F37917-FD3A-4669-9018-DA04BCDD3D75}" type="slidenum">
               <a:rPr lang="en-US" smtClean="0"/>
-              <a:t>28</a:t>
+              <a:t>31</a:t>
             </a:fld>
             <a:endParaRPr lang="en-US"/>
           </a:p>
@@ -16501,7 +19789,7 @@
 </p:sld>
 </file>
 
-<file path=ppt/slides/slide29.xml><?xml version="1.0" encoding="utf-8"?>
+<file path=ppt/slides/slide32.xml><?xml version="1.0" encoding="utf-8"?>
 <p:sld xmlns:a="http://schemas.openxmlformats.org/drawingml/2006/main" xmlns:r="http://schemas.openxmlformats.org/officeDocument/2006/relationships" xmlns:p="http://schemas.openxmlformats.org/presentationml/2006/main">
   <p:cSld>
     <p:spTree>
@@ -16597,7 +19885,7 @@
           <a:p>
             <a:fld id="{20F37917-FD3A-4669-9018-DA04BCDD3D75}" type="slidenum">
               <a:rPr lang="en-US" smtClean="0"/>
-              <a:t>29</a:t>
+              <a:t>32</a:t>
             </a:fld>
             <a:endParaRPr lang="en-US"/>
           </a:p>
@@ -16616,157 +19904,7 @@
 </p:sld>
 </file>
 
-<file path=ppt/slides/slide3.xml><?xml version="1.0" encoding="utf-8"?>
-<p:sld xmlns:a="http://schemas.openxmlformats.org/drawingml/2006/main" xmlns:r="http://schemas.openxmlformats.org/officeDocument/2006/relationships" xmlns:p="http://schemas.openxmlformats.org/presentationml/2006/main">
-  <p:cSld>
-    <p:spTree>
-      <p:nvGrpSpPr>
-        <p:cNvPr id="1" name=""/>
-        <p:cNvGrpSpPr/>
-        <p:nvPr/>
-      </p:nvGrpSpPr>
-      <p:grpSpPr>
-        <a:xfrm>
-          <a:off x="0" y="0"/>
-          <a:ext cx="0" cy="0"/>
-          <a:chOff x="0" y="0"/>
-          <a:chExt cx="0" cy="0"/>
-        </a:xfrm>
-      </p:grpSpPr>
-      <p:sp>
-        <p:nvSpPr>
-          <p:cNvPr id="2" name="Title 1">
-            <a:extLst>
-              <a:ext uri="{FF2B5EF4-FFF2-40B4-BE49-F238E27FC236}">
-                <a16:creationId xmlns:a16="http://schemas.microsoft.com/office/drawing/2014/main" id="{4F8F7B5D-FB6C-436E-B15E-6071C1AF4E43}"/>
-              </a:ext>
-            </a:extLst>
-          </p:cNvPr>
-          <p:cNvSpPr>
-            <a:spLocks noGrp="1"/>
-          </p:cNvSpPr>
-          <p:nvPr>
-            <p:ph type="title"/>
-          </p:nvPr>
-        </p:nvSpPr>
-        <p:spPr/>
-        <p:txBody>
-          <a:bodyPr/>
-          <a:lstStyle/>
-          <a:p>
-            <a:r>
-              <a:rPr lang="en-US" dirty="0"/>
-              <a:t>Outline of this lesson</a:t>
-            </a:r>
-          </a:p>
-        </p:txBody>
-      </p:sp>
-      <p:sp>
-        <p:nvSpPr>
-          <p:cNvPr id="3" name="Content Placeholder 2">
-            <a:extLst>
-              <a:ext uri="{FF2B5EF4-FFF2-40B4-BE49-F238E27FC236}">
-                <a16:creationId xmlns:a16="http://schemas.microsoft.com/office/drawing/2014/main" id="{A35947AF-DDC1-4EDB-B11F-00E505483FD1}"/>
-              </a:ext>
-            </a:extLst>
-          </p:cNvPr>
-          <p:cNvSpPr>
-            <a:spLocks noGrp="1"/>
-          </p:cNvSpPr>
-          <p:nvPr>
-            <p:ph idx="1"/>
-          </p:nvPr>
-        </p:nvSpPr>
-        <p:spPr/>
-        <p:txBody>
-          <a:bodyPr/>
-          <a:lstStyle/>
-          <a:p>
-            <a:pPr marL="514350" indent="-514350">
-              <a:buFont typeface="+mj-lt"/>
-              <a:buAutoNum type="arabicPeriod"/>
-            </a:pPr>
-            <a:r>
-              <a:rPr lang="en-US" dirty="0"/>
-              <a:t>Reminder: </a:t>
-            </a:r>
-          </a:p>
-          <a:p>
-            <a:pPr lvl="1"/>
-            <a:r>
-              <a:rPr lang="en-US" dirty="0"/>
-              <a:t>the purposes of the principles</a:t>
-            </a:r>
-          </a:p>
-          <a:p>
-            <a:pPr lvl="1"/>
-            <a:r>
-              <a:rPr lang="en-US" dirty="0"/>
-              <a:t>Difficulties the principles should help with</a:t>
-            </a:r>
-          </a:p>
-          <a:p>
-            <a:pPr marL="514350" indent="-514350">
-              <a:buFont typeface="+mj-lt"/>
-              <a:buAutoNum type="arabicPeriod"/>
-            </a:pPr>
-            <a:r>
-              <a:rPr lang="en-US" dirty="0"/>
-              <a:t>Five principles for OO systems</a:t>
-            </a:r>
-          </a:p>
-          <a:p>
-            <a:pPr marL="514350" indent="-514350">
-              <a:buFont typeface="+mj-lt"/>
-              <a:buAutoNum type="arabicPeriod"/>
-            </a:pPr>
-            <a:endParaRPr lang="en-US" dirty="0"/>
-          </a:p>
-        </p:txBody>
-      </p:sp>
-      <p:sp>
-        <p:nvSpPr>
-          <p:cNvPr id="4" name="Slide Number Placeholder 3">
-            <a:extLst>
-              <a:ext uri="{FF2B5EF4-FFF2-40B4-BE49-F238E27FC236}">
-                <a16:creationId xmlns:a16="http://schemas.microsoft.com/office/drawing/2014/main" id="{80BD1BF0-3FF8-4C70-9176-0B4EFBC93609}"/>
-              </a:ext>
-            </a:extLst>
-          </p:cNvPr>
-          <p:cNvSpPr>
-            <a:spLocks noGrp="1"/>
-          </p:cNvSpPr>
-          <p:nvPr>
-            <p:ph type="sldNum" sz="quarter" idx="12"/>
-          </p:nvPr>
-        </p:nvSpPr>
-        <p:spPr/>
-        <p:txBody>
-          <a:bodyPr/>
-          <a:lstStyle/>
-          <a:p>
-            <a:fld id="{20F37917-FD3A-4669-9018-DA04BCDD3D75}" type="slidenum">
-              <a:rPr lang="en-US" smtClean="0"/>
-              <a:t>3</a:t>
-            </a:fld>
-            <a:endParaRPr lang="en-US"/>
-          </a:p>
-        </p:txBody>
-      </p:sp>
-    </p:spTree>
-    <p:extLst>
-      <p:ext uri="{BB962C8B-B14F-4D97-AF65-F5344CB8AC3E}">
-        <p14:creationId xmlns:p14="http://schemas.microsoft.com/office/powerpoint/2010/main" val="986787541"/>
-      </p:ext>
-    </p:extLst>
-  </p:cSld>
-  <p:clrMapOvr>
-    <a:masterClrMapping/>
-  </p:clrMapOvr>
-</p:sld>
-</file>
-
-<file path=ppt/slides/slide30.xml><?xml version="1.0" encoding="utf-8"?>
+<file path=ppt/slides/slide33.xml><?xml version="1.0" encoding="utf-8"?>
 <p:sld xmlns:a="http://schemas.openxmlformats.org/drawingml/2006/main" xmlns:r="http://schemas.openxmlformats.org/officeDocument/2006/relationships" xmlns:p="http://schemas.openxmlformats.org/presentationml/2006/main">
   <p:cSld>
     <p:spTree>
@@ -17091,7 +20229,7 @@
             <a:fld id="{B6F15528-21DE-4FAA-801E-634DDDAF4B2B}" type="slidenum">
               <a:rPr lang="en-US" smtClean="0"/>
               <a:pPr/>
-              <a:t>30</a:t>
+              <a:t>33</a:t>
             </a:fld>
             <a:endParaRPr lang="en-US"/>
           </a:p>
@@ -17639,7 +20777,7 @@
             </a:r>
             <a:r>
               <a:rPr lang="en-US" sz="1600" dirty="0"/>
-              <a:t> are written together (the red outline in the lower table), all the pieces for </a:t>
+              <a:t> are written together (the orange outline in the lower table), all the pieces for </a:t>
             </a:r>
             <a:r>
               <a:rPr lang="en-US" sz="1600" b="1" dirty="0"/>
@@ -17647,7 +20785,7 @@
             </a:r>
             <a:r>
               <a:rPr lang="en-US" sz="1600" dirty="0"/>
-              <a:t> are written together (the orange outline), and all the pieces for composite are written together (the purple outline).</a:t>
+              <a:t> are written together (the green outline), and all the pieces for compound are written together (the brown outline).</a:t>
             </a:r>
           </a:p>
         </p:txBody>
@@ -18143,7 +21281,7 @@
 </p:sld>
 </file>
 
-<file path=ppt/slides/slide31.xml><?xml version="1.0" encoding="utf-8"?>
+<file path=ppt/slides/slide34.xml><?xml version="1.0" encoding="utf-8"?>
 <p:sld xmlns:a="http://schemas.openxmlformats.org/drawingml/2006/main" xmlns:r="http://schemas.openxmlformats.org/officeDocument/2006/relationships" xmlns:p="http://schemas.openxmlformats.org/presentationml/2006/main">
   <p:cSld>
     <p:spTree>
@@ -18904,7 +22042,7 @@
             <a:fld id="{B6F15528-21DE-4FAA-801E-634DDDAF4B2B}" type="slidenum">
               <a:rPr lang="en-US" smtClean="0"/>
               <a:pPr/>
-              <a:t>31</a:t>
+              <a:t>34</a:t>
             </a:fld>
             <a:endParaRPr lang="en-US"/>
           </a:p>
@@ -19882,7 +23020,7 @@
 </p:sld>
 </file>
 
-<file path=ppt/slides/slide32.xml><?xml version="1.0" encoding="utf-8"?>
+<file path=ppt/slides/slide35.xml><?xml version="1.0" encoding="utf-8"?>
 <p:sld xmlns:a="http://schemas.openxmlformats.org/drawingml/2006/main" xmlns:r="http://schemas.openxmlformats.org/officeDocument/2006/relationships" xmlns:p="http://schemas.openxmlformats.org/presentationml/2006/main">
   <p:cSld>
     <p:spTree>
@@ -19931,7 +23069,7 @@
             <p:ph idx="1"/>
             <p:extLst>
               <p:ext uri="{D42A27DB-BD31-4B8C-83A1-F6EECF244321}">
-                <p14:modId xmlns:p14="http://schemas.microsoft.com/office/powerpoint/2010/main" val="1184616067"/>
+                <p14:modId xmlns:p14="http://schemas.microsoft.com/office/powerpoint/2010/main" val="4089118269"/>
               </p:ext>
             </p:extLst>
           </p:nvPr>
@@ -20193,7 +23331,7 @@
                     <a:p>
                       <a:r>
                         <a:rPr lang="en-US" dirty="0"/>
-                        <a:t>move</a:t>
+                        <a:t>rotate</a:t>
                       </a:r>
                     </a:p>
                   </a:txBody>
@@ -20296,7 +23434,7 @@
             <a:fld id="{B6F15528-21DE-4FAA-801E-634DDDAF4B2B}" type="slidenum">
               <a:rPr lang="en-US" smtClean="0"/>
               <a:pPr/>
-              <a:t>32</a:t>
+              <a:t>35</a:t>
             </a:fld>
             <a:endParaRPr lang="en-US"/>
           </a:p>
@@ -20468,7 +23606,7 @@
           <p:nvPr>
             <p:extLst>
               <p:ext uri="{D42A27DB-BD31-4B8C-83A1-F6EECF244321}">
-                <p14:modId xmlns:p14="http://schemas.microsoft.com/office/powerpoint/2010/main" val="13657068"/>
+                <p14:modId xmlns:p14="http://schemas.microsoft.com/office/powerpoint/2010/main" val="2319184548"/>
               </p:ext>
             </p:extLst>
           </p:nvPr>
@@ -20716,7 +23854,7 @@
                     <a:p>
                       <a:r>
                         <a:rPr lang="en-US" dirty="0"/>
-                        <a:t>move</a:t>
+                        <a:t>rotate</a:t>
                       </a:r>
                     </a:p>
                   </a:txBody>
@@ -21185,7 +24323,7 @@
             </a:r>
             <a:r>
               <a:rPr lang="en-US" sz="1400" b="1" dirty="0"/>
-              <a:t>move</a:t>
+              <a:t>rotate</a:t>
             </a:r>
             <a:r>
               <a:rPr lang="en-US" sz="1400" dirty="0"/>
@@ -21247,7 +24385,7 @@
             </a:r>
             <a:r>
               <a:rPr lang="en-US" sz="1400" b="1" dirty="0"/>
-              <a:t>move</a:t>
+              <a:t>rotate</a:t>
             </a:r>
             <a:r>
               <a:rPr lang="en-US" sz="1400" dirty="0"/>
@@ -21479,7 +24617,7 @@
 </p:sld>
 </file>
 
-<file path=ppt/slides/slide33.xml><?xml version="1.0" encoding="utf-8"?>
+<file path=ppt/slides/slide36.xml><?xml version="1.0" encoding="utf-8"?>
 <p:sld xmlns:a="http://schemas.openxmlformats.org/drawingml/2006/main" xmlns:r="http://schemas.openxmlformats.org/officeDocument/2006/relationships" xmlns:p="http://schemas.openxmlformats.org/presentationml/2006/main">
   <p:cSld>
     <p:spTree>
@@ -21775,7 +24913,7 @@
             <a:fld id="{B6F15528-21DE-4FAA-801E-634DDDAF4B2B}" type="slidenum">
               <a:rPr lang="en-US" smtClean="0"/>
               <a:pPr/>
-              <a:t>33</a:t>
+              <a:t>36</a:t>
             </a:fld>
             <a:endParaRPr lang="en-US"/>
           </a:p>
@@ -21794,7 +24932,7 @@
 </p:sld>
 </file>
 
-<file path=ppt/slides/slide34.xml><?xml version="1.0" encoding="utf-8"?>
+<file path=ppt/slides/slide37.xml><?xml version="1.0" encoding="utf-8"?>
 <p:sld xmlns:a="http://schemas.openxmlformats.org/drawingml/2006/main" xmlns:r="http://schemas.openxmlformats.org/officeDocument/2006/relationships" xmlns:p="http://schemas.openxmlformats.org/presentationml/2006/main">
   <p:cSld>
     <p:spTree>
@@ -21914,7 +25052,7 @@
           <a:p>
             <a:fld id="{20F37917-FD3A-4669-9018-DA04BCDD3D75}" type="slidenum">
               <a:rPr lang="en-US" smtClean="0"/>
-              <a:t>34</a:t>
+              <a:t>37</a:t>
             </a:fld>
             <a:endParaRPr lang="en-US"/>
           </a:p>
@@ -21933,7 +25071,7 @@
 </p:sld>
 </file>
 
-<file path=ppt/slides/slide35.xml><?xml version="1.0" encoding="utf-8"?>
+<file path=ppt/slides/slide38.xml><?xml version="1.0" encoding="utf-8"?>
 <p:sld xmlns:a="http://schemas.openxmlformats.org/drawingml/2006/main" xmlns:r="http://schemas.openxmlformats.org/officeDocument/2006/relationships" xmlns:p="http://schemas.openxmlformats.org/presentationml/2006/main">
   <p:cSld>
     <p:spTree>
@@ -22053,7 +25191,7 @@
             <a:fld id="{B6F15528-21DE-4FAA-801E-634DDDAF4B2B}" type="slidenum">
               <a:rPr lang="en-US" smtClean="0"/>
               <a:pPr/>
-              <a:t>35</a:t>
+              <a:t>38</a:t>
             </a:fld>
             <a:endParaRPr lang="en-US"/>
           </a:p>
@@ -22072,7 +25210,7 @@
 </p:sld>
 </file>
 
-<file path=ppt/slides/slide36.xml><?xml version="1.0" encoding="utf-8"?>
+<file path=ppt/slides/slide39.xml><?xml version="1.0" encoding="utf-8"?>
 <p:sld xmlns:a="http://schemas.openxmlformats.org/drawingml/2006/main" xmlns:r="http://schemas.openxmlformats.org/officeDocument/2006/relationships" xmlns:p="http://schemas.openxmlformats.org/presentationml/2006/main">
   <p:cSld>
     <p:spTree>
@@ -22233,90 +25371,9 @@
           <a:p>
             <a:fld id="{20F37917-FD3A-4669-9018-DA04BCDD3D75}" type="slidenum">
               <a:rPr lang="en-US" smtClean="0"/>
-              <a:t>36</a:t>
+              <a:t>39</a:t>
             </a:fld>
             <a:endParaRPr lang="en-US"/>
-          </a:p>
-        </p:txBody>
-      </p:sp>
-      <p:sp>
-        <p:nvSpPr>
-          <p:cNvPr id="5" name="Rectangle 4">
-            <a:extLst>
-              <a:ext uri="{FF2B5EF4-FFF2-40B4-BE49-F238E27FC236}">
-                <a16:creationId xmlns:a16="http://schemas.microsoft.com/office/drawing/2014/main" id="{62D1E25B-EB34-4866-86C4-F1FAA5064442}"/>
-              </a:ext>
-            </a:extLst>
-          </p:cNvPr>
-          <p:cNvSpPr/>
-          <p:nvPr/>
-        </p:nvSpPr>
-        <p:spPr>
-          <a:xfrm>
-            <a:off x="8932984" y="4387051"/>
-            <a:ext cx="2743199" cy="756449"/>
-          </a:xfrm>
-          <a:prstGeom prst="rect">
-            <a:avLst/>
-          </a:prstGeom>
-          <a:solidFill>
-            <a:schemeClr val="accent2">
-              <a:lumMod val="20000"/>
-              <a:lumOff val="80000"/>
-            </a:schemeClr>
-          </a:solidFill>
-          <a:ln>
-            <a:solidFill>
-              <a:srgbClr val="0070C0"/>
-            </a:solidFill>
-          </a:ln>
-        </p:spPr>
-        <p:style>
-          <a:lnRef idx="2">
-            <a:schemeClr val="accent1">
-              <a:shade val="50000"/>
-            </a:schemeClr>
-          </a:lnRef>
-          <a:fillRef idx="1">
-            <a:schemeClr val="accent1"/>
-          </a:fillRef>
-          <a:effectRef idx="0">
-            <a:schemeClr val="accent1"/>
-          </a:effectRef>
-          <a:fontRef idx="minor">
-            <a:schemeClr val="lt1"/>
-          </a:fontRef>
-        </p:style>
-        <p:txBody>
-          <a:bodyPr rtlCol="0" anchor="t"/>
-          <a:lstStyle/>
-          <a:p>
-            <a:r>
-              <a:rPr lang="en-US" b="1" dirty="0" err="1">
-                <a:solidFill>
-                  <a:schemeClr val="tx1"/>
-                </a:solidFill>
-                <a:latin typeface="Ink Free" panose="03080402000500000000" pitchFamily="66" charset="0"/>
-              </a:rPr>
-              <a:t>Subclassing</a:t>
-            </a:r>
-            <a:r>
-              <a:rPr lang="en-US" b="1" dirty="0">
-                <a:solidFill>
-                  <a:schemeClr val="tx1"/>
-                </a:solidFill>
-                <a:latin typeface="Ink Free" panose="03080402000500000000" pitchFamily="66" charset="0"/>
-              </a:rPr>
-              <a:t> weakens encapsulation!</a:t>
-            </a:r>
-          </a:p>
-          <a:p>
-            <a:endParaRPr lang="en-US" b="1" dirty="0">
-              <a:solidFill>
-                <a:schemeClr val="tx1"/>
-              </a:solidFill>
-              <a:latin typeface="Ink Free" panose="03080402000500000000" pitchFamily="66" charset="0"/>
-            </a:endParaRPr>
           </a:p>
         </p:txBody>
       </p:sp>
@@ -22333,7 +25390,204 @@
 </p:sld>
 </file>
 
-<file path=ppt/slides/slide37.xml><?xml version="1.0" encoding="utf-8"?>
+<file path=ppt/slides/slide4.xml><?xml version="1.0" encoding="utf-8"?>
+<p:sld xmlns:a="http://schemas.openxmlformats.org/drawingml/2006/main" xmlns:r="http://schemas.openxmlformats.org/officeDocument/2006/relationships" xmlns:p="http://schemas.openxmlformats.org/presentationml/2006/main">
+  <p:cSld>
+    <p:spTree>
+      <p:nvGrpSpPr>
+        <p:cNvPr id="1" name=""/>
+        <p:cNvGrpSpPr/>
+        <p:nvPr/>
+      </p:nvGrpSpPr>
+      <p:grpSpPr>
+        <a:xfrm>
+          <a:off x="0" y="0"/>
+          <a:ext cx="0" cy="0"/>
+          <a:chOff x="0" y="0"/>
+          <a:chExt cx="0" cy="0"/>
+        </a:xfrm>
+      </p:grpSpPr>
+      <p:sp>
+        <p:nvSpPr>
+          <p:cNvPr id="5121" name="Rectangle 1">
+            <a:extLst>
+              <a:ext uri="{FF2B5EF4-FFF2-40B4-BE49-F238E27FC236}">
+                <a16:creationId xmlns:a16="http://schemas.microsoft.com/office/drawing/2014/main" id="{FCD54966-636B-40B8-9A0B-F5A7E500E446}"/>
+              </a:ext>
+            </a:extLst>
+          </p:cNvPr>
+          <p:cNvSpPr>
+            <a:spLocks noGrp="1" noChangeArrowheads="1"/>
+          </p:cNvSpPr>
+          <p:nvPr>
+            <p:ph type="title"/>
+          </p:nvPr>
+        </p:nvSpPr>
+        <p:spPr/>
+        <p:txBody>
+          <a:bodyPr/>
+          <a:lstStyle/>
+          <a:p>
+            <a:r>
+              <a:rPr lang="en-US" altLang="en-US" dirty="0"/>
+              <a:t>The Challenge: Controlling Complexity</a:t>
+            </a:r>
+          </a:p>
+        </p:txBody>
+      </p:sp>
+      <p:sp>
+        <p:nvSpPr>
+          <p:cNvPr id="5122" name="Rectangle 2">
+            <a:extLst>
+              <a:ext uri="{FF2B5EF4-FFF2-40B4-BE49-F238E27FC236}">
+                <a16:creationId xmlns:a16="http://schemas.microsoft.com/office/drawing/2014/main" id="{6D5D6D1E-2A01-42BF-95E0-611A9FCE7D25}"/>
+              </a:ext>
+            </a:extLst>
+          </p:cNvPr>
+          <p:cNvSpPr>
+            <a:spLocks noGrp="1" noChangeArrowheads="1"/>
+          </p:cNvSpPr>
+          <p:nvPr>
+            <p:ph idx="1"/>
+          </p:nvPr>
+        </p:nvSpPr>
+        <p:spPr/>
+        <p:txBody>
+          <a:bodyPr/>
+          <a:lstStyle/>
+          <a:p>
+            <a:r>
+              <a:rPr lang="en-US" altLang="en-US" dirty="0"/>
+              <a:t>Software systems must be comprehensible by humans</a:t>
+            </a:r>
+          </a:p>
+          <a:p>
+            <a:r>
+              <a:rPr lang="en-US" altLang="en-US" dirty="0"/>
+              <a:t>Why? Software needs to be maintainable</a:t>
+            </a:r>
+          </a:p>
+          <a:p>
+            <a:pPr lvl="1"/>
+            <a:r>
+              <a:rPr lang="en-US" altLang="en-US" dirty="0"/>
+              <a:t>continuously adapted to a changing environment</a:t>
+            </a:r>
+          </a:p>
+          <a:p>
+            <a:pPr lvl="1"/>
+            <a:r>
+              <a:rPr lang="en-US" altLang="en-US" dirty="0"/>
+              <a:t>Maintenance takes 50–80% of the cost</a:t>
+            </a:r>
+          </a:p>
+          <a:p>
+            <a:r>
+              <a:rPr lang="en-US" altLang="en-US" dirty="0"/>
+              <a:t>Why? Software needs to be reusable</a:t>
+            </a:r>
+          </a:p>
+          <a:p>
+            <a:pPr lvl="1"/>
+            <a:r>
+              <a:rPr lang="en-US" altLang="en-US" dirty="0"/>
+              <a:t>Economics:  cheaper to reuse than rewrite!</a:t>
+            </a:r>
+          </a:p>
+        </p:txBody>
+      </p:sp>
+      <p:sp>
+        <p:nvSpPr>
+          <p:cNvPr id="5123" name="Text Box 3">
+            <a:extLst>
+              <a:ext uri="{FF2B5EF4-FFF2-40B4-BE49-F238E27FC236}">
+                <a16:creationId xmlns:a16="http://schemas.microsoft.com/office/drawing/2014/main" id="{F4B0D1A4-82AE-4AEF-B842-9318DCC0894D}"/>
+              </a:ext>
+            </a:extLst>
+          </p:cNvPr>
+          <p:cNvSpPr txBox="1">
+            <a:spLocks/>
+          </p:cNvSpPr>
+          <p:nvPr/>
+        </p:nvSpPr>
+        <p:spPr bwMode="auto">
+          <a:xfrm>
+            <a:off x="10232600" y="6454704"/>
+            <a:ext cx="136256" cy="223587"/>
+          </a:xfrm>
+          <a:prstGeom prst="rect">
+            <a:avLst/>
+          </a:prstGeom>
+          <a:noFill/>
+          <a:ln>
+            <a:noFill/>
+          </a:ln>
+          <a:effectLst/>
+          <a:extLst>
+            <a:ext uri="{909E8E84-426E-40DD-AFC4-6F175D3DCCD1}">
+              <a14:hiddenFill xmlns:a14="http://schemas.microsoft.com/office/drawing/2010/main">
+                <a:solidFill>
+                  <a:srgbClr val="FFFFFF"/>
+                </a:solidFill>
+              </a14:hiddenFill>
+            </a:ext>
+            <a:ext uri="{91240B29-F687-4F45-9708-019B960494DF}">
+              <a14:hiddenLine xmlns:a14="http://schemas.microsoft.com/office/drawing/2010/main" w="12700" cap="flat" cmpd="sng">
+                <a:solidFill>
+                  <a:srgbClr val="000000"/>
+                </a:solidFill>
+                <a:prstDash val="solid"/>
+                <a:miter lim="400000"/>
+                <a:headEnd type="none" w="med" len="med"/>
+                <a:tailEnd type="none" w="med" len="med"/>
+              </a14:hiddenLine>
+            </a:ext>
+            <a:ext uri="{AF507438-7753-43E0-B8FC-AC1667EBCBE1}">
+              <a14:hiddenEffects xmlns:a14="http://schemas.microsoft.com/office/drawing/2010/main">
+                <a:effectLst>
+                  <a:outerShdw dist="35921" dir="2700000" algn="ctr" rotWithShape="0">
+                    <a:srgbClr val="808080"/>
+                  </a:outerShdw>
+                </a:effectLst>
+              </a14:hiddenEffects>
+            </a:ext>
+          </a:extLst>
+        </p:spPr>
+        <p:txBody>
+          <a:bodyPr wrap="none" lIns="35719" tIns="35719" rIns="35719" bIns="35719" anchor="b">
+            <a:spAutoFit/>
+          </a:bodyPr>
+          <a:lstStyle/>
+          <a:p>
+            <a:pPr algn="r"/>
+            <a:fld id="{0BB2D644-9BFF-4E58-8C26-7B6E68779C53}" type="slidenum">
+              <a:rPr lang="en-US" altLang="en-US" sz="984">
+                <a:latin typeface="Calibri Light" panose="020F0302020204030204" pitchFamily="34" charset="0"/>
+                <a:ea typeface="Helvetica Neue" charset="0"/>
+                <a:cs typeface="Calibri Light" panose="020F0302020204030204" pitchFamily="34" charset="0"/>
+                <a:sym typeface="Helvetica Neue" charset="0"/>
+              </a:rPr>
+              <a:pPr algn="r"/>
+              <a:t>4</a:t>
+            </a:fld>
+            <a:endParaRPr lang="en-US" altLang="en-US" sz="984" dirty="0">
+              <a:latin typeface="Calibri Light" panose="020F0302020204030204" pitchFamily="34" charset="0"/>
+              <a:ea typeface="Helvetica Neue" charset="0"/>
+              <a:cs typeface="Calibri Light" panose="020F0302020204030204" pitchFamily="34" charset="0"/>
+              <a:sym typeface="Helvetica Neue" charset="0"/>
+            </a:endParaRPr>
+          </a:p>
+        </p:txBody>
+      </p:sp>
+    </p:spTree>
+  </p:cSld>
+  <p:clrMapOvr>
+    <a:masterClrMapping/>
+  </p:clrMapOvr>
+</p:sld>
+</file>
+
+<file path=ppt/slides/slide40.xml><?xml version="1.0" encoding="utf-8"?>
 <p:sld xmlns:a="http://schemas.openxmlformats.org/drawingml/2006/main" xmlns:r="http://schemas.openxmlformats.org/officeDocument/2006/relationships" xmlns:p="http://schemas.openxmlformats.org/presentationml/2006/main">
   <p:cSld>
     <p:spTree>
@@ -22401,7 +25655,7 @@
           <a:p>
             <a:fld id="{20F37917-FD3A-4669-9018-DA04BCDD3D75}" type="slidenum">
               <a:rPr lang="en-US" smtClean="0"/>
-              <a:t>37</a:t>
+              <a:t>40</a:t>
             </a:fld>
             <a:endParaRPr lang="en-US"/>
           </a:p>
@@ -23299,7 +26553,7 @@
         </p:nvSpPr>
         <p:spPr>
           <a:xfrm>
-            <a:off x="9338016" y="3325930"/>
+            <a:off x="9330982" y="1666755"/>
             <a:ext cx="2743199" cy="1276906"/>
           </a:xfrm>
           <a:prstGeom prst="rect">
@@ -23345,6 +26599,105 @@
                 <a:latin typeface="Ink Free" panose="03080402000500000000" pitchFamily="66" charset="0"/>
               </a:rPr>
               <a:t>But a subclass can do as much damage as anyone else.  Here Class2 can violate the invariant.</a:t>
+            </a:r>
+          </a:p>
+          <a:p>
+            <a:endParaRPr lang="en-US" b="1" dirty="0">
+              <a:solidFill>
+                <a:schemeClr val="tx1"/>
+              </a:solidFill>
+              <a:latin typeface="Ink Free" panose="03080402000500000000" pitchFamily="66" charset="0"/>
+            </a:endParaRPr>
+          </a:p>
+        </p:txBody>
+      </p:sp>
+      <p:sp>
+        <p:nvSpPr>
+          <p:cNvPr id="9" name="Rectangle 8">
+            <a:extLst>
+              <a:ext uri="{FF2B5EF4-FFF2-40B4-BE49-F238E27FC236}">
+                <a16:creationId xmlns:a16="http://schemas.microsoft.com/office/drawing/2014/main" id="{D7EB5145-A5B2-42C9-A1A9-41F4E464804E}"/>
+              </a:ext>
+            </a:extLst>
+          </p:cNvPr>
+          <p:cNvSpPr/>
+          <p:nvPr/>
+        </p:nvSpPr>
+        <p:spPr>
+          <a:xfrm>
+            <a:off x="9330981" y="3050163"/>
+            <a:ext cx="2743199" cy="744954"/>
+          </a:xfrm>
+          <a:prstGeom prst="rect">
+            <a:avLst/>
+          </a:prstGeom>
+          <a:solidFill>
+            <a:schemeClr val="accent2">
+              <a:lumMod val="20000"/>
+              <a:lumOff val="80000"/>
+            </a:schemeClr>
+          </a:solidFill>
+          <a:ln>
+            <a:solidFill>
+              <a:srgbClr val="0070C0"/>
+            </a:solidFill>
+          </a:ln>
+        </p:spPr>
+        <p:style>
+          <a:lnRef idx="2">
+            <a:schemeClr val="accent1">
+              <a:shade val="50000"/>
+            </a:schemeClr>
+          </a:lnRef>
+          <a:fillRef idx="1">
+            <a:schemeClr val="accent1"/>
+          </a:fillRef>
+          <a:effectRef idx="0">
+            <a:schemeClr val="accent1"/>
+          </a:effectRef>
+          <a:fontRef idx="minor">
+            <a:schemeClr val="lt1"/>
+          </a:fontRef>
+        </p:style>
+        <p:txBody>
+          <a:bodyPr rtlCol="0" anchor="t"/>
+          <a:lstStyle/>
+          <a:p>
+            <a:r>
+              <a:rPr lang="en-US" b="1" dirty="0" err="1">
+                <a:solidFill>
+                  <a:schemeClr val="tx1"/>
+                </a:solidFill>
+                <a:latin typeface="Ink Free" panose="03080402000500000000" pitchFamily="66" charset="0"/>
+              </a:rPr>
+              <a:t>tl;dr</a:t>
+            </a:r>
+            <a:r>
+              <a:rPr lang="en-US" b="1" dirty="0">
+                <a:solidFill>
+                  <a:schemeClr val="tx1"/>
+                </a:solidFill>
+                <a:latin typeface="Ink Free" panose="03080402000500000000" pitchFamily="66" charset="0"/>
+              </a:rPr>
+              <a:t>:  </a:t>
+            </a:r>
+            <a:r>
+              <a:rPr lang="en-US" b="1" dirty="0" err="1">
+                <a:solidFill>
+                  <a:schemeClr val="tx1"/>
+                </a:solidFill>
+                <a:latin typeface="Ink Free" panose="03080402000500000000" pitchFamily="66" charset="0"/>
+              </a:rPr>
+              <a:t>subclassing</a:t>
+            </a:r>
+            <a:r>
+              <a:rPr lang="en-US" b="1" dirty="0">
+                <a:solidFill>
+                  <a:schemeClr val="tx1"/>
+                </a:solidFill>
+                <a:latin typeface="Ink Free" panose="03080402000500000000" pitchFamily="66" charset="0"/>
+              </a:rPr>
+              <a:t> weakens encapsulation!</a:t>
             </a:r>
           </a:p>
           <a:p>
@@ -23463,6 +26816,59 @@
                       </p:childTnLst>
                     </p:cTn>
                   </p:par>
+                  <p:par>
+                    <p:cTn id="11" fill="hold">
+                      <p:stCondLst>
+                        <p:cond delay="indefinite"/>
+                      </p:stCondLst>
+                      <p:childTnLst>
+                        <p:par>
+                          <p:cTn id="12" fill="hold">
+                            <p:stCondLst>
+                              <p:cond delay="0"/>
+                            </p:stCondLst>
+                            <p:childTnLst>
+                              <p:par>
+                                <p:cTn id="13" presetID="10" presetClass="entr" presetSubtype="0" fill="hold" grpId="0" nodeType="clickEffect">
+                                  <p:stCondLst>
+                                    <p:cond delay="0"/>
+                                  </p:stCondLst>
+                                  <p:childTnLst>
+                                    <p:set>
+                                      <p:cBhvr>
+                                        <p:cTn id="14" dur="1" fill="hold">
+                                          <p:stCondLst>
+                                            <p:cond delay="0"/>
+                                          </p:stCondLst>
+                                        </p:cTn>
+                                        <p:tgtEl>
+                                          <p:spTgt spid="9"/>
+                                        </p:tgtEl>
+                                        <p:attrNameLst>
+                                          <p:attrName>style.visibility</p:attrName>
+                                        </p:attrNameLst>
+                                      </p:cBhvr>
+                                      <p:to>
+                                        <p:strVal val="visible"/>
+                                      </p:to>
+                                    </p:set>
+                                    <p:animEffect transition="in" filter="fade">
+                                      <p:cBhvr>
+                                        <p:cTn id="15" dur="500"/>
+                                        <p:tgtEl>
+                                          <p:spTgt spid="9"/>
+                                        </p:tgtEl>
+                                      </p:cBhvr>
+                                    </p:animEffect>
+                                  </p:childTnLst>
+                                </p:cTn>
+                              </p:par>
+                            </p:childTnLst>
+                          </p:cTn>
+                        </p:par>
+                      </p:childTnLst>
+                    </p:cTn>
+                  </p:par>
                 </p:childTnLst>
               </p:cTn>
               <p:prevCondLst>
@@ -23487,12 +26893,13 @@
     <p:bldLst>
       <p:bldP spid="8" grpId="0" animBg="1"/>
       <p:bldP spid="7" grpId="0" animBg="1"/>
+      <p:bldP spid="9" grpId="0" animBg="1"/>
     </p:bldLst>
   </p:timing>
 </p:sld>
 </file>
 
-<file path=ppt/slides/slide38.xml><?xml version="1.0" encoding="utf-8"?>
+<file path=ppt/slides/slide41.xml><?xml version="1.0" encoding="utf-8"?>
 <p:sld xmlns:a="http://schemas.openxmlformats.org/drawingml/2006/main" xmlns:r="http://schemas.openxmlformats.org/officeDocument/2006/relationships" xmlns:p="http://schemas.openxmlformats.org/presentationml/2006/main">
   <p:cSld>
     <p:spTree>
@@ -23574,7 +26981,7 @@
           <a:p>
             <a:r>
               <a:rPr lang="en-US" dirty="0"/>
-              <a:t>One you should know is </a:t>
+              <a:t>One list you should know is </a:t>
             </a:r>
             <a:r>
               <a:rPr lang="en-US" dirty="0">
@@ -23672,7 +27079,7 @@
           <a:p>
             <a:fld id="{20F37917-FD3A-4669-9018-DA04BCDD3D75}" type="slidenum">
               <a:rPr lang="en-US" smtClean="0"/>
-              <a:t>38</a:t>
+              <a:t>41</a:t>
             </a:fld>
             <a:endParaRPr lang="en-US"/>
           </a:p>
@@ -23691,7 +27098,7 @@
 </p:sld>
 </file>
 
-<file path=ppt/slides/slide39.xml><?xml version="1.0" encoding="utf-8"?>
+<file path=ppt/slides/slide42.xml><?xml version="1.0" encoding="utf-8"?>
 <p:sld xmlns:a="http://schemas.openxmlformats.org/drawingml/2006/main" xmlns:r="http://schemas.openxmlformats.org/officeDocument/2006/relationships" xmlns:p="http://schemas.openxmlformats.org/presentationml/2006/main">
   <p:cSld>
     <p:spTree>
@@ -23812,7 +27219,7 @@
             <a:fld id="{86CB4B4D-7CA3-9044-876B-883B54F8677D}" type="slidenum">
               <a:rPr lang="en-US" smtClean="0"/>
               <a:pPr/>
-              <a:t>39</a:t>
+              <a:t>42</a:t>
             </a:fld>
             <a:endParaRPr lang="en-US"/>
           </a:p>
@@ -23903,204 +27310,7 @@
 </p:sld>
 </file>
 
-<file path=ppt/slides/slide4.xml><?xml version="1.0" encoding="utf-8"?>
-<p:sld xmlns:a="http://schemas.openxmlformats.org/drawingml/2006/main" xmlns:r="http://schemas.openxmlformats.org/officeDocument/2006/relationships" xmlns:p="http://schemas.openxmlformats.org/presentationml/2006/main">
-  <p:cSld>
-    <p:spTree>
-      <p:nvGrpSpPr>
-        <p:cNvPr id="1" name=""/>
-        <p:cNvGrpSpPr/>
-        <p:nvPr/>
-      </p:nvGrpSpPr>
-      <p:grpSpPr>
-        <a:xfrm>
-          <a:off x="0" y="0"/>
-          <a:ext cx="0" cy="0"/>
-          <a:chOff x="0" y="0"/>
-          <a:chExt cx="0" cy="0"/>
-        </a:xfrm>
-      </p:grpSpPr>
-      <p:sp>
-        <p:nvSpPr>
-          <p:cNvPr id="5121" name="Rectangle 1">
-            <a:extLst>
-              <a:ext uri="{FF2B5EF4-FFF2-40B4-BE49-F238E27FC236}">
-                <a16:creationId xmlns:a16="http://schemas.microsoft.com/office/drawing/2014/main" id="{FCD54966-636B-40B8-9A0B-F5A7E500E446}"/>
-              </a:ext>
-            </a:extLst>
-          </p:cNvPr>
-          <p:cNvSpPr>
-            <a:spLocks noGrp="1" noChangeArrowheads="1"/>
-          </p:cNvSpPr>
-          <p:nvPr>
-            <p:ph type="title"/>
-          </p:nvPr>
-        </p:nvSpPr>
-        <p:spPr/>
-        <p:txBody>
-          <a:bodyPr/>
-          <a:lstStyle/>
-          <a:p>
-            <a:r>
-              <a:rPr lang="en-US" altLang="en-US" dirty="0"/>
-              <a:t>The Challenge: Controlling Complexity</a:t>
-            </a:r>
-          </a:p>
-        </p:txBody>
-      </p:sp>
-      <p:sp>
-        <p:nvSpPr>
-          <p:cNvPr id="5122" name="Rectangle 2">
-            <a:extLst>
-              <a:ext uri="{FF2B5EF4-FFF2-40B4-BE49-F238E27FC236}">
-                <a16:creationId xmlns:a16="http://schemas.microsoft.com/office/drawing/2014/main" id="{6D5D6D1E-2A01-42BF-95E0-611A9FCE7D25}"/>
-              </a:ext>
-            </a:extLst>
-          </p:cNvPr>
-          <p:cNvSpPr>
-            <a:spLocks noGrp="1" noChangeArrowheads="1"/>
-          </p:cNvSpPr>
-          <p:nvPr>
-            <p:ph idx="1"/>
-          </p:nvPr>
-        </p:nvSpPr>
-        <p:spPr/>
-        <p:txBody>
-          <a:bodyPr/>
-          <a:lstStyle/>
-          <a:p>
-            <a:r>
-              <a:rPr lang="en-US" altLang="en-US" dirty="0"/>
-              <a:t>Software systems must be comprehensible by humans</a:t>
-            </a:r>
-          </a:p>
-          <a:p>
-            <a:r>
-              <a:rPr lang="en-US" altLang="en-US" dirty="0"/>
-              <a:t>Why? Software needs to be maintainable</a:t>
-            </a:r>
-          </a:p>
-          <a:p>
-            <a:pPr lvl="1"/>
-            <a:r>
-              <a:rPr lang="en-US" altLang="en-US" dirty="0"/>
-              <a:t>continuously adapted to a changing environment</a:t>
-            </a:r>
-          </a:p>
-          <a:p>
-            <a:pPr lvl="1"/>
-            <a:r>
-              <a:rPr lang="en-US" altLang="en-US" dirty="0"/>
-              <a:t>Maintenance takes 50–80% of the cost</a:t>
-            </a:r>
-          </a:p>
-          <a:p>
-            <a:r>
-              <a:rPr lang="en-US" altLang="en-US" dirty="0"/>
-              <a:t>Why? Software needs to be reusable</a:t>
-            </a:r>
-          </a:p>
-          <a:p>
-            <a:pPr lvl="1"/>
-            <a:r>
-              <a:rPr lang="en-US" altLang="en-US" dirty="0"/>
-              <a:t>Economics:  cheaper to reuse than rewrite!</a:t>
-            </a:r>
-          </a:p>
-        </p:txBody>
-      </p:sp>
-      <p:sp>
-        <p:nvSpPr>
-          <p:cNvPr id="5123" name="Text Box 3">
-            <a:extLst>
-              <a:ext uri="{FF2B5EF4-FFF2-40B4-BE49-F238E27FC236}">
-                <a16:creationId xmlns:a16="http://schemas.microsoft.com/office/drawing/2014/main" id="{F4B0D1A4-82AE-4AEF-B842-9318DCC0894D}"/>
-              </a:ext>
-            </a:extLst>
-          </p:cNvPr>
-          <p:cNvSpPr txBox="1">
-            <a:spLocks/>
-          </p:cNvSpPr>
-          <p:nvPr/>
-        </p:nvSpPr>
-        <p:spPr bwMode="auto">
-          <a:xfrm>
-            <a:off x="10226187" y="6454704"/>
-            <a:ext cx="142669" cy="223587"/>
-          </a:xfrm>
-          <a:prstGeom prst="rect">
-            <a:avLst/>
-          </a:prstGeom>
-          <a:noFill/>
-          <a:ln>
-            <a:noFill/>
-          </a:ln>
-          <a:effectLst/>
-          <a:extLst>
-            <a:ext uri="{909E8E84-426E-40DD-AFC4-6F175D3DCCD1}">
-              <a14:hiddenFill xmlns:a14="http://schemas.microsoft.com/office/drawing/2010/main">
-                <a:solidFill>
-                  <a:srgbClr val="FFFFFF"/>
-                </a:solidFill>
-              </a14:hiddenFill>
-            </a:ext>
-            <a:ext uri="{91240B29-F687-4F45-9708-019B960494DF}">
-              <a14:hiddenLine xmlns:a14="http://schemas.microsoft.com/office/drawing/2010/main" w="12700" cap="flat" cmpd="sng">
-                <a:solidFill>
-                  <a:srgbClr val="000000"/>
-                </a:solidFill>
-                <a:prstDash val="solid"/>
-                <a:miter lim="400000"/>
-                <a:headEnd type="none" w="med" len="med"/>
-                <a:tailEnd type="none" w="med" len="med"/>
-              </a14:hiddenLine>
-            </a:ext>
-            <a:ext uri="{AF507438-7753-43E0-B8FC-AC1667EBCBE1}">
-              <a14:hiddenEffects xmlns:a14="http://schemas.microsoft.com/office/drawing/2010/main">
-                <a:effectLst>
-                  <a:outerShdw dist="35921" dir="2700000" algn="ctr" rotWithShape="0">
-                    <a:srgbClr val="808080"/>
-                  </a:outerShdw>
-                </a:effectLst>
-              </a14:hiddenEffects>
-            </a:ext>
-          </a:extLst>
-        </p:spPr>
-        <p:txBody>
-          <a:bodyPr wrap="none" lIns="35719" tIns="35719" rIns="35719" bIns="35719" anchor="b">
-            <a:spAutoFit/>
-          </a:bodyPr>
-          <a:lstStyle/>
-          <a:p>
-            <a:pPr algn="r"/>
-            <a:fld id="{0BB2D644-9BFF-4E58-8C26-7B6E68779C53}" type="slidenum">
-              <a:rPr lang="en-US" altLang="en-US" sz="984">
-                <a:latin typeface="Helvetica Neue" charset="0"/>
-                <a:ea typeface="Helvetica Neue" charset="0"/>
-                <a:cs typeface="Helvetica Neue" charset="0"/>
-                <a:sym typeface="Helvetica Neue" charset="0"/>
-              </a:rPr>
-              <a:pPr algn="r"/>
-              <a:t>4</a:t>
-            </a:fld>
-            <a:endParaRPr lang="en-US" altLang="en-US" sz="984">
-              <a:latin typeface="Helvetica Neue" charset="0"/>
-              <a:ea typeface="Helvetica Neue" charset="0"/>
-              <a:cs typeface="Helvetica Neue" charset="0"/>
-              <a:sym typeface="Helvetica Neue" charset="0"/>
-            </a:endParaRPr>
-          </a:p>
-        </p:txBody>
-      </p:sp>
-    </p:spTree>
-  </p:cSld>
-  <p:clrMapOvr>
-    <a:masterClrMapping/>
-  </p:clrMapOvr>
-</p:sld>
-</file>
-
-<file path=ppt/slides/slide40.xml><?xml version="1.0" encoding="utf-8"?>
+<file path=ppt/slides/slide43.xml><?xml version="1.0" encoding="utf-8"?>
 <p:sld xmlns:a="http://schemas.openxmlformats.org/drawingml/2006/main" xmlns:r="http://schemas.openxmlformats.org/officeDocument/2006/relationships" xmlns:p="http://schemas.openxmlformats.org/presentationml/2006/main">
   <p:cSld>
     <p:spTree>
@@ -24144,7 +27354,7 @@
                   <a:srgbClr val="0070C0"/>
                 </a:solidFill>
               </a:rPr>
-              <a:t>Next...</a:t>
+              <a:t>Next steps...</a:t>
             </a:r>
           </a:p>
         </p:txBody>
@@ -24172,7 +27382,7 @@
           <a:p>
             <a:r>
               <a:rPr lang="en-US" dirty="0"/>
-              <a:t>Formulate some questions and come to class!</a:t>
+              <a:t>Formulate some questions and come to the class meeting!</a:t>
             </a:r>
           </a:p>
           <a:p>
@@ -24212,7 +27422,7 @@
               <a:pPr defTabSz="547695">
                 <a:defRPr/>
               </a:pPr>
-              <a:t>40</a:t>
+              <a:t>43</a:t>
             </a:fld>
             <a:endParaRPr lang="en-US"/>
           </a:p>
@@ -24371,8 +27581,8 @@
         </p:nvSpPr>
         <p:spPr bwMode="auto">
           <a:xfrm>
-            <a:off x="10226187" y="6454704"/>
-            <a:ext cx="142669" cy="223587"/>
+            <a:off x="10232600" y="6454704"/>
+            <a:ext cx="136256" cy="223587"/>
           </a:xfrm>
           <a:prstGeom prst="rect">
             <a:avLst/>
@@ -24421,18 +27631,18 @@
             <a:pPr algn="r"/>
             <a:fld id="{0BB2D644-9BFF-4E58-8C26-7B6E68779C53}" type="slidenum">
               <a:rPr lang="en-US" altLang="en-US" sz="984">
-                <a:latin typeface="Helvetica Neue" charset="0"/>
+                <a:latin typeface="Calibri Light" panose="020F0302020204030204" pitchFamily="34" charset="0"/>
                 <a:ea typeface="Helvetica Neue" charset="0"/>
-                <a:cs typeface="Helvetica Neue" charset="0"/>
+                <a:cs typeface="Calibri Light" panose="020F0302020204030204" pitchFamily="34" charset="0"/>
                 <a:sym typeface="Helvetica Neue" charset="0"/>
               </a:rPr>
               <a:pPr algn="r"/>
               <a:t>5</a:t>
             </a:fld>
-            <a:endParaRPr lang="en-US" altLang="en-US" sz="984">
-              <a:latin typeface="Helvetica Neue" charset="0"/>
+            <a:endParaRPr lang="en-US" altLang="en-US" sz="984" dirty="0">
+              <a:latin typeface="Calibri Light" panose="020F0302020204030204" pitchFamily="34" charset="0"/>
               <a:ea typeface="Helvetica Neue" charset="0"/>
-              <a:cs typeface="Helvetica Neue" charset="0"/>
+              <a:cs typeface="Calibri Light" panose="020F0302020204030204" pitchFamily="34" charset="0"/>
               <a:sym typeface="Helvetica Neue" charset="0"/>
             </a:endParaRPr>
           </a:p>
@@ -24521,13 +27731,8 @@
           <a:p>
             <a:r>
               <a:rPr lang="en-US" dirty="0"/>
-              <a:t>Five Principles for </a:t>
-            </a:r>
-            <a:r>
-              <a:rPr lang="en-US"/>
-              <a:t>OO Programming</a:t>
-            </a:r>
-            <a:endParaRPr lang="en-US" dirty="0"/>
+              <a:t>Five Principles for OO Programming</a:t>
+            </a:r>
           </a:p>
         </p:txBody>
       </p:sp>

--- a/Slides/Lesson 1.3 Object-Oriented Principles.pptx
+++ b/Slides/Lesson 1.3 Object-Oriented Principles.pptx
@@ -271,7 +271,7 @@
           <a:p>
             <a:fld id="{7C7E5181-6CF5-45F7-A87A-E0E0B1FD7549}" type="datetimeFigureOut">
               <a:rPr lang="en-US" smtClean="0"/>
-              <a:t>1/17/2021</a:t>
+              <a:t>1/21/2021</a:t>
             </a:fld>
             <a:endParaRPr lang="en-US"/>
           </a:p>
@@ -692,7 +692,7 @@
           <a:p>
             <a:fld id="{5D2A64DE-480B-420F-9649-4F8E696E08E0}" type="datetime1">
               <a:rPr lang="en-US" smtClean="0"/>
-              <a:t>1/17/2021</a:t>
+              <a:t>1/21/2021</a:t>
             </a:fld>
             <a:endParaRPr lang="en-US"/>
           </a:p>
@@ -926,7 +926,7 @@
           <a:p>
             <a:fld id="{0D3616D0-8311-4107-9726-6B805E7D05BA}" type="datetime1">
               <a:rPr lang="en-US" smtClean="0"/>
-              <a:t>1/17/2021</a:t>
+              <a:t>1/21/2021</a:t>
             </a:fld>
             <a:endParaRPr lang="en-US"/>
           </a:p>
@@ -1134,7 +1134,7 @@
           <a:p>
             <a:fld id="{3BC2557A-5C88-417A-A763-5AC779462A5F}" type="datetime1">
               <a:rPr lang="en-US" smtClean="0"/>
-              <a:t>1/17/2021</a:t>
+              <a:t>1/21/2021</a:t>
             </a:fld>
             <a:endParaRPr lang="en-US"/>
           </a:p>
@@ -1658,7 +1658,7 @@
           <a:p>
             <a:fld id="{07C7BFD4-467E-4EDE-93EA-052F5B39A4E5}" type="datetime1">
               <a:rPr lang="en-US" smtClean="0"/>
-              <a:t>1/17/2021</a:t>
+              <a:t>1/21/2021</a:t>
             </a:fld>
             <a:endParaRPr lang="en-US"/>
           </a:p>
@@ -1971,7 +1971,7 @@
           <a:p>
             <a:fld id="{A533CBE2-D5BE-47AC-ADC2-9CDFC1D0CF90}" type="datetime1">
               <a:rPr lang="en-US" smtClean="0"/>
-              <a:t>1/17/2021</a:t>
+              <a:t>1/21/2021</a:t>
             </a:fld>
             <a:endParaRPr lang="en-US"/>
           </a:p>
@@ -2272,7 +2272,7 @@
           <a:p>
             <a:fld id="{39B7EDB1-CE74-4951-85A2-0B01C2128E28}" type="datetime1">
               <a:rPr lang="en-US" smtClean="0"/>
-              <a:t>1/17/2021</a:t>
+              <a:t>1/21/2021</a:t>
             </a:fld>
             <a:endParaRPr lang="en-US"/>
           </a:p>
@@ -2720,7 +2720,7 @@
           <a:p>
             <a:fld id="{2BC7EB92-A5C2-4807-A9DC-9EDE6CBFB241}" type="datetime1">
               <a:rPr lang="en-US" smtClean="0"/>
-              <a:t>1/17/2021</a:t>
+              <a:t>1/21/2021</a:t>
             </a:fld>
             <a:endParaRPr lang="en-US"/>
           </a:p>
@@ -2866,7 +2866,7 @@
           <a:p>
             <a:fld id="{109E55A0-C911-4F03-82FC-7E5926047D46}" type="datetime1">
               <a:rPr lang="en-US" smtClean="0"/>
-              <a:t>1/17/2021</a:t>
+              <a:t>1/21/2021</a:t>
             </a:fld>
             <a:endParaRPr lang="en-US"/>
           </a:p>
@@ -3015,7 +3015,7 @@
           <a:p>
             <a:fld id="{2B7B7EE0-7771-4CD5-9B2B-3550753A54A1}" type="datetime1">
               <a:rPr lang="en-US" smtClean="0"/>
-              <a:t>1/17/2021</a:t>
+              <a:t>1/21/2021</a:t>
             </a:fld>
             <a:endParaRPr lang="en-US"/>
           </a:p>
@@ -3326,7 +3326,7 @@
           <a:p>
             <a:fld id="{F8B318B3-0E87-4416-A9B8-D891968C2727}" type="datetime1">
               <a:rPr lang="en-US" smtClean="0"/>
-              <a:t>1/17/2021</a:t>
+              <a:t>1/21/2021</a:t>
             </a:fld>
             <a:endParaRPr lang="en-US"/>
           </a:p>
@@ -3614,7 +3614,7 @@
           <a:p>
             <a:fld id="{EA476A42-A091-4468-A075-64A31BE59948}" type="datetime1">
               <a:rPr lang="en-US" smtClean="0"/>
-              <a:t>1/17/2021</a:t>
+              <a:t>1/21/2021</a:t>
             </a:fld>
             <a:endParaRPr lang="en-US"/>
           </a:p>
@@ -3855,7 +3855,7 @@
           <a:p>
             <a:fld id="{54D997E8-DDEE-43F1-8D9B-F8A1E11DE488}" type="datetime1">
               <a:rPr lang="en-US" smtClean="0"/>
-              <a:t>1/17/2021</a:t>
+              <a:t>1/21/2021</a:t>
             </a:fld>
             <a:endParaRPr lang="en-US"/>
           </a:p>
@@ -4417,6 +4417,78 @@
               <a:t>1</a:t>
             </a:fld>
             <a:endParaRPr lang="en-US"/>
+          </a:p>
+        </p:txBody>
+      </p:sp>
+      <p:sp>
+        <p:nvSpPr>
+          <p:cNvPr id="3" name="Rectangle 2">
+            <a:extLst>
+              <a:ext uri="{FF2B5EF4-FFF2-40B4-BE49-F238E27FC236}">
+                <a16:creationId xmlns:a16="http://schemas.microsoft.com/office/drawing/2014/main" id="{98FFD502-13D9-4BEB-AA2C-A522F1CD77A4}"/>
+              </a:ext>
+            </a:extLst>
+          </p:cNvPr>
+          <p:cNvSpPr/>
+          <p:nvPr/>
+        </p:nvSpPr>
+        <p:spPr>
+          <a:xfrm>
+            <a:off x="539260" y="5710019"/>
+            <a:ext cx="6096000" cy="646331"/>
+          </a:xfrm>
+          <a:prstGeom prst="rect">
+            <a:avLst/>
+          </a:prstGeom>
+        </p:spPr>
+        <p:txBody>
+          <a:bodyPr>
+            <a:spAutoFit/>
+          </a:bodyPr>
+          <a:lstStyle/>
+          <a:p>
+            <a:r>
+              <a:rPr lang="en-US" dirty="0">
+                <a:solidFill>
+                  <a:srgbClr val="5C5962"/>
+                </a:solidFill>
+              </a:rPr>
+              <a:t>© 2021 Jonathan Bell, John </a:t>
+            </a:r>
+            <a:r>
+              <a:rPr lang="en-US" dirty="0" err="1">
+                <a:solidFill>
+                  <a:srgbClr val="5C5962"/>
+                </a:solidFill>
+              </a:rPr>
+              <a:t>Boyland</a:t>
+            </a:r>
+            <a:r>
+              <a:rPr lang="en-US" dirty="0">
+                <a:solidFill>
+                  <a:srgbClr val="5C5962"/>
+                </a:solidFill>
+              </a:rPr>
+              <a:t> and Mitch Wand. Released under the </a:t>
+            </a:r>
+            <a:r>
+              <a:rPr lang="en-US" dirty="0">
+                <a:solidFill>
+                  <a:srgbClr val="D41B2C"/>
+                </a:solidFill>
+                <a:hlinkClick r:id="rId2"/>
+              </a:rPr>
+              <a:t>CC BY-SA</a:t>
+            </a:r>
+            <a:r>
+              <a:rPr lang="en-US" dirty="0">
+                <a:solidFill>
+                  <a:srgbClr val="5C5962"/>
+                </a:solidFill>
+              </a:rPr>
+              <a:t> license</a:t>
+            </a:r>
+            <a:endParaRPr lang="en-US" dirty="0"/>
           </a:p>
         </p:txBody>
       </p:sp>
